--- a/REVERSE ENGINEER.pptx
+++ b/REVERSE ENGINEER.pptx
@@ -305,7 +305,7 @@
           <a:p>
             <a:fld id="{946DC31E-96AB-4743-B2EC-D315CE7F56CF}" type="datetimeFigureOut">
               <a:rPr lang="en-US" smtClean="0"/>
-              <a:t>6/7/2017</a:t>
+              <a:t>6/9/2017</a:t>
             </a:fld>
             <a:endParaRPr lang="en-US"/>
           </a:p>
@@ -475,7 +475,7 @@
           <a:p>
             <a:fld id="{946DC31E-96AB-4743-B2EC-D315CE7F56CF}" type="datetimeFigureOut">
               <a:rPr lang="en-US" smtClean="0"/>
-              <a:t>6/7/2017</a:t>
+              <a:t>6/9/2017</a:t>
             </a:fld>
             <a:endParaRPr lang="en-US"/>
           </a:p>
@@ -655,7 +655,7 @@
           <a:p>
             <a:fld id="{946DC31E-96AB-4743-B2EC-D315CE7F56CF}" type="datetimeFigureOut">
               <a:rPr lang="en-US" smtClean="0"/>
-              <a:t>6/7/2017</a:t>
+              <a:t>6/9/2017</a:t>
             </a:fld>
             <a:endParaRPr lang="en-US"/>
           </a:p>
@@ -825,7 +825,7 @@
           <a:p>
             <a:fld id="{946DC31E-96AB-4743-B2EC-D315CE7F56CF}" type="datetimeFigureOut">
               <a:rPr lang="en-US" smtClean="0"/>
-              <a:t>6/7/2017</a:t>
+              <a:t>6/9/2017</a:t>
             </a:fld>
             <a:endParaRPr lang="en-US"/>
           </a:p>
@@ -1071,7 +1071,7 @@
           <a:p>
             <a:fld id="{946DC31E-96AB-4743-B2EC-D315CE7F56CF}" type="datetimeFigureOut">
               <a:rPr lang="en-US" smtClean="0"/>
-              <a:t>6/7/2017</a:t>
+              <a:t>6/9/2017</a:t>
             </a:fld>
             <a:endParaRPr lang="en-US"/>
           </a:p>
@@ -1303,7 +1303,7 @@
           <a:p>
             <a:fld id="{946DC31E-96AB-4743-B2EC-D315CE7F56CF}" type="datetimeFigureOut">
               <a:rPr lang="en-US" smtClean="0"/>
-              <a:t>6/7/2017</a:t>
+              <a:t>6/9/2017</a:t>
             </a:fld>
             <a:endParaRPr lang="en-US"/>
           </a:p>
@@ -1670,7 +1670,7 @@
           <a:p>
             <a:fld id="{946DC31E-96AB-4743-B2EC-D315CE7F56CF}" type="datetimeFigureOut">
               <a:rPr lang="en-US" smtClean="0"/>
-              <a:t>6/7/2017</a:t>
+              <a:t>6/9/2017</a:t>
             </a:fld>
             <a:endParaRPr lang="en-US"/>
           </a:p>
@@ -1788,7 +1788,7 @@
           <a:p>
             <a:fld id="{946DC31E-96AB-4743-B2EC-D315CE7F56CF}" type="datetimeFigureOut">
               <a:rPr lang="en-US" smtClean="0"/>
-              <a:t>6/7/2017</a:t>
+              <a:t>6/9/2017</a:t>
             </a:fld>
             <a:endParaRPr lang="en-US"/>
           </a:p>
@@ -1883,7 +1883,7 @@
           <a:p>
             <a:fld id="{946DC31E-96AB-4743-B2EC-D315CE7F56CF}" type="datetimeFigureOut">
               <a:rPr lang="en-US" smtClean="0"/>
-              <a:t>6/7/2017</a:t>
+              <a:t>6/9/2017</a:t>
             </a:fld>
             <a:endParaRPr lang="en-US"/>
           </a:p>
@@ -2160,7 +2160,7 @@
           <a:p>
             <a:fld id="{946DC31E-96AB-4743-B2EC-D315CE7F56CF}" type="datetimeFigureOut">
               <a:rPr lang="en-US" smtClean="0"/>
-              <a:t>6/7/2017</a:t>
+              <a:t>6/9/2017</a:t>
             </a:fld>
             <a:endParaRPr lang="en-US"/>
           </a:p>
@@ -2413,7 +2413,7 @@
           <a:p>
             <a:fld id="{946DC31E-96AB-4743-B2EC-D315CE7F56CF}" type="datetimeFigureOut">
               <a:rPr lang="en-US" smtClean="0"/>
-              <a:t>6/7/2017</a:t>
+              <a:t>6/9/2017</a:t>
             </a:fld>
             <a:endParaRPr lang="en-US"/>
           </a:p>
@@ -2626,7 +2626,7 @@
           <a:p>
             <a:fld id="{946DC31E-96AB-4743-B2EC-D315CE7F56CF}" type="datetimeFigureOut">
               <a:rPr lang="en-US" smtClean="0"/>
-              <a:t>6/7/2017</a:t>
+              <a:t>6/9/2017</a:t>
             </a:fld>
             <a:endParaRPr lang="en-US"/>
           </a:p>
@@ -5781,7 +5781,7 @@
         <p:spPr>
           <a:xfrm>
             <a:off x="609600" y="2159000"/>
-            <a:ext cx="10972800" cy="2554545"/>
+            <a:ext cx="10972800" cy="2677656"/>
           </a:xfrm>
           <a:prstGeom prst="rect">
             <a:avLst/>
@@ -5799,8 +5799,8 @@
               <a:buChar char="•"/>
             </a:pPr>
             <a:r>
-              <a:rPr lang="en-US" sz="2000" dirty="0" smtClean="0"/>
-              <a:t>It is the lowest level language to the hardware you will typically program.</a:t>
+              <a:rPr lang="en-US" sz="2400" dirty="0" smtClean="0"/>
+              <a:t>It is the lowest level language to the hardware.</a:t>
             </a:r>
           </a:p>
           <a:p>
@@ -5809,8 +5809,8 @@
               <a:buChar char="•"/>
             </a:pPr>
             <a:r>
-              <a:rPr lang="en-US" sz="2000" dirty="0" smtClean="0"/>
-              <a:t>It is not as complicated as some people fear it will be. This is especially true as the microprocessor/microcontroller manufacturers provide excellent documentation for writing software for their products.</a:t>
+              <a:rPr lang="en-US" sz="2400" dirty="0" smtClean="0"/>
+              <a:t>The microprocessor/microcontroller manufacturers provide excellent documentation for writing software for their products.</a:t>
             </a:r>
           </a:p>
           <a:p>
@@ -5819,8 +5819,8 @@
               <a:buChar char="•"/>
             </a:pPr>
             <a:r>
-              <a:rPr lang="en-US" sz="2000" dirty="0" smtClean="0"/>
-              <a:t>As a reverse engineer, you aren’t writing assembly language code, you read assembly language code.</a:t>
+              <a:rPr lang="en-US" sz="2400" dirty="0" smtClean="0"/>
+              <a:t>As a reverse engineer, you read assembly language code.</a:t>
             </a:r>
           </a:p>
           <a:p>
@@ -5829,8 +5829,8 @@
               <a:buChar char="•"/>
             </a:pPr>
             <a:r>
-              <a:rPr lang="en-US" sz="2000" dirty="0" smtClean="0"/>
-              <a:t>Often, the biggest difficulty is dealing with compiler optimizations and obfuscations. These are not a problem in the original source code, but can be a nightmare in the final compiled code.</a:t>
+              <a:rPr lang="en-US" sz="2400" dirty="0" smtClean="0"/>
+              <a:t>The biggest difficulty is dealing with compiler optimizations and obfuscations.</a:t>
             </a:r>
           </a:p>
           <a:p>
@@ -5839,7 +5839,7 @@
               <a:buChar char="•"/>
             </a:pPr>
             <a:r>
-              <a:rPr lang="en-US" sz="2000" dirty="0" smtClean="0"/>
+              <a:rPr lang="en-US" sz="2400" dirty="0" smtClean="0"/>
               <a:t>A lack of symbol files for the code you are reversing increases the detective work on your part.</a:t>
             </a:r>
           </a:p>
@@ -5997,7 +5997,7 @@
         <p:spPr>
           <a:xfrm>
             <a:off x="622300" y="2286000"/>
-            <a:ext cx="10972800" cy="3785652"/>
+            <a:ext cx="10972800" cy="2677656"/>
           </a:xfrm>
           <a:prstGeom prst="rect">
             <a:avLst/>
@@ -6015,8 +6015,8 @@
               <a:buChar char="•"/>
             </a:pPr>
             <a:r>
-              <a:rPr lang="en-US" sz="2000" dirty="0" smtClean="0"/>
-              <a:t>This is one of two places where you read assembly language. The other place is the IDA Pro disassembler.</a:t>
+              <a:rPr lang="en-US" sz="2400" dirty="0" smtClean="0"/>
+              <a:t>Provides you with an active view of a currently running program.</a:t>
             </a:r>
           </a:p>
           <a:p>
@@ -6025,8 +6025,16 @@
               <a:buChar char="•"/>
             </a:pPr>
             <a:r>
-              <a:rPr lang="en-US" sz="2000" dirty="0" smtClean="0"/>
-              <a:t>A debugger provides you with an active view of a currently running program.</a:t>
+              <a:rPr lang="en-US" sz="2400" dirty="0" smtClean="0"/>
+              <a:t>In user-mode, there are a variety of debuggers from which </a:t>
+            </a:r>
+            <a:r>
+              <a:rPr lang="en-US" sz="2400" dirty="0"/>
+              <a:t>to </a:t>
+            </a:r>
+            <a:r>
+              <a:rPr lang="en-US" sz="2400" dirty="0" smtClean="0"/>
+              <a:t>choose.</a:t>
             </a:r>
           </a:p>
           <a:p>
@@ -6035,16 +6043,8 @@
               <a:buChar char="•"/>
             </a:pPr>
             <a:r>
-              <a:rPr lang="en-US" sz="2000" dirty="0" smtClean="0"/>
-              <a:t>In user-mode, there are a variety of debuggers from which </a:t>
-            </a:r>
-            <a:r>
-              <a:rPr lang="en-US" sz="2000" dirty="0"/>
-              <a:t>to </a:t>
-            </a:r>
-            <a:r>
-              <a:rPr lang="en-US" sz="2000" dirty="0" smtClean="0"/>
-              <a:t>choose. No single debugger stands out as an obvious choice.</a:t>
+              <a:rPr lang="en-US" sz="2400" dirty="0" smtClean="0"/>
+              <a:t>In kernel-mode, there is an obvious choice for Windows – WinDbg.</a:t>
             </a:r>
           </a:p>
           <a:p>
@@ -6053,8 +6053,8 @@
               <a:buChar char="•"/>
             </a:pPr>
             <a:r>
-              <a:rPr lang="en-US" sz="2000" dirty="0" smtClean="0"/>
-              <a:t>In kernel-mode, there is an obvious choice for Windows – WinDbg.</a:t>
+              <a:rPr lang="en-US" sz="2400" dirty="0" smtClean="0"/>
+              <a:t>Symbol file locations must be made aware to the debugger.</a:t>
             </a:r>
           </a:p>
           <a:p>
@@ -6063,8 +6063,8 @@
               <a:buChar char="•"/>
             </a:pPr>
             <a:r>
-              <a:rPr lang="en-US" sz="2000" dirty="0" smtClean="0"/>
-              <a:t>Symbol file locations must be made aware to the debugger. This is often done via environment variables or by setting parameters in the debugger or at debugger startup. A debug file often has the location of the symbol file embedded in its binary headers and so finding the symbol file is usually automatic.</a:t>
+              <a:rPr lang="en-US" sz="2400" dirty="0" smtClean="0"/>
+              <a:t>The trace command (t) and the step command (p) are two important commands to learn.</a:t>
             </a:r>
           </a:p>
           <a:p>
@@ -6073,10 +6073,10 @@
               <a:buChar char="•"/>
             </a:pPr>
             <a:r>
-              <a:rPr lang="en-US" sz="2000" dirty="0" smtClean="0"/>
-              <a:t>The trace command and the step command are two important commands to learn. This is followed by the various dump memory and registers commands.</a:t>
-            </a:r>
-            <a:endParaRPr lang="en-US" sz="2000" dirty="0"/>
+              <a:rPr lang="en-US" sz="2400" dirty="0" smtClean="0"/>
+              <a:t>This is followed by the various dump memory and registers commands.</a:t>
+            </a:r>
+            <a:endParaRPr lang="en-US" sz="2400" dirty="0"/>
           </a:p>
         </p:txBody>
       </p:sp>
@@ -8559,8 +8559,8 @@
         </p:nvSpPr>
         <p:spPr>
           <a:xfrm>
-            <a:off x="726510" y="1390389"/>
-            <a:ext cx="1976823" cy="1477328"/>
+            <a:off x="4805422" y="2459504"/>
+            <a:ext cx="2581156" cy="1938992"/>
           </a:xfrm>
           <a:prstGeom prst="rect">
             <a:avLst/>
@@ -8574,41 +8574,41 @@
           <a:lstStyle/>
           <a:p>
             <a:r>
-              <a:rPr lang="en-US" dirty="0" err="1" smtClean="0">
+              <a:rPr lang="en-US" sz="2400" dirty="0" err="1" smtClean="0">
                 <a:latin typeface="Courier New" panose="02070309020205020404" pitchFamily="49" charset="0"/>
                 <a:cs typeface="Courier New" panose="02070309020205020404" pitchFamily="49" charset="0"/>
               </a:rPr>
               <a:t>kd</a:t>
             </a:r>
             <a:r>
-              <a:rPr lang="en-US" dirty="0" smtClean="0">
+              <a:rPr lang="en-US" sz="2400" dirty="0" smtClean="0">
                 <a:latin typeface="Courier New" panose="02070309020205020404" pitchFamily="49" charset="0"/>
                 <a:cs typeface="Courier New" panose="02070309020205020404" pitchFamily="49" charset="0"/>
               </a:rPr>
               <a:t>&gt; r </a:t>
             </a:r>
             <a:r>
-              <a:rPr lang="en-US" dirty="0" err="1" smtClean="0">
+              <a:rPr lang="en-US" sz="2400" dirty="0" err="1" smtClean="0">
                 <a:latin typeface="Courier New" panose="02070309020205020404" pitchFamily="49" charset="0"/>
                 <a:cs typeface="Courier New" panose="02070309020205020404" pitchFamily="49" charset="0"/>
               </a:rPr>
               <a:t>gdtr</a:t>
             </a:r>
-            <a:endParaRPr lang="en-US" dirty="0" smtClean="0">
+            <a:endParaRPr lang="en-US" sz="2400" dirty="0" smtClean="0">
               <a:latin typeface="Courier New" panose="02070309020205020404" pitchFamily="49" charset="0"/>
               <a:cs typeface="Courier New" panose="02070309020205020404" pitchFamily="49" charset="0"/>
             </a:endParaRPr>
           </a:p>
           <a:p>
             <a:r>
-              <a:rPr lang="en-US" dirty="0" err="1" smtClean="0">
+              <a:rPr lang="en-US" sz="2400" dirty="0" err="1" smtClean="0">
                 <a:latin typeface="Courier New" panose="02070309020205020404" pitchFamily="49" charset="0"/>
                 <a:cs typeface="Courier New" panose="02070309020205020404" pitchFamily="49" charset="0"/>
               </a:rPr>
               <a:t>gdtr</a:t>
             </a:r>
             <a:r>
-              <a:rPr lang="en-US" dirty="0" smtClean="0">
+              <a:rPr lang="en-US" sz="2400" dirty="0" smtClean="0">
                 <a:latin typeface="Courier New" panose="02070309020205020404" pitchFamily="49" charset="0"/>
                 <a:cs typeface="Courier New" panose="02070309020205020404" pitchFamily="49" charset="0"/>
               </a:rPr>
@@ -8616,54 +8616,54 @@
             </a:r>
           </a:p>
           <a:p>
-            <a:endParaRPr lang="en-US" dirty="0">
+            <a:endParaRPr lang="en-US" sz="2400" dirty="0">
               <a:latin typeface="Courier New" panose="02070309020205020404" pitchFamily="49" charset="0"/>
               <a:cs typeface="Courier New" panose="02070309020205020404" pitchFamily="49" charset="0"/>
             </a:endParaRPr>
           </a:p>
           <a:p>
             <a:r>
-              <a:rPr lang="en-US" dirty="0" err="1">
+              <a:rPr lang="en-US" sz="2400" dirty="0" err="1">
                 <a:latin typeface="Courier New" panose="02070309020205020404" pitchFamily="49" charset="0"/>
                 <a:cs typeface="Courier New" panose="02070309020205020404" pitchFamily="49" charset="0"/>
               </a:rPr>
               <a:t>kd</a:t>
             </a:r>
             <a:r>
-              <a:rPr lang="en-US" dirty="0">
+              <a:rPr lang="en-US" sz="2400" dirty="0">
                 <a:latin typeface="Courier New" panose="02070309020205020404" pitchFamily="49" charset="0"/>
                 <a:cs typeface="Courier New" panose="02070309020205020404" pitchFamily="49" charset="0"/>
               </a:rPr>
               <a:t>&gt; r </a:t>
             </a:r>
             <a:r>
-              <a:rPr lang="en-US" dirty="0" err="1" smtClean="0">
+              <a:rPr lang="en-US" sz="2400" dirty="0" err="1" smtClean="0">
                 <a:latin typeface="Courier New" panose="02070309020205020404" pitchFamily="49" charset="0"/>
                 <a:cs typeface="Courier New" panose="02070309020205020404" pitchFamily="49" charset="0"/>
               </a:rPr>
               <a:t>gdtl</a:t>
             </a:r>
-            <a:endParaRPr lang="en-US" dirty="0">
+            <a:endParaRPr lang="en-US" sz="2400" dirty="0">
               <a:latin typeface="Courier New" panose="02070309020205020404" pitchFamily="49" charset="0"/>
               <a:cs typeface="Courier New" panose="02070309020205020404" pitchFamily="49" charset="0"/>
             </a:endParaRPr>
           </a:p>
           <a:p>
             <a:r>
-              <a:rPr lang="en-US" dirty="0" err="1" smtClean="0">
+              <a:rPr lang="en-US" sz="2400" dirty="0" err="1" smtClean="0">
                 <a:latin typeface="Courier New" panose="02070309020205020404" pitchFamily="49" charset="0"/>
                 <a:cs typeface="Courier New" panose="02070309020205020404" pitchFamily="49" charset="0"/>
               </a:rPr>
               <a:t>gtdl</a:t>
             </a:r>
             <a:r>
-              <a:rPr lang="en-US" dirty="0" smtClean="0">
+              <a:rPr lang="en-US" sz="2400" dirty="0" smtClean="0">
                 <a:latin typeface="Courier New" panose="02070309020205020404" pitchFamily="49" charset="0"/>
                 <a:cs typeface="Courier New" panose="02070309020205020404" pitchFamily="49" charset="0"/>
               </a:rPr>
               <a:t>=03ff</a:t>
             </a:r>
-            <a:endParaRPr lang="en-US" dirty="0">
+            <a:endParaRPr lang="en-US" sz="2400" dirty="0">
               <a:latin typeface="Courier New" panose="02070309020205020404" pitchFamily="49" charset="0"/>
               <a:cs typeface="Courier New" panose="02070309020205020404" pitchFamily="49" charset="0"/>
             </a:endParaRPr>
@@ -9972,8 +9972,8 @@
         </p:nvSpPr>
         <p:spPr>
           <a:xfrm>
-            <a:off x="726510" y="1390389"/>
-            <a:ext cx="8042586" cy="2308324"/>
+            <a:off x="749824" y="1905506"/>
+            <a:ext cx="10692351" cy="3046988"/>
           </a:xfrm>
           <a:prstGeom prst="rect">
             <a:avLst/>
@@ -9987,14 +9987,14 @@
           <a:lstStyle/>
           <a:p>
             <a:r>
-              <a:rPr lang="en-US" dirty="0" err="1" smtClean="0">
+              <a:rPr lang="en-US" sz="2400" dirty="0" err="1" smtClean="0">
                 <a:latin typeface="Courier New" panose="02070309020205020404" pitchFamily="49" charset="0"/>
                 <a:cs typeface="Courier New" panose="02070309020205020404" pitchFamily="49" charset="0"/>
               </a:rPr>
               <a:t>kd</a:t>
             </a:r>
             <a:r>
-              <a:rPr lang="en-US" dirty="0" smtClean="0">
+              <a:rPr lang="en-US" sz="2400" dirty="0" smtClean="0">
                 <a:latin typeface="Courier New" panose="02070309020205020404" pitchFamily="49" charset="0"/>
                 <a:cs typeface="Courier New" panose="02070309020205020404" pitchFamily="49" charset="0"/>
               </a:rPr>
@@ -10003,49 +10003,49 @@
           </a:p>
           <a:p>
             <a:r>
-              <a:rPr lang="en-US" dirty="0" smtClean="0">
+              <a:rPr lang="en-US" sz="2400" dirty="0" smtClean="0">
                 <a:latin typeface="Courier New" panose="02070309020205020404" pitchFamily="49" charset="0"/>
                 <a:cs typeface="Courier New" panose="02070309020205020404" pitchFamily="49" charset="0"/>
               </a:rPr>
               <a:t>82430000  00 00 00 00 00</a:t>
             </a:r>
             <a:r>
-              <a:rPr lang="en-US" dirty="0">
+              <a:rPr lang="en-US" sz="2400" dirty="0">
                 <a:latin typeface="Courier New" panose="02070309020205020404" pitchFamily="49" charset="0"/>
                 <a:cs typeface="Courier New" panose="02070309020205020404" pitchFamily="49" charset="0"/>
               </a:rPr>
               <a:t> 00 00 </a:t>
             </a:r>
             <a:r>
-              <a:rPr lang="en-US" dirty="0" smtClean="0">
+              <a:rPr lang="en-US" sz="2400" dirty="0" smtClean="0">
                 <a:latin typeface="Courier New" panose="02070309020205020404" pitchFamily="49" charset="0"/>
                 <a:cs typeface="Courier New" panose="02070309020205020404" pitchFamily="49" charset="0"/>
               </a:rPr>
               <a:t>00-ff </a:t>
             </a:r>
             <a:r>
-              <a:rPr lang="en-US" dirty="0" err="1" smtClean="0">
+              <a:rPr lang="en-US" sz="2400" dirty="0" err="1" smtClean="0">
                 <a:latin typeface="Courier New" panose="02070309020205020404" pitchFamily="49" charset="0"/>
                 <a:cs typeface="Courier New" panose="02070309020205020404" pitchFamily="49" charset="0"/>
               </a:rPr>
               <a:t>ff</a:t>
             </a:r>
             <a:r>
-              <a:rPr lang="en-US" dirty="0" smtClean="0">
+              <a:rPr lang="en-US" sz="2400" dirty="0" smtClean="0">
                 <a:latin typeface="Courier New" panose="02070309020205020404" pitchFamily="49" charset="0"/>
                 <a:cs typeface="Courier New" panose="02070309020205020404" pitchFamily="49" charset="0"/>
               </a:rPr>
               <a:t> 00 00 00 9b </a:t>
             </a:r>
             <a:r>
-              <a:rPr lang="en-US" dirty="0" err="1" smtClean="0">
+              <a:rPr lang="en-US" sz="2400" dirty="0" err="1" smtClean="0">
                 <a:latin typeface="Courier New" panose="02070309020205020404" pitchFamily="49" charset="0"/>
                 <a:cs typeface="Courier New" panose="02070309020205020404" pitchFamily="49" charset="0"/>
               </a:rPr>
               <a:t>cf</a:t>
             </a:r>
             <a:r>
-              <a:rPr lang="en-US" dirty="0" smtClean="0">
+              <a:rPr lang="en-US" sz="2400" dirty="0" smtClean="0">
                 <a:latin typeface="Courier New" panose="02070309020205020404" pitchFamily="49" charset="0"/>
                 <a:cs typeface="Courier New" panose="02070309020205020404" pitchFamily="49" charset="0"/>
               </a:rPr>
@@ -10054,77 +10054,77 @@
           </a:p>
           <a:p>
             <a:r>
-              <a:rPr lang="en-US" dirty="0" smtClean="0">
+              <a:rPr lang="en-US" sz="2400" dirty="0" smtClean="0">
                 <a:latin typeface="Courier New" panose="02070309020205020404" pitchFamily="49" charset="0"/>
                 <a:cs typeface="Courier New" panose="02070309020205020404" pitchFamily="49" charset="0"/>
               </a:rPr>
               <a:t>82430010  </a:t>
             </a:r>
             <a:r>
-              <a:rPr lang="en-US" dirty="0" err="1" smtClean="0">
+              <a:rPr lang="en-US" sz="2400" dirty="0" err="1" smtClean="0">
                 <a:latin typeface="Courier New" panose="02070309020205020404" pitchFamily="49" charset="0"/>
                 <a:cs typeface="Courier New" panose="02070309020205020404" pitchFamily="49" charset="0"/>
               </a:rPr>
               <a:t>ff</a:t>
             </a:r>
             <a:r>
-              <a:rPr lang="en-US" dirty="0" smtClean="0">
+              <a:rPr lang="en-US" sz="2400" dirty="0" smtClean="0">
                 <a:latin typeface="Courier New" panose="02070309020205020404" pitchFamily="49" charset="0"/>
                 <a:cs typeface="Courier New" panose="02070309020205020404" pitchFamily="49" charset="0"/>
               </a:rPr>
               <a:t> </a:t>
             </a:r>
             <a:r>
-              <a:rPr lang="en-US" dirty="0" err="1" smtClean="0">
+              <a:rPr lang="en-US" sz="2400" dirty="0" err="1" smtClean="0">
                 <a:latin typeface="Courier New" panose="02070309020205020404" pitchFamily="49" charset="0"/>
                 <a:cs typeface="Courier New" panose="02070309020205020404" pitchFamily="49" charset="0"/>
               </a:rPr>
               <a:t>ff</a:t>
             </a:r>
             <a:r>
-              <a:rPr lang="en-US" dirty="0" smtClean="0">
+              <a:rPr lang="en-US" sz="2400" dirty="0" smtClean="0">
                 <a:latin typeface="Courier New" panose="02070309020205020404" pitchFamily="49" charset="0"/>
                 <a:cs typeface="Courier New" panose="02070309020205020404" pitchFamily="49" charset="0"/>
               </a:rPr>
               <a:t> 00 00 00 93 </a:t>
             </a:r>
             <a:r>
-              <a:rPr lang="en-US" dirty="0" err="1" smtClean="0">
+              <a:rPr lang="en-US" sz="2400" dirty="0" err="1" smtClean="0">
                 <a:latin typeface="Courier New" panose="02070309020205020404" pitchFamily="49" charset="0"/>
                 <a:cs typeface="Courier New" panose="02070309020205020404" pitchFamily="49" charset="0"/>
               </a:rPr>
               <a:t>cf</a:t>
             </a:r>
             <a:r>
-              <a:rPr lang="en-US" dirty="0" smtClean="0">
+              <a:rPr lang="en-US" sz="2400" dirty="0" smtClean="0">
                 <a:latin typeface="Courier New" panose="02070309020205020404" pitchFamily="49" charset="0"/>
                 <a:cs typeface="Courier New" panose="02070309020205020404" pitchFamily="49" charset="0"/>
               </a:rPr>
               <a:t> 00-ff </a:t>
             </a:r>
             <a:r>
-              <a:rPr lang="en-US" dirty="0" err="1" smtClean="0">
+              <a:rPr lang="en-US" sz="2400" dirty="0" err="1" smtClean="0">
                 <a:latin typeface="Courier New" panose="02070309020205020404" pitchFamily="49" charset="0"/>
                 <a:cs typeface="Courier New" panose="02070309020205020404" pitchFamily="49" charset="0"/>
               </a:rPr>
               <a:t>ff</a:t>
             </a:r>
             <a:r>
-              <a:rPr lang="en-US" dirty="0" smtClean="0">
+              <a:rPr lang="en-US" sz="2400" dirty="0" smtClean="0">
                 <a:latin typeface="Courier New" panose="02070309020205020404" pitchFamily="49" charset="0"/>
                 <a:cs typeface="Courier New" panose="02070309020205020404" pitchFamily="49" charset="0"/>
               </a:rPr>
               <a:t> 00 00 00 fb </a:t>
             </a:r>
             <a:r>
-              <a:rPr lang="en-US" dirty="0" err="1" smtClean="0">
+              <a:rPr lang="en-US" sz="2400" dirty="0" err="1" smtClean="0">
                 <a:latin typeface="Courier New" panose="02070309020205020404" pitchFamily="49" charset="0"/>
                 <a:cs typeface="Courier New" panose="02070309020205020404" pitchFamily="49" charset="0"/>
               </a:rPr>
               <a:t>cf</a:t>
             </a:r>
             <a:r>
-              <a:rPr lang="en-US" dirty="0" smtClean="0">
+              <a:rPr lang="en-US" sz="2400" dirty="0" smtClean="0">
                 <a:latin typeface="Courier New" panose="02070309020205020404" pitchFamily="49" charset="0"/>
                 <a:cs typeface="Courier New" panose="02070309020205020404" pitchFamily="49" charset="0"/>
               </a:rPr>
@@ -10133,215 +10133,215 @@
           </a:p>
           <a:p>
             <a:r>
-              <a:rPr lang="en-US" dirty="0" smtClean="0">
+              <a:rPr lang="en-US" sz="2400" dirty="0" smtClean="0">
                 <a:latin typeface="Courier New" panose="02070309020205020404" pitchFamily="49" charset="0"/>
                 <a:cs typeface="Courier New" panose="02070309020205020404" pitchFamily="49" charset="0"/>
               </a:rPr>
               <a:t>82430020  </a:t>
             </a:r>
             <a:r>
-              <a:rPr lang="en-US" dirty="0" err="1">
+              <a:rPr lang="en-US" sz="2400" dirty="0" err="1">
                 <a:latin typeface="Courier New" panose="02070309020205020404" pitchFamily="49" charset="0"/>
                 <a:cs typeface="Courier New" panose="02070309020205020404" pitchFamily="49" charset="0"/>
               </a:rPr>
               <a:t>ff</a:t>
             </a:r>
             <a:r>
-              <a:rPr lang="en-US" dirty="0">
+              <a:rPr lang="en-US" sz="2400" dirty="0">
                 <a:latin typeface="Courier New" panose="02070309020205020404" pitchFamily="49" charset="0"/>
                 <a:cs typeface="Courier New" panose="02070309020205020404" pitchFamily="49" charset="0"/>
               </a:rPr>
               <a:t> </a:t>
             </a:r>
             <a:r>
-              <a:rPr lang="en-US" dirty="0" err="1">
+              <a:rPr lang="en-US" sz="2400" dirty="0" err="1">
                 <a:latin typeface="Courier New" panose="02070309020205020404" pitchFamily="49" charset="0"/>
                 <a:cs typeface="Courier New" panose="02070309020205020404" pitchFamily="49" charset="0"/>
               </a:rPr>
               <a:t>ff</a:t>
             </a:r>
             <a:r>
-              <a:rPr lang="en-US" dirty="0">
+              <a:rPr lang="en-US" sz="2400" dirty="0">
                 <a:latin typeface="Courier New" panose="02070309020205020404" pitchFamily="49" charset="0"/>
                 <a:cs typeface="Courier New" panose="02070309020205020404" pitchFamily="49" charset="0"/>
               </a:rPr>
               <a:t> 00 00 00 </a:t>
             </a:r>
             <a:r>
-              <a:rPr lang="en-US" dirty="0" smtClean="0">
+              <a:rPr lang="en-US" sz="2400" dirty="0" smtClean="0">
                 <a:latin typeface="Courier New" panose="02070309020205020404" pitchFamily="49" charset="0"/>
                 <a:cs typeface="Courier New" panose="02070309020205020404" pitchFamily="49" charset="0"/>
               </a:rPr>
               <a:t>f3 </a:t>
             </a:r>
             <a:r>
-              <a:rPr lang="en-US" dirty="0" err="1">
+              <a:rPr lang="en-US" sz="2400" dirty="0" err="1">
                 <a:latin typeface="Courier New" panose="02070309020205020404" pitchFamily="49" charset="0"/>
                 <a:cs typeface="Courier New" panose="02070309020205020404" pitchFamily="49" charset="0"/>
               </a:rPr>
               <a:t>cf</a:t>
             </a:r>
             <a:r>
-              <a:rPr lang="en-US" dirty="0">
+              <a:rPr lang="en-US" sz="2400" dirty="0">
                 <a:latin typeface="Courier New" panose="02070309020205020404" pitchFamily="49" charset="0"/>
                 <a:cs typeface="Courier New" panose="02070309020205020404" pitchFamily="49" charset="0"/>
               </a:rPr>
               <a:t> </a:t>
             </a:r>
             <a:r>
-              <a:rPr lang="en-US" dirty="0" smtClean="0">
+              <a:rPr lang="en-US" sz="2400" dirty="0" smtClean="0">
                 <a:latin typeface="Courier New" panose="02070309020205020404" pitchFamily="49" charset="0"/>
                 <a:cs typeface="Courier New" panose="02070309020205020404" pitchFamily="49" charset="0"/>
               </a:rPr>
               <a:t>00-ab 20 </a:t>
             </a:r>
             <a:r>
-              <a:rPr lang="en-US" dirty="0">
+              <a:rPr lang="en-US" sz="2400" dirty="0">
                 <a:latin typeface="Courier New" panose="02070309020205020404" pitchFamily="49" charset="0"/>
                 <a:cs typeface="Courier New" panose="02070309020205020404" pitchFamily="49" charset="0"/>
               </a:rPr>
               <a:t>00 </a:t>
             </a:r>
             <a:r>
-              <a:rPr lang="en-US" dirty="0" smtClean="0">
+              <a:rPr lang="en-US" sz="2400" dirty="0" smtClean="0">
                 <a:latin typeface="Courier New" panose="02070309020205020404" pitchFamily="49" charset="0"/>
                 <a:cs typeface="Courier New" panose="02070309020205020404" pitchFamily="49" charset="0"/>
               </a:rPr>
               <a:t>b0 13 8b 00 80</a:t>
             </a:r>
-            <a:endParaRPr lang="en-US" dirty="0">
+            <a:endParaRPr lang="en-US" sz="2400" dirty="0">
               <a:latin typeface="Courier New" panose="02070309020205020404" pitchFamily="49" charset="0"/>
               <a:cs typeface="Courier New" panose="02070309020205020404" pitchFamily="49" charset="0"/>
             </a:endParaRPr>
           </a:p>
           <a:p>
             <a:r>
-              <a:rPr lang="en-US" dirty="0" smtClean="0">
+              <a:rPr lang="en-US" sz="2400" dirty="0" smtClean="0">
                 <a:latin typeface="Courier New" panose="02070309020205020404" pitchFamily="49" charset="0"/>
                 <a:cs typeface="Courier New" panose="02070309020205020404" pitchFamily="49" charset="0"/>
               </a:rPr>
               <a:t>82430030  28 21 </a:t>
             </a:r>
             <a:r>
-              <a:rPr lang="en-US" dirty="0">
+              <a:rPr lang="en-US" sz="2400" dirty="0">
                 <a:latin typeface="Courier New" panose="02070309020205020404" pitchFamily="49" charset="0"/>
                 <a:cs typeface="Courier New" panose="02070309020205020404" pitchFamily="49" charset="0"/>
               </a:rPr>
               <a:t>00 </a:t>
             </a:r>
             <a:r>
-              <a:rPr lang="en-US" dirty="0" smtClean="0">
+              <a:rPr lang="en-US" sz="2400" dirty="0" smtClean="0">
                 <a:latin typeface="Courier New" panose="02070309020205020404" pitchFamily="49" charset="0"/>
                 <a:cs typeface="Courier New" panose="02070309020205020404" pitchFamily="49" charset="0"/>
               </a:rPr>
               <a:t>78 90 </a:t>
             </a:r>
             <a:r>
-              <a:rPr lang="en-US" dirty="0">
+              <a:rPr lang="en-US" sz="2400" dirty="0">
                 <a:latin typeface="Courier New" panose="02070309020205020404" pitchFamily="49" charset="0"/>
                 <a:cs typeface="Courier New" panose="02070309020205020404" pitchFamily="49" charset="0"/>
               </a:rPr>
               <a:t>93 </a:t>
             </a:r>
             <a:r>
-              <a:rPr lang="en-US" dirty="0" smtClean="0">
+              <a:rPr lang="en-US" sz="2400" dirty="0" smtClean="0">
                 <a:latin typeface="Courier New" panose="02070309020205020404" pitchFamily="49" charset="0"/>
                 <a:cs typeface="Courier New" panose="02070309020205020404" pitchFamily="49" charset="0"/>
               </a:rPr>
               <a:t>40 81-ff 0f </a:t>
             </a:r>
             <a:r>
-              <a:rPr lang="en-US" dirty="0">
+              <a:rPr lang="en-US" sz="2400" dirty="0">
                 <a:latin typeface="Courier New" panose="02070309020205020404" pitchFamily="49" charset="0"/>
                 <a:cs typeface="Courier New" panose="02070309020205020404" pitchFamily="49" charset="0"/>
               </a:rPr>
               <a:t>00 </a:t>
             </a:r>
             <a:r>
-              <a:rPr lang="en-US" dirty="0" smtClean="0">
+              <a:rPr lang="en-US" sz="2400" dirty="0" smtClean="0">
                 <a:latin typeface="Courier New" panose="02070309020205020404" pitchFamily="49" charset="0"/>
                 <a:cs typeface="Courier New" panose="02070309020205020404" pitchFamily="49" charset="0"/>
               </a:rPr>
               <a:t>e0 fa f3 40 7f</a:t>
             </a:r>
-            <a:endParaRPr lang="en-US" dirty="0">
+            <a:endParaRPr lang="en-US" sz="2400" dirty="0">
               <a:latin typeface="Courier New" panose="02070309020205020404" pitchFamily="49" charset="0"/>
               <a:cs typeface="Courier New" panose="02070309020205020404" pitchFamily="49" charset="0"/>
             </a:endParaRPr>
           </a:p>
           <a:p>
             <a:r>
-              <a:rPr lang="en-US" dirty="0" smtClean="0">
+              <a:rPr lang="en-US" sz="2400" dirty="0" smtClean="0">
                 <a:latin typeface="Courier New" panose="02070309020205020404" pitchFamily="49" charset="0"/>
                 <a:cs typeface="Courier New" panose="02070309020205020404" pitchFamily="49" charset="0"/>
               </a:rPr>
               <a:t>82430040  </a:t>
             </a:r>
             <a:r>
-              <a:rPr lang="en-US" dirty="0" err="1">
+              <a:rPr lang="en-US" sz="2400" dirty="0" err="1">
                 <a:latin typeface="Courier New" panose="02070309020205020404" pitchFamily="49" charset="0"/>
                 <a:cs typeface="Courier New" panose="02070309020205020404" pitchFamily="49" charset="0"/>
               </a:rPr>
               <a:t>ff</a:t>
             </a:r>
             <a:r>
-              <a:rPr lang="en-US" dirty="0">
+              <a:rPr lang="en-US" sz="2400" dirty="0">
                 <a:latin typeface="Courier New" panose="02070309020205020404" pitchFamily="49" charset="0"/>
                 <a:cs typeface="Courier New" panose="02070309020205020404" pitchFamily="49" charset="0"/>
               </a:rPr>
               <a:t> </a:t>
             </a:r>
             <a:r>
-              <a:rPr lang="en-US" dirty="0" err="1">
+              <a:rPr lang="en-US" sz="2400" dirty="0" err="1">
                 <a:latin typeface="Courier New" panose="02070309020205020404" pitchFamily="49" charset="0"/>
                 <a:cs typeface="Courier New" panose="02070309020205020404" pitchFamily="49" charset="0"/>
               </a:rPr>
               <a:t>ff</a:t>
             </a:r>
             <a:r>
-              <a:rPr lang="en-US" dirty="0">
+              <a:rPr lang="en-US" sz="2400" dirty="0">
                 <a:latin typeface="Courier New" panose="02070309020205020404" pitchFamily="49" charset="0"/>
                 <a:cs typeface="Courier New" panose="02070309020205020404" pitchFamily="49" charset="0"/>
               </a:rPr>
               <a:t> 00 </a:t>
             </a:r>
             <a:r>
-              <a:rPr lang="en-US" dirty="0" smtClean="0">
+              <a:rPr lang="en-US" sz="2400" dirty="0" smtClean="0">
                 <a:latin typeface="Courier New" panose="02070309020205020404" pitchFamily="49" charset="0"/>
                 <a:cs typeface="Courier New" panose="02070309020205020404" pitchFamily="49" charset="0"/>
               </a:rPr>
               <a:t>04 </a:t>
             </a:r>
             <a:r>
-              <a:rPr lang="en-US" dirty="0">
+              <a:rPr lang="en-US" sz="2400" dirty="0">
                 <a:latin typeface="Courier New" panose="02070309020205020404" pitchFamily="49" charset="0"/>
                 <a:cs typeface="Courier New" panose="02070309020205020404" pitchFamily="49" charset="0"/>
               </a:rPr>
               <a:t>00 </a:t>
             </a:r>
             <a:r>
-              <a:rPr lang="en-US" dirty="0" smtClean="0">
+              <a:rPr lang="en-US" sz="2400" dirty="0" smtClean="0">
                 <a:latin typeface="Courier New" panose="02070309020205020404" pitchFamily="49" charset="0"/>
                 <a:cs typeface="Courier New" panose="02070309020205020404" pitchFamily="49" charset="0"/>
               </a:rPr>
               <a:t>f2 00 00-00 00 </a:t>
             </a:r>
             <a:r>
-              <a:rPr lang="en-US" dirty="0">
+              <a:rPr lang="en-US" sz="2400" dirty="0">
                 <a:latin typeface="Courier New" panose="02070309020205020404" pitchFamily="49" charset="0"/>
                 <a:cs typeface="Courier New" panose="02070309020205020404" pitchFamily="49" charset="0"/>
               </a:rPr>
               <a:t>00 00 00 </a:t>
             </a:r>
             <a:r>
-              <a:rPr lang="en-US" dirty="0" smtClean="0">
+              <a:rPr lang="en-US" sz="2400" dirty="0" smtClean="0">
                 <a:latin typeface="Courier New" panose="02070309020205020404" pitchFamily="49" charset="0"/>
                 <a:cs typeface="Courier New" panose="02070309020205020404" pitchFamily="49" charset="0"/>
               </a:rPr>
               <a:t>00 00 </a:t>
             </a:r>
             <a:r>
-              <a:rPr lang="en-US" dirty="0">
+              <a:rPr lang="en-US" sz="2400" dirty="0">
                 <a:latin typeface="Courier New" panose="02070309020205020404" pitchFamily="49" charset="0"/>
                 <a:cs typeface="Courier New" panose="02070309020205020404" pitchFamily="49" charset="0"/>
               </a:rPr>
@@ -10350,75 +10350,75 @@
           </a:p>
           <a:p>
             <a:r>
-              <a:rPr lang="en-US" dirty="0" smtClean="0">
+              <a:rPr lang="en-US" sz="2400" dirty="0" smtClean="0">
                 <a:latin typeface="Courier New" panose="02070309020205020404" pitchFamily="49" charset="0"/>
                 <a:cs typeface="Courier New" panose="02070309020205020404" pitchFamily="49" charset="0"/>
               </a:rPr>
               <a:t>82430050  68 00 </a:t>
             </a:r>
             <a:r>
-              <a:rPr lang="en-US" dirty="0">
+              <a:rPr lang="en-US" sz="2400" dirty="0">
                 <a:latin typeface="Courier New" panose="02070309020205020404" pitchFamily="49" charset="0"/>
                 <a:cs typeface="Courier New" panose="02070309020205020404" pitchFamily="49" charset="0"/>
               </a:rPr>
               <a:t>00 </a:t>
             </a:r>
             <a:r>
-              <a:rPr lang="en-US" dirty="0" smtClean="0">
+              <a:rPr lang="en-US" sz="2400" dirty="0" smtClean="0">
                 <a:latin typeface="Courier New" panose="02070309020205020404" pitchFamily="49" charset="0"/>
                 <a:cs typeface="Courier New" panose="02070309020205020404" pitchFamily="49" charset="0"/>
               </a:rPr>
               <a:t>50 90 89 00 81-68 00 68 50 90 89 00 81</a:t>
             </a:r>
-            <a:endParaRPr lang="en-US" dirty="0">
+            <a:endParaRPr lang="en-US" sz="2400" dirty="0">
               <a:latin typeface="Courier New" panose="02070309020205020404" pitchFamily="49" charset="0"/>
               <a:cs typeface="Courier New" panose="02070309020205020404" pitchFamily="49" charset="0"/>
             </a:endParaRPr>
           </a:p>
           <a:p>
             <a:r>
-              <a:rPr lang="en-US" dirty="0">
+              <a:rPr lang="en-US" sz="2400" dirty="0">
                 <a:latin typeface="Courier New" panose="02070309020205020404" pitchFamily="49" charset="0"/>
                 <a:cs typeface="Courier New" panose="02070309020205020404" pitchFamily="49" charset="0"/>
               </a:rPr>
               <a:t>82430010  </a:t>
             </a:r>
             <a:r>
-              <a:rPr lang="en-US" dirty="0" smtClean="0">
+              <a:rPr lang="en-US" sz="2400" dirty="0" smtClean="0">
                 <a:latin typeface="Courier New" panose="02070309020205020404" pitchFamily="49" charset="0"/>
                 <a:cs typeface="Courier New" panose="02070309020205020404" pitchFamily="49" charset="0"/>
               </a:rPr>
               <a:t>00 00 </a:t>
             </a:r>
             <a:r>
-              <a:rPr lang="en-US" dirty="0">
+              <a:rPr lang="en-US" sz="2400" dirty="0">
                 <a:latin typeface="Courier New" panose="02070309020205020404" pitchFamily="49" charset="0"/>
                 <a:cs typeface="Courier New" panose="02070309020205020404" pitchFamily="49" charset="0"/>
               </a:rPr>
               <a:t>00 00 00 </a:t>
             </a:r>
             <a:r>
-              <a:rPr lang="en-US" dirty="0" smtClean="0">
+              <a:rPr lang="en-US" sz="2400" dirty="0" smtClean="0">
                 <a:latin typeface="Courier New" panose="02070309020205020404" pitchFamily="49" charset="0"/>
                 <a:cs typeface="Courier New" panose="02070309020205020404" pitchFamily="49" charset="0"/>
               </a:rPr>
               <a:t>00 00 00-00 00 </a:t>
             </a:r>
             <a:r>
-              <a:rPr lang="en-US" dirty="0">
+              <a:rPr lang="en-US" sz="2400" dirty="0">
                 <a:latin typeface="Courier New" panose="02070309020205020404" pitchFamily="49" charset="0"/>
                 <a:cs typeface="Courier New" panose="02070309020205020404" pitchFamily="49" charset="0"/>
               </a:rPr>
               <a:t>00 00 00 </a:t>
             </a:r>
             <a:r>
-              <a:rPr lang="en-US" dirty="0" smtClean="0">
+              <a:rPr lang="en-US" sz="2400" dirty="0" smtClean="0">
                 <a:latin typeface="Courier New" panose="02070309020205020404" pitchFamily="49" charset="0"/>
                 <a:cs typeface="Courier New" panose="02070309020205020404" pitchFamily="49" charset="0"/>
               </a:rPr>
               <a:t>00 00 00</a:t>
             </a:r>
-            <a:endParaRPr lang="en-US" dirty="0">
+            <a:endParaRPr lang="en-US" sz="2400" dirty="0">
               <a:latin typeface="Courier New" panose="02070309020205020404" pitchFamily="49" charset="0"/>
               <a:cs typeface="Courier New" panose="02070309020205020404" pitchFamily="49" charset="0"/>
             </a:endParaRPr>
@@ -10553,7 +10553,7 @@
         </p:nvSpPr>
         <p:spPr>
           <a:xfrm>
-            <a:off x="2547593" y="905232"/>
+            <a:off x="2547592" y="905232"/>
             <a:ext cx="7096815" cy="5047536"/>
           </a:xfrm>
           <a:prstGeom prst="rect">

--- a/REVERSE ENGINEER.pptx
+++ b/REVERSE ENGINEER.pptx
@@ -63,6 +63,8 @@
     <p:sldId id="282" r:id="rId57"/>
     <p:sldId id="283" r:id="rId58"/>
     <p:sldId id="284" r:id="rId59"/>
+    <p:sldId id="314" r:id="rId60"/>
+    <p:sldId id="315" r:id="rId61"/>
   </p:sldIdLst>
   <p:sldSz cx="12192000" cy="6858000"/>
   <p:notesSz cx="6858000" cy="9144000"/>
@@ -311,7 +313,7 @@
           <a:p>
             <a:fld id="{946DC31E-96AB-4743-B2EC-D315CE7F56CF}" type="datetimeFigureOut">
               <a:rPr lang="en-US" smtClean="0"/>
-              <a:t>6/12/2017</a:t>
+              <a:t>7/7/2017</a:t>
             </a:fld>
             <a:endParaRPr lang="en-US"/>
           </a:p>
@@ -481,7 +483,7 @@
           <a:p>
             <a:fld id="{946DC31E-96AB-4743-B2EC-D315CE7F56CF}" type="datetimeFigureOut">
               <a:rPr lang="en-US" smtClean="0"/>
-              <a:t>6/12/2017</a:t>
+              <a:t>7/7/2017</a:t>
             </a:fld>
             <a:endParaRPr lang="en-US"/>
           </a:p>
@@ -661,7 +663,7 @@
           <a:p>
             <a:fld id="{946DC31E-96AB-4743-B2EC-D315CE7F56CF}" type="datetimeFigureOut">
               <a:rPr lang="en-US" smtClean="0"/>
-              <a:t>6/12/2017</a:t>
+              <a:t>7/7/2017</a:t>
             </a:fld>
             <a:endParaRPr lang="en-US"/>
           </a:p>
@@ -831,7 +833,7 @@
           <a:p>
             <a:fld id="{946DC31E-96AB-4743-B2EC-D315CE7F56CF}" type="datetimeFigureOut">
               <a:rPr lang="en-US" smtClean="0"/>
-              <a:t>6/12/2017</a:t>
+              <a:t>7/7/2017</a:t>
             </a:fld>
             <a:endParaRPr lang="en-US"/>
           </a:p>
@@ -1077,7 +1079,7 @@
           <a:p>
             <a:fld id="{946DC31E-96AB-4743-B2EC-D315CE7F56CF}" type="datetimeFigureOut">
               <a:rPr lang="en-US" smtClean="0"/>
-              <a:t>6/12/2017</a:t>
+              <a:t>7/7/2017</a:t>
             </a:fld>
             <a:endParaRPr lang="en-US"/>
           </a:p>
@@ -1309,7 +1311,7 @@
           <a:p>
             <a:fld id="{946DC31E-96AB-4743-B2EC-D315CE7F56CF}" type="datetimeFigureOut">
               <a:rPr lang="en-US" smtClean="0"/>
-              <a:t>6/12/2017</a:t>
+              <a:t>7/7/2017</a:t>
             </a:fld>
             <a:endParaRPr lang="en-US"/>
           </a:p>
@@ -1676,7 +1678,7 @@
           <a:p>
             <a:fld id="{946DC31E-96AB-4743-B2EC-D315CE7F56CF}" type="datetimeFigureOut">
               <a:rPr lang="en-US" smtClean="0"/>
-              <a:t>6/12/2017</a:t>
+              <a:t>7/7/2017</a:t>
             </a:fld>
             <a:endParaRPr lang="en-US"/>
           </a:p>
@@ -1794,7 +1796,7 @@
           <a:p>
             <a:fld id="{946DC31E-96AB-4743-B2EC-D315CE7F56CF}" type="datetimeFigureOut">
               <a:rPr lang="en-US" smtClean="0"/>
-              <a:t>6/12/2017</a:t>
+              <a:t>7/7/2017</a:t>
             </a:fld>
             <a:endParaRPr lang="en-US"/>
           </a:p>
@@ -1889,7 +1891,7 @@
           <a:p>
             <a:fld id="{946DC31E-96AB-4743-B2EC-D315CE7F56CF}" type="datetimeFigureOut">
               <a:rPr lang="en-US" smtClean="0"/>
-              <a:t>6/12/2017</a:t>
+              <a:t>7/7/2017</a:t>
             </a:fld>
             <a:endParaRPr lang="en-US"/>
           </a:p>
@@ -2166,7 +2168,7 @@
           <a:p>
             <a:fld id="{946DC31E-96AB-4743-B2EC-D315CE7F56CF}" type="datetimeFigureOut">
               <a:rPr lang="en-US" smtClean="0"/>
-              <a:t>6/12/2017</a:t>
+              <a:t>7/7/2017</a:t>
             </a:fld>
             <a:endParaRPr lang="en-US"/>
           </a:p>
@@ -2419,7 +2421,7 @@
           <a:p>
             <a:fld id="{946DC31E-96AB-4743-B2EC-D315CE7F56CF}" type="datetimeFigureOut">
               <a:rPr lang="en-US" smtClean="0"/>
-              <a:t>6/12/2017</a:t>
+              <a:t>7/7/2017</a:t>
             </a:fld>
             <a:endParaRPr lang="en-US"/>
           </a:p>
@@ -2632,7 +2634,7 @@
           <a:p>
             <a:fld id="{946DC31E-96AB-4743-B2EC-D315CE7F56CF}" type="datetimeFigureOut">
               <a:rPr lang="en-US" smtClean="0"/>
-              <a:t>6/12/2017</a:t>
+              <a:t>7/7/2017</a:t>
             </a:fld>
             <a:endParaRPr lang="en-US"/>
           </a:p>
@@ -3192,7 +3194,6 @@
               <a:rPr lang="en-US" sz="2800" dirty="0" smtClean="0"/>
               <a:t>Section Objects – Object Body Attributes</a:t>
             </a:r>
-            <a:endParaRPr lang="en-US" sz="2800" dirty="0" smtClean="0"/>
           </a:p>
         </p:txBody>
       </p:sp>
@@ -3690,7 +3691,6 @@
               <a:rPr lang="en-US" sz="2800" dirty="0" smtClean="0"/>
               <a:t>Page Protection</a:t>
             </a:r>
-            <a:endParaRPr lang="en-US" sz="2800" dirty="0" smtClean="0"/>
           </a:p>
         </p:txBody>
       </p:sp>
@@ -3864,7 +3864,6 @@
               <a:rPr lang="en-US" sz="2400" dirty="0"/>
               <a:t>making a copy of the pages until the page is written to.</a:t>
             </a:r>
-            <a:endParaRPr lang="en-US" sz="2400" dirty="0"/>
           </a:p>
         </p:txBody>
       </p:sp>
@@ -4013,7 +4012,6 @@
               <a:rPr lang="en-US" sz="2800" dirty="0" smtClean="0"/>
               <a:t>Page Protection</a:t>
             </a:r>
-            <a:endParaRPr lang="en-US" sz="2800" dirty="0" smtClean="0"/>
           </a:p>
         </p:txBody>
       </p:sp>
@@ -7529,7 +7527,7 @@
         </p:nvSpPr>
         <p:spPr>
           <a:xfrm>
-            <a:off x="4317981" y="3651284"/>
+            <a:off x="4317981" y="3661012"/>
             <a:ext cx="3657600" cy="165100"/>
           </a:xfrm>
           <a:prstGeom prst="rect">
@@ -7570,7 +7568,7 @@
         </p:nvSpPr>
         <p:spPr>
           <a:xfrm>
-            <a:off x="4317989" y="3816369"/>
+            <a:off x="4317989" y="3826097"/>
             <a:ext cx="3657600" cy="165100"/>
           </a:xfrm>
           <a:prstGeom prst="rect">
@@ -7611,7 +7609,7 @@
         </p:nvSpPr>
         <p:spPr>
           <a:xfrm>
-            <a:off x="4317989" y="3979880"/>
+            <a:off x="4317989" y="3989608"/>
             <a:ext cx="3657600" cy="165100"/>
           </a:xfrm>
           <a:prstGeom prst="rect">
@@ -7652,7 +7650,7 @@
         </p:nvSpPr>
         <p:spPr>
           <a:xfrm>
-            <a:off x="4317978" y="4145000"/>
+            <a:off x="4317978" y="4154728"/>
             <a:ext cx="3657600" cy="165100"/>
           </a:xfrm>
           <a:prstGeom prst="rect">
@@ -7693,7 +7691,7 @@
         </p:nvSpPr>
         <p:spPr>
           <a:xfrm>
-            <a:off x="4317978" y="4308511"/>
+            <a:off x="4317978" y="4318239"/>
             <a:ext cx="3657600" cy="165100"/>
           </a:xfrm>
           <a:prstGeom prst="rect">
@@ -7734,7 +7732,7 @@
         </p:nvSpPr>
         <p:spPr>
           <a:xfrm>
-            <a:off x="4317981" y="4473611"/>
+            <a:off x="4317981" y="4483339"/>
             <a:ext cx="3657600" cy="165100"/>
           </a:xfrm>
           <a:prstGeom prst="rect">
@@ -7775,7 +7773,7 @@
         </p:nvSpPr>
         <p:spPr>
           <a:xfrm>
-            <a:off x="4317981" y="4637122"/>
+            <a:off x="4317981" y="4646850"/>
             <a:ext cx="3657600" cy="165100"/>
           </a:xfrm>
           <a:prstGeom prst="rect">
@@ -7816,7 +7814,7 @@
         </p:nvSpPr>
         <p:spPr>
           <a:xfrm>
-            <a:off x="4317970" y="4802242"/>
+            <a:off x="4317970" y="4811970"/>
             <a:ext cx="3657600" cy="165100"/>
           </a:xfrm>
           <a:prstGeom prst="rect">
@@ -7857,7 +7855,7 @@
         </p:nvSpPr>
         <p:spPr>
           <a:xfrm>
-            <a:off x="4317970" y="4965753"/>
+            <a:off x="4317970" y="4985209"/>
             <a:ext cx="3657600" cy="165100"/>
           </a:xfrm>
           <a:prstGeom prst="rect">
@@ -14344,11 +14342,11 @@
           </a:p>
           <a:p>
             <a:r>
-              <a:rPr lang="en-US" sz="2400" dirty="0">
+              <a:rPr lang="en-US" sz="2400" smtClean="0">
                 <a:latin typeface="Courier New" panose="02070309020205020404" pitchFamily="49" charset="0"/>
                 <a:cs typeface="Courier New" panose="02070309020205020404" pitchFamily="49" charset="0"/>
               </a:rPr>
-              <a:t>82430010  </a:t>
+              <a:t>82430060  </a:t>
             </a:r>
             <a:r>
               <a:rPr lang="en-US" sz="2400" dirty="0" smtClean="0">
@@ -15546,7 +15544,7 @@
       </p:sp>
       <p:pic>
         <p:nvPicPr>
-          <p:cNvPr id="9" name="Picture 8"/>
+          <p:cNvPr id="3" name="Picture 2"/>
           <p:cNvPicPr>
             <a:picLocks noChangeAspect="1"/>
           </p:cNvPicPr>
@@ -15566,8 +15564,8 @@
         </p:blipFill>
         <p:spPr>
           <a:xfrm>
-            <a:off x="2302669" y="833773"/>
-            <a:ext cx="7586662" cy="5190454"/>
+            <a:off x="2351307" y="1050323"/>
+            <a:ext cx="7489386" cy="5123903"/>
           </a:xfrm>
           <a:prstGeom prst="rect">
             <a:avLst/>
@@ -23668,7 +23666,7 @@
         </p:nvCxnSpPr>
         <p:spPr>
           <a:xfrm>
-            <a:off x="3940640" y="5580736"/>
+            <a:off x="3960096" y="5580736"/>
             <a:ext cx="5479146" cy="0"/>
           </a:xfrm>
           <a:prstGeom prst="line">
@@ -23706,7 +23704,7 @@
         </p:nvCxnSpPr>
         <p:spPr>
           <a:xfrm>
-            <a:off x="3933386" y="5892790"/>
+            <a:off x="3962570" y="5892790"/>
             <a:ext cx="5479146" cy="0"/>
           </a:xfrm>
           <a:prstGeom prst="line">
@@ -30165,6 +30163,461 @@
 </p:sld>
 </file>
 
+<file path=ppt/slides/slide59.xml><?xml version="1.0" encoding="utf-8"?>
+<p:sld xmlns:a="http://schemas.openxmlformats.org/drawingml/2006/main" xmlns:r="http://schemas.openxmlformats.org/officeDocument/2006/relationships" xmlns:p="http://schemas.openxmlformats.org/presentationml/2006/main" show="0">
+  <p:cSld>
+    <p:spTree>
+      <p:nvGrpSpPr>
+        <p:cNvPr id="1" name=""/>
+        <p:cNvGrpSpPr/>
+        <p:nvPr/>
+      </p:nvGrpSpPr>
+      <p:grpSpPr>
+        <a:xfrm>
+          <a:off x="0" y="0"/>
+          <a:ext cx="0" cy="0"/>
+          <a:chOff x="0" y="0"/>
+          <a:chExt cx="0" cy="0"/>
+        </a:xfrm>
+      </p:grpSpPr>
+      <p:sp>
+        <p:nvSpPr>
+          <p:cNvPr id="2" name="TextBox 1"/>
+          <p:cNvSpPr txBox="1"/>
+          <p:nvPr/>
+        </p:nvSpPr>
+        <p:spPr>
+          <a:xfrm>
+            <a:off x="5822957" y="6184900"/>
+            <a:ext cx="622286" cy="369332"/>
+          </a:xfrm>
+          <a:prstGeom prst="rect">
+            <a:avLst/>
+          </a:prstGeom>
+          <a:noFill/>
+        </p:spPr>
+        <p:txBody>
+          <a:bodyPr wrap="none" rtlCol="0">
+            <a:spAutoFit/>
+          </a:bodyPr>
+          <a:lstStyle/>
+          <a:p>
+            <a:r>
+              <a:rPr lang="en-US" dirty="0" smtClean="0">
+                <a:hlinkClick r:id="rId2" action="ppaction://hlinksldjump"/>
+              </a:rPr>
+              <a:t>Back</a:t>
+            </a:r>
+            <a:endParaRPr lang="en-US" dirty="0"/>
+          </a:p>
+        </p:txBody>
+      </p:sp>
+      <p:sp>
+        <p:nvSpPr>
+          <p:cNvPr id="4" name="Title 1"/>
+          <p:cNvSpPr>
+            <a:spLocks noGrp="1"/>
+          </p:cNvSpPr>
+          <p:nvPr>
+            <p:ph type="title"/>
+          </p:nvPr>
+        </p:nvSpPr>
+        <p:spPr>
+          <a:xfrm>
+            <a:off x="838200" y="365125"/>
+            <a:ext cx="10515600" cy="574675"/>
+          </a:xfrm>
+        </p:spPr>
+        <p:txBody>
+          <a:bodyPr>
+            <a:normAutofit fontScale="90000"/>
+          </a:bodyPr>
+          <a:lstStyle/>
+          <a:p>
+            <a:pPr algn="ctr"/>
+            <a:r>
+              <a:rPr lang="en-US" dirty="0" smtClean="0"/>
+              <a:t>Channel 9</a:t>
+            </a:r>
+            <a:endParaRPr lang="en-US" dirty="0"/>
+          </a:p>
+        </p:txBody>
+      </p:sp>
+      <p:sp>
+        <p:nvSpPr>
+          <p:cNvPr id="3" name="TextBox 2"/>
+          <p:cNvSpPr txBox="1"/>
+          <p:nvPr/>
+        </p:nvSpPr>
+        <p:spPr>
+          <a:xfrm>
+            <a:off x="731520" y="1549400"/>
+            <a:ext cx="5029200" cy="4524315"/>
+          </a:xfrm>
+          <a:prstGeom prst="rect">
+            <a:avLst/>
+          </a:prstGeom>
+          <a:noFill/>
+        </p:spPr>
+        <p:txBody>
+          <a:bodyPr wrap="square" rtlCol="0">
+            <a:spAutoFit/>
+          </a:bodyPr>
+          <a:lstStyle/>
+          <a:p>
+            <a:r>
+              <a:rPr lang="en-US" dirty="0"/>
+              <a:t>#    </a:t>
+            </a:r>
+            <a:r>
+              <a:rPr lang="en-US"/>
+              <a:t>1 </a:t>
+            </a:r>
+            <a:r>
+              <a:rPr lang="en-US" smtClean="0"/>
+              <a:t>- </a:t>
+            </a:r>
+            <a:r>
+              <a:rPr lang="en-US" dirty="0"/>
+              <a:t>Building you USB </a:t>
+            </a:r>
+            <a:r>
+              <a:rPr lang="en-US" dirty="0" err="1"/>
+              <a:t>thumbdrive</a:t>
+            </a:r>
+            <a:r>
+              <a:rPr lang="en-US" dirty="0"/>
+              <a:t> (optional)</a:t>
+            </a:r>
+          </a:p>
+          <a:p>
+            <a:r>
+              <a:rPr lang="en-US" dirty="0"/>
+              <a:t>#    2 - Process Explorer</a:t>
+            </a:r>
+          </a:p>
+          <a:p>
+            <a:r>
+              <a:rPr lang="en-US" dirty="0"/>
+              <a:t>#    3 - Process Monitor</a:t>
+            </a:r>
+          </a:p>
+          <a:p>
+            <a:r>
+              <a:rPr lang="en-US" dirty="0"/>
+              <a:t>#    4 - Process Monitor – Examples</a:t>
+            </a:r>
+          </a:p>
+          <a:p>
+            <a:r>
+              <a:rPr lang="en-US" dirty="0"/>
+              <a:t>#    5 - </a:t>
+            </a:r>
+            <a:r>
+              <a:rPr lang="en-US" dirty="0" err="1"/>
+              <a:t>Autoruns</a:t>
+            </a:r>
+            <a:r>
+              <a:rPr lang="en-US" dirty="0"/>
+              <a:t> and </a:t>
+            </a:r>
+            <a:r>
+              <a:rPr lang="en-US" dirty="0" err="1"/>
+              <a:t>MSConfig</a:t>
+            </a:r>
+            <a:endParaRPr lang="en-US" dirty="0"/>
+          </a:p>
+          <a:p>
+            <a:r>
+              <a:rPr lang="en-US" dirty="0"/>
+              <a:t>#    6 </a:t>
+            </a:r>
+            <a:r>
+              <a:rPr lang="en-US" dirty="0" smtClean="0"/>
+              <a:t>- </a:t>
+            </a:r>
+            <a:r>
+              <a:rPr lang="en-US" dirty="0" err="1"/>
+              <a:t>RAMMap</a:t>
+            </a:r>
+            <a:endParaRPr lang="en-US" dirty="0"/>
+          </a:p>
+          <a:p>
+            <a:r>
+              <a:rPr lang="en-US" dirty="0"/>
+              <a:t>#    7 </a:t>
+            </a:r>
+            <a:r>
+              <a:rPr lang="en-US" dirty="0" smtClean="0"/>
+              <a:t>- </a:t>
+            </a:r>
+            <a:r>
+              <a:rPr lang="en-US" dirty="0" err="1"/>
+              <a:t>VMMap</a:t>
+            </a:r>
+            <a:endParaRPr lang="en-US" dirty="0"/>
+          </a:p>
+          <a:p>
+            <a:r>
+              <a:rPr lang="en-US" dirty="0"/>
+              <a:t>#  13 </a:t>
+            </a:r>
+            <a:r>
+              <a:rPr lang="en-US" dirty="0" smtClean="0"/>
+              <a:t>- </a:t>
+            </a:r>
+            <a:r>
+              <a:rPr lang="en-US" dirty="0"/>
+              <a:t>WinDbg</a:t>
+            </a:r>
+          </a:p>
+          <a:p>
+            <a:r>
+              <a:rPr lang="en-US" dirty="0"/>
+              <a:t>#  14 - WinDbg – SOS</a:t>
+            </a:r>
+          </a:p>
+          <a:p>
+            <a:r>
+              <a:rPr lang="en-US" dirty="0"/>
+              <a:t>#  15 - WinDbg - </a:t>
+            </a:r>
+            <a:r>
+              <a:rPr lang="en-US" dirty="0" err="1"/>
+              <a:t>Bugchecks</a:t>
+            </a:r>
+            <a:r>
+              <a:rPr lang="en-US" dirty="0"/>
+              <a:t> (BSOD)</a:t>
+            </a:r>
+          </a:p>
+          <a:p>
+            <a:r>
+              <a:rPr lang="en-US" dirty="0"/>
+              <a:t>#  19 - WinDbg – OCA</a:t>
+            </a:r>
+          </a:p>
+          <a:p>
+            <a:r>
+              <a:rPr lang="en-US" dirty="0"/>
+              <a:t>#  20 - WinDbg - Basic Commands</a:t>
+            </a:r>
+          </a:p>
+          <a:p>
+            <a:r>
+              <a:rPr lang="en-US" dirty="0"/>
+              <a:t>#  21 - WinDbg - Memory User Mode</a:t>
+            </a:r>
+          </a:p>
+          <a:p>
+            <a:r>
+              <a:rPr lang="en-US" dirty="0"/>
+              <a:t>#  22 - WinDbg - Memory Kernel Mode</a:t>
+            </a:r>
+          </a:p>
+          <a:p>
+            <a:r>
+              <a:rPr lang="en-US" dirty="0"/>
+              <a:t>#  24 - WinDbg - Critical Sections</a:t>
+            </a:r>
+          </a:p>
+          <a:p>
+            <a:r>
+              <a:rPr lang="en-US" dirty="0"/>
+              <a:t>#  25 - WinDbg – Events</a:t>
+            </a:r>
+          </a:p>
+        </p:txBody>
+      </p:sp>
+      <p:sp>
+        <p:nvSpPr>
+          <p:cNvPr id="7" name="TextBox 6"/>
+          <p:cNvSpPr txBox="1"/>
+          <p:nvPr/>
+        </p:nvSpPr>
+        <p:spPr>
+          <a:xfrm>
+            <a:off x="6827520" y="1549400"/>
+            <a:ext cx="5029200" cy="4524315"/>
+          </a:xfrm>
+          <a:prstGeom prst="rect">
+            <a:avLst/>
+          </a:prstGeom>
+          <a:noFill/>
+        </p:spPr>
+        <p:txBody>
+          <a:bodyPr wrap="square" rtlCol="0">
+            <a:spAutoFit/>
+          </a:bodyPr>
+          <a:lstStyle/>
+          <a:p>
+            <a:r>
+              <a:rPr lang="en-US" dirty="0"/>
+              <a:t>#  26 - WinDbg - Semaphores, </a:t>
+            </a:r>
+            <a:r>
+              <a:rPr lang="en-US" dirty="0" err="1"/>
+              <a:t>Mutexes</a:t>
+            </a:r>
+            <a:r>
+              <a:rPr lang="en-US" dirty="0"/>
+              <a:t> and Timers</a:t>
+            </a:r>
+          </a:p>
+          <a:p>
+            <a:r>
+              <a:rPr lang="en-US" dirty="0"/>
+              <a:t>#  27 - WinDbg - Configure Kernel Debugging</a:t>
+            </a:r>
+          </a:p>
+          <a:p>
+            <a:r>
+              <a:rPr lang="en-US" dirty="0"/>
+              <a:t>#  28 - WinDbg – Scheduling</a:t>
+            </a:r>
+          </a:p>
+          <a:p>
+            <a:r>
+              <a:rPr lang="en-US" dirty="0"/>
+              <a:t>#  29 - WinDbg - ETW Logging</a:t>
+            </a:r>
+          </a:p>
+          <a:p>
+            <a:r>
+              <a:rPr lang="en-US" dirty="0"/>
+              <a:t>#  30 - MCTS Windows Internals</a:t>
+            </a:r>
+          </a:p>
+          <a:p>
+            <a:r>
+              <a:rPr lang="en-US" dirty="0"/>
+              <a:t>#  89 - Symbol Folder Tools</a:t>
+            </a:r>
+          </a:p>
+          <a:p>
+            <a:r>
+              <a:rPr lang="en-US" dirty="0"/>
+              <a:t>#  94 - </a:t>
+            </a:r>
+            <a:r>
+              <a:rPr lang="en-US" dirty="0" err="1"/>
+              <a:t>Sysinternals</a:t>
+            </a:r>
+            <a:r>
+              <a:rPr lang="en-US" dirty="0"/>
+              <a:t> Strings, </a:t>
+            </a:r>
+            <a:r>
+              <a:rPr lang="en-US" dirty="0" err="1"/>
+              <a:t>FindStr</a:t>
+            </a:r>
+            <a:r>
+              <a:rPr lang="en-US" dirty="0"/>
+              <a:t>, !</a:t>
+            </a:r>
+            <a:r>
+              <a:rPr lang="en-US" dirty="0" err="1"/>
+              <a:t>pde.ssz</a:t>
+            </a:r>
+            <a:endParaRPr lang="en-US" dirty="0"/>
+          </a:p>
+          <a:p>
+            <a:r>
+              <a:rPr lang="en-US" dirty="0"/>
+              <a:t>#  96 - Writing a Debugger Extension Part 1</a:t>
+            </a:r>
+          </a:p>
+          <a:p>
+            <a:r>
+              <a:rPr lang="en-US" dirty="0"/>
+              <a:t>#  97 - Writing a Debugger Extension Part 2</a:t>
+            </a:r>
+          </a:p>
+          <a:p>
+            <a:r>
+              <a:rPr lang="en-US" dirty="0"/>
+              <a:t>#  98 - Writing a Debugger Extension Part 3</a:t>
+            </a:r>
+          </a:p>
+          <a:p>
+            <a:r>
+              <a:rPr lang="en-US" dirty="0"/>
+              <a:t>#  99 - Writing a Debugger Extension Part 4</a:t>
+            </a:r>
+          </a:p>
+          <a:p>
+            <a:r>
+              <a:rPr lang="en-US" dirty="0"/>
+              <a:t>#101 - Writing a Debugger Extension Part 5</a:t>
+            </a:r>
+          </a:p>
+          <a:p>
+            <a:r>
+              <a:rPr lang="en-US" dirty="0"/>
+              <a:t>#102 - Writing a Debugger Extension Part 6</a:t>
+            </a:r>
+          </a:p>
+          <a:p>
+            <a:r>
+              <a:rPr lang="en-US" dirty="0"/>
+              <a:t>#103 - Writing a Debugger Extension Part 7</a:t>
+            </a:r>
+          </a:p>
+          <a:p>
+            <a:r>
+              <a:rPr lang="en-US" dirty="0"/>
+              <a:t>#104 - Writing a Debugger Extension Part </a:t>
+            </a:r>
+            <a:r>
+              <a:rPr lang="en-US" dirty="0" smtClean="0"/>
+              <a:t>8</a:t>
+            </a:r>
+          </a:p>
+          <a:p>
+            <a:r>
+              <a:rPr lang="en-US" dirty="0"/>
+              <a:t>#105 - Writing a Debugger Extension Part </a:t>
+            </a:r>
+            <a:r>
+              <a:rPr lang="en-US" dirty="0" smtClean="0"/>
+              <a:t>9</a:t>
+            </a:r>
+            <a:endParaRPr lang="en-US" dirty="0"/>
+          </a:p>
+        </p:txBody>
+      </p:sp>
+    </p:spTree>
+    <p:extLst>
+      <p:ext uri="{BB962C8B-B14F-4D97-AF65-F5344CB8AC3E}">
+        <p14:creationId xmlns:p14="http://schemas.microsoft.com/office/powerpoint/2010/main" val="612111567"/>
+      </p:ext>
+    </p:extLst>
+  </p:cSld>
+  <p:clrMapOvr>
+    <a:masterClrMapping/>
+  </p:clrMapOvr>
+  <mc:AlternateContent xmlns:mc="http://schemas.openxmlformats.org/markup-compatibility/2006" xmlns:p14="http://schemas.microsoft.com/office/powerpoint/2010/main">
+    <mc:Choice Requires="p14">
+      <p:transition spd="slow" p14:dur="1500" advClick="0">
+        <p:split orient="vert"/>
+      </p:transition>
+    </mc:Choice>
+    <mc:Fallback xmlns="">
+      <p:transition spd="slow" advClick="0">
+        <p:split orient="vert"/>
+      </p:transition>
+    </mc:Fallback>
+  </mc:AlternateContent>
+  <p:timing>
+    <p:tnLst>
+      <p:par>
+        <p:cTn id="1" dur="indefinite" restart="never" nodeType="tmRoot"/>
+      </p:par>
+    </p:tnLst>
+  </p:timing>
+</p:sld>
+</file>
+
 <file path=ppt/slides/slide6.xml><?xml version="1.0" encoding="utf-8"?>
 <p:sld xmlns:a="http://schemas.openxmlformats.org/drawingml/2006/main" xmlns:r="http://schemas.openxmlformats.org/officeDocument/2006/relationships" xmlns:p="http://schemas.openxmlformats.org/presentationml/2006/main" show="0">
   <p:cSld>
@@ -30331,7 +30784,7 @@
       </p:sp>
       <p:pic>
         <p:nvPicPr>
-          <p:cNvPr id="4" name="Picture 3"/>
+          <p:cNvPr id="2" name="Picture 1"/>
           <p:cNvPicPr>
             <a:picLocks noChangeAspect="1"/>
           </p:cNvPicPr>
@@ -30351,8 +30804,8 @@
         </p:blipFill>
         <p:spPr>
           <a:xfrm>
-            <a:off x="2721827" y="904154"/>
-            <a:ext cx="6748346" cy="5049693"/>
+            <a:off x="2677354" y="1067938"/>
+            <a:ext cx="6837293" cy="5111245"/>
           </a:xfrm>
           <a:prstGeom prst="rect">
             <a:avLst/>
@@ -30375,6 +30828,339 @@
     </mc:Choice>
     <mc:Fallback xmlns="">
       <p:transition spd="slow" advClick="0"/>
+    </mc:Fallback>
+  </mc:AlternateContent>
+  <p:timing>
+    <p:tnLst>
+      <p:par>
+        <p:cTn id="1" dur="indefinite" restart="never" nodeType="tmRoot"/>
+      </p:par>
+    </p:tnLst>
+  </p:timing>
+</p:sld>
+</file>
+
+<file path=ppt/slides/slide60.xml><?xml version="1.0" encoding="utf-8"?>
+<p:sld xmlns:a="http://schemas.openxmlformats.org/drawingml/2006/main" xmlns:r="http://schemas.openxmlformats.org/officeDocument/2006/relationships" xmlns:p="http://schemas.openxmlformats.org/presentationml/2006/main" show="0">
+  <p:cSld>
+    <p:spTree>
+      <p:nvGrpSpPr>
+        <p:cNvPr id="1" name=""/>
+        <p:cNvGrpSpPr/>
+        <p:nvPr/>
+      </p:nvGrpSpPr>
+      <p:grpSpPr>
+        <a:xfrm>
+          <a:off x="0" y="0"/>
+          <a:ext cx="0" cy="0"/>
+          <a:chOff x="0" y="0"/>
+          <a:chExt cx="0" cy="0"/>
+        </a:xfrm>
+      </p:grpSpPr>
+      <p:sp>
+        <p:nvSpPr>
+          <p:cNvPr id="2" name="TextBox 1"/>
+          <p:cNvSpPr txBox="1"/>
+          <p:nvPr/>
+        </p:nvSpPr>
+        <p:spPr>
+          <a:xfrm>
+            <a:off x="5822957" y="6184900"/>
+            <a:ext cx="622286" cy="369332"/>
+          </a:xfrm>
+          <a:prstGeom prst="rect">
+            <a:avLst/>
+          </a:prstGeom>
+          <a:noFill/>
+        </p:spPr>
+        <p:txBody>
+          <a:bodyPr wrap="none" rtlCol="0">
+            <a:spAutoFit/>
+          </a:bodyPr>
+          <a:lstStyle/>
+          <a:p>
+            <a:r>
+              <a:rPr lang="en-US" dirty="0" smtClean="0">
+                <a:hlinkClick r:id="rId2" action="ppaction://hlinksldjump"/>
+              </a:rPr>
+              <a:t>Back</a:t>
+            </a:r>
+            <a:endParaRPr lang="en-US" dirty="0"/>
+          </a:p>
+        </p:txBody>
+      </p:sp>
+      <p:sp>
+        <p:nvSpPr>
+          <p:cNvPr id="4" name="Title 1"/>
+          <p:cNvSpPr>
+            <a:spLocks noGrp="1"/>
+          </p:cNvSpPr>
+          <p:nvPr>
+            <p:ph type="title"/>
+          </p:nvPr>
+        </p:nvSpPr>
+        <p:spPr>
+          <a:xfrm>
+            <a:off x="838200" y="365125"/>
+            <a:ext cx="10515600" cy="574675"/>
+          </a:xfrm>
+        </p:spPr>
+        <p:txBody>
+          <a:bodyPr>
+            <a:normAutofit fontScale="90000"/>
+          </a:bodyPr>
+          <a:lstStyle/>
+          <a:p>
+            <a:pPr algn="ctr"/>
+            <a:r>
+              <a:rPr lang="en-US" dirty="0" smtClean="0"/>
+              <a:t>Channel 9</a:t>
+            </a:r>
+            <a:endParaRPr lang="en-US" dirty="0"/>
+          </a:p>
+        </p:txBody>
+      </p:sp>
+      <p:sp>
+        <p:nvSpPr>
+          <p:cNvPr id="3" name="TextBox 2"/>
+          <p:cNvSpPr txBox="1"/>
+          <p:nvPr/>
+        </p:nvSpPr>
+        <p:spPr>
+          <a:xfrm>
+            <a:off x="457200" y="1549400"/>
+            <a:ext cx="5577840" cy="3970318"/>
+          </a:xfrm>
+          <a:prstGeom prst="rect">
+            <a:avLst/>
+          </a:prstGeom>
+          <a:noFill/>
+        </p:spPr>
+        <p:txBody>
+          <a:bodyPr wrap="square" rtlCol="0">
+            <a:spAutoFit/>
+          </a:bodyPr>
+          <a:lstStyle/>
+          <a:p>
+            <a:r>
+              <a:rPr lang="en-US" dirty="0"/>
+              <a:t>#120 - Windows Management Instrumentation (optional)</a:t>
+            </a:r>
+          </a:p>
+          <a:p>
+            <a:r>
+              <a:rPr lang="en-US" dirty="0"/>
+              <a:t>#121 - </a:t>
+            </a:r>
+            <a:r>
+              <a:rPr lang="en-US" dirty="0" err="1"/>
+              <a:t>DebugDiag</a:t>
+            </a:r>
+            <a:r>
+              <a:rPr lang="en-US" dirty="0"/>
+              <a:t> Part 1</a:t>
+            </a:r>
+          </a:p>
+          <a:p>
+            <a:r>
+              <a:rPr lang="en-US" dirty="0"/>
+              <a:t>#122 - </a:t>
+            </a:r>
+            <a:r>
+              <a:rPr lang="en-US" dirty="0" err="1"/>
+              <a:t>DebugDiag</a:t>
+            </a:r>
+            <a:r>
+              <a:rPr lang="en-US" dirty="0"/>
+              <a:t> Part 2</a:t>
+            </a:r>
+          </a:p>
+          <a:p>
+            <a:r>
+              <a:rPr lang="en-US" dirty="0"/>
+              <a:t>#123 - </a:t>
+            </a:r>
+            <a:r>
+              <a:rPr lang="en-US" dirty="0" err="1"/>
+              <a:t>DebugDiag</a:t>
+            </a:r>
+            <a:r>
+              <a:rPr lang="en-US" dirty="0"/>
+              <a:t> Part 3</a:t>
+            </a:r>
+          </a:p>
+          <a:p>
+            <a:r>
+              <a:rPr lang="en-US" dirty="0"/>
+              <a:t>#124 - </a:t>
+            </a:r>
+            <a:r>
+              <a:rPr lang="en-US" dirty="0" err="1"/>
+              <a:t>DebugDiag</a:t>
+            </a:r>
+            <a:r>
+              <a:rPr lang="en-US" dirty="0"/>
+              <a:t> Part 4</a:t>
+            </a:r>
+          </a:p>
+          <a:p>
+            <a:r>
+              <a:rPr lang="en-US" dirty="0"/>
+              <a:t>#134 - Microsoft Symbol Proxy (</a:t>
+            </a:r>
+            <a:r>
+              <a:rPr lang="en-US" dirty="0" err="1"/>
+              <a:t>SymProxy</a:t>
+            </a:r>
+            <a:r>
+              <a:rPr lang="en-US" dirty="0"/>
+              <a:t>) (optional)</a:t>
+            </a:r>
+          </a:p>
+          <a:p>
+            <a:r>
+              <a:rPr lang="en-US" dirty="0"/>
+              <a:t>#135 - Debugging User Mode Crash Dumps Part 1</a:t>
+            </a:r>
+          </a:p>
+          <a:p>
+            <a:r>
+              <a:rPr lang="en-US" dirty="0"/>
+              <a:t>#136 - Debugging User Mode Crash Dumps Part 2</a:t>
+            </a:r>
+          </a:p>
+          <a:p>
+            <a:r>
+              <a:rPr lang="en-US" dirty="0"/>
+              <a:t>#137 - Debugging Kernel Mode Crashes and Hangs</a:t>
+            </a:r>
+          </a:p>
+          <a:p>
+            <a:r>
+              <a:rPr lang="en-US" dirty="0"/>
+              <a:t>#138 - Debugging - 'dx' Command Part 1</a:t>
+            </a:r>
+          </a:p>
+          <a:p>
+            <a:r>
+              <a:rPr lang="en-US" dirty="0"/>
+              <a:t>#139 - Debugging - 'dx' Command Part 2</a:t>
+            </a:r>
+          </a:p>
+          <a:p>
+            <a:r>
+              <a:rPr lang="en-US" dirty="0"/>
+              <a:t>#146 – </a:t>
+            </a:r>
+            <a:r>
+              <a:rPr lang="en-US" dirty="0" err="1"/>
+              <a:t>WinDiff</a:t>
+            </a:r>
+            <a:endParaRPr lang="en-US" dirty="0"/>
+          </a:p>
+          <a:p>
+            <a:r>
+              <a:rPr lang="en-US" dirty="0"/>
+              <a:t>#147 - Dependency Walker</a:t>
+            </a:r>
+          </a:p>
+          <a:p>
+            <a:r>
+              <a:rPr lang="en-US" dirty="0"/>
+              <a:t>#154 - Memory Footprint and </a:t>
+            </a:r>
+            <a:r>
+              <a:rPr lang="en-US" dirty="0" smtClean="0"/>
+              <a:t>Leaks</a:t>
+            </a:r>
+            <a:endParaRPr lang="en-US" dirty="0"/>
+          </a:p>
+        </p:txBody>
+      </p:sp>
+      <p:sp>
+        <p:nvSpPr>
+          <p:cNvPr id="7" name="TextBox 6"/>
+          <p:cNvSpPr txBox="1"/>
+          <p:nvPr/>
+        </p:nvSpPr>
+        <p:spPr>
+          <a:xfrm>
+            <a:off x="6553200" y="1549400"/>
+            <a:ext cx="5577840" cy="2031325"/>
+          </a:xfrm>
+          <a:prstGeom prst="rect">
+            <a:avLst/>
+          </a:prstGeom>
+          <a:noFill/>
+        </p:spPr>
+        <p:txBody>
+          <a:bodyPr wrap="square" rtlCol="0">
+            <a:spAutoFit/>
+          </a:bodyPr>
+          <a:lstStyle/>
+          <a:p>
+            <a:r>
+              <a:rPr lang="en-US" dirty="0"/>
+              <a:t>#161 - Troubleshooting a Slow PC (optional)</a:t>
+            </a:r>
+          </a:p>
+          <a:p>
+            <a:r>
+              <a:rPr lang="en-US" dirty="0"/>
+              <a:t>#167 - Debugging User Mode Crash Dumps </a:t>
+            </a:r>
+            <a:r>
+              <a:rPr lang="en-US" dirty="0" err="1"/>
+              <a:t>Redux</a:t>
+            </a:r>
+            <a:endParaRPr lang="en-US" dirty="0"/>
+          </a:p>
+          <a:p>
+            <a:r>
+              <a:rPr lang="en-US" dirty="0"/>
+              <a:t>#169 - Debugging Tools for Windows Team (optional)</a:t>
+            </a:r>
+          </a:p>
+          <a:p>
+            <a:r>
+              <a:rPr lang="en-US" dirty="0"/>
+              <a:t>#172 - Application Hangs</a:t>
+            </a:r>
+          </a:p>
+          <a:p>
+            <a:r>
+              <a:rPr lang="en-US" dirty="0"/>
+              <a:t>#173 - Troubleshooting with the Windows</a:t>
+            </a:r>
+          </a:p>
+          <a:p>
+            <a:r>
+              <a:rPr lang="en-US" dirty="0"/>
+              <a:t>#175 - Debugging the Network Stack</a:t>
+            </a:r>
+          </a:p>
+        </p:txBody>
+      </p:sp>
+    </p:spTree>
+    <p:extLst>
+      <p:ext uri="{BB962C8B-B14F-4D97-AF65-F5344CB8AC3E}">
+        <p14:creationId xmlns:p14="http://schemas.microsoft.com/office/powerpoint/2010/main" val="4206254986"/>
+      </p:ext>
+    </p:extLst>
+  </p:cSld>
+  <p:clrMapOvr>
+    <a:masterClrMapping/>
+  </p:clrMapOvr>
+  <mc:AlternateContent xmlns:mc="http://schemas.openxmlformats.org/markup-compatibility/2006" xmlns:p14="http://schemas.microsoft.com/office/powerpoint/2010/main">
+    <mc:Choice Requires="p14">
+      <p:transition spd="slow" p14:dur="1500" advClick="0">
+        <p:split orient="vert"/>
+      </p:transition>
+    </mc:Choice>
+    <mc:Fallback xmlns="">
+      <p:transition spd="slow" advClick="0">
+        <p:split orient="vert"/>
+      </p:transition>
     </mc:Fallback>
   </mc:AlternateContent>
   <p:timing>
@@ -30791,7 +31577,6 @@
               <a:rPr lang="en-US" sz="2800" dirty="0" smtClean="0"/>
               <a:t>)</a:t>
             </a:r>
-            <a:endParaRPr lang="en-US" sz="2800" dirty="0" smtClean="0"/>
           </a:p>
         </p:txBody>
       </p:sp>
@@ -31376,8 +32161,8 @@
         </p:nvSpPr>
         <p:spPr>
           <a:xfrm>
-            <a:off x="838200" y="3012936"/>
-            <a:ext cx="7482391" cy="1754326"/>
+            <a:off x="649798" y="2380639"/>
+            <a:ext cx="7482391" cy="2677656"/>
           </a:xfrm>
           <a:prstGeom prst="rect">
             <a:avLst/>
@@ -31395,19 +32180,19 @@
               <a:buChar char="•"/>
             </a:pPr>
             <a:r>
-              <a:rPr lang="en-US" dirty="0"/>
+              <a:rPr lang="en-US" sz="2400" dirty="0"/>
               <a:t>A</a:t>
             </a:r>
             <a:r>
-              <a:rPr lang="en-US" dirty="0" smtClean="0"/>
+              <a:rPr lang="en-US" sz="2400" dirty="0" smtClean="0"/>
               <a:t>llocated </a:t>
             </a:r>
             <a:r>
-              <a:rPr lang="en-US" dirty="0"/>
+              <a:rPr lang="en-US" sz="2400" dirty="0"/>
               <a:t>and deallocated by the object </a:t>
             </a:r>
             <a:r>
-              <a:rPr lang="en-US" dirty="0" smtClean="0"/>
+              <a:rPr lang="en-US" sz="2400" dirty="0" smtClean="0"/>
               <a:t>manager.</a:t>
             </a:r>
           </a:p>
@@ -31417,15 +32202,15 @@
               <a:buChar char="•"/>
             </a:pPr>
             <a:r>
-              <a:rPr lang="en-US" dirty="0" smtClean="0"/>
+              <a:rPr lang="en-US" sz="2400" dirty="0" smtClean="0"/>
               <a:t>The object </a:t>
             </a:r>
             <a:r>
-              <a:rPr lang="en-US" dirty="0"/>
+              <a:rPr lang="en-US" sz="2400" dirty="0"/>
               <a:t>manager creates and initializes an object header, which it uses to manage the </a:t>
             </a:r>
             <a:r>
-              <a:rPr lang="en-US" dirty="0" smtClean="0"/>
+              <a:rPr lang="en-US" sz="2400" dirty="0" smtClean="0"/>
               <a:t>objects.</a:t>
             </a:r>
           </a:p>
@@ -31435,30 +32220,30 @@
               <a:buChar char="•"/>
             </a:pPr>
             <a:r>
-              <a:rPr lang="en-US" dirty="0" smtClean="0"/>
+              <a:rPr lang="en-US" sz="2400" dirty="0" smtClean="0"/>
               <a:t>The memory </a:t>
             </a:r>
             <a:r>
-              <a:rPr lang="en-US" dirty="0"/>
+              <a:rPr lang="en-US" sz="2400" dirty="0"/>
               <a:t>manager defines the body of the section </a:t>
             </a:r>
             <a:r>
-              <a:rPr lang="en-US" dirty="0" smtClean="0"/>
+              <a:rPr lang="en-US" sz="2400" dirty="0" smtClean="0"/>
               <a:t>object and implements services </a:t>
             </a:r>
             <a:r>
-              <a:rPr lang="en-US" dirty="0"/>
+              <a:rPr lang="en-US" sz="2400" dirty="0"/>
               <a:t>that user-mode threads can call to retrieve and change the attributes stored in the body </a:t>
             </a:r>
             <a:r>
-              <a:rPr lang="en-US" dirty="0" smtClean="0"/>
+              <a:rPr lang="en-US" sz="2400" dirty="0" smtClean="0"/>
               <a:t>of section </a:t>
             </a:r>
             <a:r>
-              <a:rPr lang="en-US" dirty="0"/>
+              <a:rPr lang="en-US" sz="2400" dirty="0"/>
               <a:t>objects.</a:t>
             </a:r>
-            <a:endParaRPr lang="en-US" sz="2000" dirty="0"/>
+            <a:endParaRPr lang="en-US" sz="2800" dirty="0"/>
           </a:p>
         </p:txBody>
       </p:sp>

--- a/REVERSE ENGINEER.pptx
+++ b/REVERSE ENGINEER.pptx
@@ -61,10 +61,20 @@
     <p:sldId id="280" r:id="rId55"/>
     <p:sldId id="281" r:id="rId56"/>
     <p:sldId id="282" r:id="rId57"/>
-    <p:sldId id="283" r:id="rId58"/>
-    <p:sldId id="284" r:id="rId59"/>
-    <p:sldId id="314" r:id="rId60"/>
-    <p:sldId id="315" r:id="rId61"/>
+    <p:sldId id="316" r:id="rId58"/>
+    <p:sldId id="317" r:id="rId59"/>
+    <p:sldId id="318" r:id="rId60"/>
+    <p:sldId id="319" r:id="rId61"/>
+    <p:sldId id="320" r:id="rId62"/>
+    <p:sldId id="321" r:id="rId63"/>
+    <p:sldId id="322" r:id="rId64"/>
+    <p:sldId id="323" r:id="rId65"/>
+    <p:sldId id="324" r:id="rId66"/>
+    <p:sldId id="325" r:id="rId67"/>
+    <p:sldId id="283" r:id="rId68"/>
+    <p:sldId id="284" r:id="rId69"/>
+    <p:sldId id="314" r:id="rId70"/>
+    <p:sldId id="315" r:id="rId71"/>
   </p:sldIdLst>
   <p:sldSz cx="12192000" cy="6858000"/>
   <p:notesSz cx="6858000" cy="9144000"/>
@@ -29804,6 +29814,66 @@
           </a:p>
         </p:txBody>
       </p:sp>
+      <p:sp>
+        <p:nvSpPr>
+          <p:cNvPr id="3" name="TextBox 2"/>
+          <p:cNvSpPr txBox="1"/>
+          <p:nvPr/>
+        </p:nvSpPr>
+        <p:spPr>
+          <a:xfrm>
+            <a:off x="622570" y="1235412"/>
+            <a:ext cx="10945237" cy="369332"/>
+          </a:xfrm>
+          <a:prstGeom prst="rect">
+            <a:avLst/>
+          </a:prstGeom>
+          <a:noFill/>
+        </p:spPr>
+        <p:txBody>
+          <a:bodyPr wrap="square" rtlCol="0">
+            <a:spAutoFit/>
+          </a:bodyPr>
+          <a:lstStyle/>
+          <a:p>
+            <a:r>
+              <a:rPr lang="en-US" dirty="0" smtClean="0"/>
+              <a:t>Suite of software tools that are very helpful with troubleshooting and reversing Windows code.</a:t>
+            </a:r>
+            <a:endParaRPr lang="en-US" dirty="0"/>
+          </a:p>
+        </p:txBody>
+      </p:sp>
+      <p:sp>
+        <p:nvSpPr>
+          <p:cNvPr id="5" name="TextBox 4"/>
+          <p:cNvSpPr txBox="1"/>
+          <p:nvPr/>
+        </p:nvSpPr>
+        <p:spPr>
+          <a:xfrm>
+            <a:off x="624192" y="2146569"/>
+            <a:ext cx="10943616" cy="369332"/>
+          </a:xfrm>
+          <a:prstGeom prst="rect">
+            <a:avLst/>
+          </a:prstGeom>
+          <a:noFill/>
+        </p:spPr>
+        <p:txBody>
+          <a:bodyPr wrap="square" rtlCol="0">
+            <a:spAutoFit/>
+          </a:bodyPr>
+          <a:lstStyle/>
+          <a:p>
+            <a:r>
+              <a:rPr lang="en-US" dirty="0" smtClean="0"/>
+              <a:t>Some of the tools use the command line, while others use a GUI.</a:t>
+            </a:r>
+            <a:endParaRPr lang="en-US" dirty="0"/>
+          </a:p>
+        </p:txBody>
+      </p:sp>
     </p:spTree>
     <p:extLst>
       <p:ext uri="{BB962C8B-B14F-4D97-AF65-F5344CB8AC3E}">
@@ -29910,16 +29980,457 @@
             <a:pPr algn="ctr"/>
             <a:r>
               <a:rPr lang="en-US" dirty="0" smtClean="0"/>
-              <a:t>PE Browse</a:t>
+              <a:t>SysInternals Suite</a:t>
             </a:r>
             <a:endParaRPr lang="en-US" dirty="0"/>
           </a:p>
         </p:txBody>
       </p:sp>
+      <p:graphicFrame>
+        <p:nvGraphicFramePr>
+          <p:cNvPr id="7" name="Table 6"/>
+          <p:cNvGraphicFramePr>
+            <a:graphicFrameLocks noGrp="1"/>
+          </p:cNvGraphicFramePr>
+          <p:nvPr>
+            <p:extLst>
+              <p:ext uri="{D42A27DB-BD31-4B8C-83A1-F6EECF244321}">
+                <p14:modId xmlns:p14="http://schemas.microsoft.com/office/powerpoint/2010/main" val="4058088642"/>
+              </p:ext>
+            </p:extLst>
+          </p:nvPr>
+        </p:nvGraphicFramePr>
+        <p:xfrm>
+          <a:off x="614463" y="952500"/>
+          <a:ext cx="10963073" cy="5232400"/>
+        </p:xfrm>
+        <a:graphic>
+          <a:graphicData uri="http://schemas.openxmlformats.org/drawingml/2006/table">
+            <a:tbl>
+              <a:tblPr firstRow="1" bandRow="1">
+                <a:tableStyleId>{5C22544A-7EE6-4342-B048-85BDC9FD1C3A}</a:tableStyleId>
+              </a:tblPr>
+              <a:tblGrid>
+                <a:gridCol w="1772753">
+                  <a:extLst>
+                    <a:ext uri="{9D8B030D-6E8A-4147-A177-3AD203B41FA5}">
+                      <a16:colId xmlns:a16="http://schemas.microsoft.com/office/drawing/2014/main" val="256644654"/>
+                    </a:ext>
+                  </a:extLst>
+                </a:gridCol>
+                <a:gridCol w="9190320">
+                  <a:extLst>
+                    <a:ext uri="{9D8B030D-6E8A-4147-A177-3AD203B41FA5}">
+                      <a16:colId xmlns:a16="http://schemas.microsoft.com/office/drawing/2014/main" val="2184237819"/>
+                    </a:ext>
+                  </a:extLst>
+                </a:gridCol>
+              </a:tblGrid>
+              <a:tr h="370840">
+                <a:tc>
+                  <a:txBody>
+                    <a:bodyPr/>
+                    <a:lstStyle/>
+                    <a:p>
+                      <a:r>
+                        <a:rPr lang="en-US" dirty="0" smtClean="0"/>
+                        <a:t>Name</a:t>
+                      </a:r>
+                      <a:endParaRPr lang="en-US" dirty="0"/>
+                    </a:p>
+                  </a:txBody>
+                  <a:tcPr/>
+                </a:tc>
+                <a:tc>
+                  <a:txBody>
+                    <a:bodyPr/>
+                    <a:lstStyle/>
+                    <a:p>
+                      <a:r>
+                        <a:rPr lang="en-US" dirty="0" smtClean="0"/>
+                        <a:t>Description</a:t>
+                      </a:r>
+                      <a:endParaRPr lang="en-US" dirty="0"/>
+                    </a:p>
+                  </a:txBody>
+                  <a:tcPr/>
+                </a:tc>
+                <a:extLst>
+                  <a:ext uri="{0D108BD9-81ED-4DB2-BD59-A6C34878D82A}">
+                    <a16:rowId xmlns:a16="http://schemas.microsoft.com/office/drawing/2014/main" val="1746292031"/>
+                  </a:ext>
+                </a:extLst>
+              </a:tr>
+              <a:tr h="370840">
+                <a:tc>
+                  <a:txBody>
+                    <a:bodyPr/>
+                    <a:lstStyle/>
+                    <a:p>
+                      <a:r>
+                        <a:rPr lang="en-US" dirty="0" err="1" smtClean="0"/>
+                        <a:t>AccessChk</a:t>
+                      </a:r>
+                      <a:endParaRPr lang="en-US" dirty="0"/>
+                    </a:p>
+                  </a:txBody>
+                  <a:tcPr/>
+                </a:tc>
+                <a:tc>
+                  <a:txBody>
+                    <a:bodyPr/>
+                    <a:lstStyle/>
+                    <a:p>
+                      <a:r>
+                        <a:rPr lang="en-US" dirty="0" err="1" smtClean="0"/>
+                        <a:t>AccessChk</a:t>
+                      </a:r>
+                      <a:r>
+                        <a:rPr lang="en-US" dirty="0" smtClean="0"/>
+                        <a:t> is a command-line tool for viewing the effective permissions on files, registry keys, services, processes, kernel objects, and more.</a:t>
+                      </a:r>
+                      <a:endParaRPr lang="en-US" dirty="0"/>
+                    </a:p>
+                  </a:txBody>
+                  <a:tcPr/>
+                </a:tc>
+                <a:extLst>
+                  <a:ext uri="{0D108BD9-81ED-4DB2-BD59-A6C34878D82A}">
+                    <a16:rowId xmlns:a16="http://schemas.microsoft.com/office/drawing/2014/main" val="3229545896"/>
+                  </a:ext>
+                </a:extLst>
+              </a:tr>
+              <a:tr h="370840">
+                <a:tc>
+                  <a:txBody>
+                    <a:bodyPr/>
+                    <a:lstStyle/>
+                    <a:p>
+                      <a:r>
+                        <a:rPr lang="en-US" dirty="0" err="1" smtClean="0"/>
+                        <a:t>AccessEnum</a:t>
+                      </a:r>
+                      <a:endParaRPr lang="en-US" dirty="0"/>
+                    </a:p>
+                  </a:txBody>
+                  <a:tcPr/>
+                </a:tc>
+                <a:tc>
+                  <a:txBody>
+                    <a:bodyPr/>
+                    <a:lstStyle/>
+                    <a:p>
+                      <a:r>
+                        <a:rPr lang="en-US" sz="1800" b="0" i="0" kern="1200" dirty="0" smtClean="0">
+                          <a:solidFill>
+                            <a:schemeClr val="dk1"/>
+                          </a:solidFill>
+                          <a:effectLst/>
+                          <a:latin typeface="+mn-lt"/>
+                          <a:ea typeface="+mn-ea"/>
+                          <a:cs typeface="+mn-cs"/>
+                        </a:rPr>
+                        <a:t>This simple yet powerful security tool shows you who has what access to directories, files and Registry keys on your systems. Use it to find holes in your permissions.</a:t>
+                      </a:r>
+                      <a:endParaRPr lang="en-US" dirty="0"/>
+                    </a:p>
+                  </a:txBody>
+                  <a:tcPr/>
+                </a:tc>
+                <a:extLst>
+                  <a:ext uri="{0D108BD9-81ED-4DB2-BD59-A6C34878D82A}">
+                    <a16:rowId xmlns:a16="http://schemas.microsoft.com/office/drawing/2014/main" val="2630496795"/>
+                  </a:ext>
+                </a:extLst>
+              </a:tr>
+              <a:tr h="370840">
+                <a:tc>
+                  <a:txBody>
+                    <a:bodyPr/>
+                    <a:lstStyle/>
+                    <a:p>
+                      <a:r>
+                        <a:rPr lang="en-US" dirty="0" err="1" smtClean="0"/>
+                        <a:t>AdExplorer</a:t>
+                      </a:r>
+                      <a:endParaRPr lang="en-US" dirty="0"/>
+                    </a:p>
+                  </a:txBody>
+                  <a:tcPr/>
+                </a:tc>
+                <a:tc>
+                  <a:txBody>
+                    <a:bodyPr/>
+                    <a:lstStyle/>
+                    <a:p>
+                      <a:r>
+                        <a:rPr lang="en-US" sz="1800" b="0" i="0" kern="1200" dirty="0" smtClean="0">
+                          <a:solidFill>
+                            <a:schemeClr val="dk1"/>
+                          </a:solidFill>
+                          <a:effectLst/>
+                          <a:latin typeface="+mn-lt"/>
+                          <a:ea typeface="+mn-ea"/>
+                          <a:cs typeface="+mn-cs"/>
+                        </a:rPr>
+                        <a:t>Active Directory Explorer is an advanced Active Directory (AD) viewer and editor.</a:t>
+                      </a:r>
+                      <a:endParaRPr lang="en-US" dirty="0"/>
+                    </a:p>
+                  </a:txBody>
+                  <a:tcPr/>
+                </a:tc>
+                <a:extLst>
+                  <a:ext uri="{0D108BD9-81ED-4DB2-BD59-A6C34878D82A}">
+                    <a16:rowId xmlns:a16="http://schemas.microsoft.com/office/drawing/2014/main" val="763283893"/>
+                  </a:ext>
+                </a:extLst>
+              </a:tr>
+              <a:tr h="370840">
+                <a:tc>
+                  <a:txBody>
+                    <a:bodyPr/>
+                    <a:lstStyle/>
+                    <a:p>
+                      <a:r>
+                        <a:rPr lang="en-US" dirty="0" err="1" smtClean="0"/>
+                        <a:t>AdInsight</a:t>
+                      </a:r>
+                      <a:endParaRPr lang="en-US" dirty="0"/>
+                    </a:p>
+                  </a:txBody>
+                  <a:tcPr/>
+                </a:tc>
+                <a:tc>
+                  <a:txBody>
+                    <a:bodyPr/>
+                    <a:lstStyle/>
+                    <a:p>
+                      <a:r>
+                        <a:rPr lang="en-US" sz="1800" b="0" i="0" kern="1200" dirty="0" smtClean="0">
+                          <a:solidFill>
+                            <a:schemeClr val="dk1"/>
+                          </a:solidFill>
+                          <a:effectLst/>
+                          <a:latin typeface="+mn-lt"/>
+                          <a:ea typeface="+mn-ea"/>
+                          <a:cs typeface="+mn-cs"/>
+                        </a:rPr>
+                        <a:t>An LDAP (Light-weight Directory Access Protocol) real-time monitoring tool aimed at troubleshooting Active Directory client applications.</a:t>
+                      </a:r>
+                      <a:endParaRPr lang="en-US" dirty="0"/>
+                    </a:p>
+                  </a:txBody>
+                  <a:tcPr/>
+                </a:tc>
+                <a:extLst>
+                  <a:ext uri="{0D108BD9-81ED-4DB2-BD59-A6C34878D82A}">
+                    <a16:rowId xmlns:a16="http://schemas.microsoft.com/office/drawing/2014/main" val="1965357956"/>
+                  </a:ext>
+                </a:extLst>
+              </a:tr>
+              <a:tr h="370840">
+                <a:tc>
+                  <a:txBody>
+                    <a:bodyPr/>
+                    <a:lstStyle/>
+                    <a:p>
+                      <a:r>
+                        <a:rPr lang="en-US" dirty="0" err="1" smtClean="0"/>
+                        <a:t>AdRestore</a:t>
+                      </a:r>
+                      <a:endParaRPr lang="en-US" dirty="0"/>
+                    </a:p>
+                  </a:txBody>
+                  <a:tcPr/>
+                </a:tc>
+                <a:tc>
+                  <a:txBody>
+                    <a:bodyPr/>
+                    <a:lstStyle/>
+                    <a:p>
+                      <a:r>
+                        <a:rPr lang="en-US" sz="1800" b="0" i="0" kern="1200" dirty="0" smtClean="0">
+                          <a:solidFill>
+                            <a:schemeClr val="dk1"/>
+                          </a:solidFill>
+                          <a:effectLst/>
+                          <a:latin typeface="+mn-lt"/>
+                          <a:ea typeface="+mn-ea"/>
+                          <a:cs typeface="+mn-cs"/>
+                        </a:rPr>
+                        <a:t>Undelete Server 2003 Active Directory objects.</a:t>
+                      </a:r>
+                      <a:endParaRPr lang="en-US" dirty="0"/>
+                    </a:p>
+                  </a:txBody>
+                  <a:tcPr/>
+                </a:tc>
+                <a:extLst>
+                  <a:ext uri="{0D108BD9-81ED-4DB2-BD59-A6C34878D82A}">
+                    <a16:rowId xmlns:a16="http://schemas.microsoft.com/office/drawing/2014/main" val="3016459118"/>
+                  </a:ext>
+                </a:extLst>
+              </a:tr>
+              <a:tr h="370840">
+                <a:tc>
+                  <a:txBody>
+                    <a:bodyPr/>
+                    <a:lstStyle/>
+                    <a:p>
+                      <a:r>
+                        <a:rPr lang="en-US" dirty="0" err="1" smtClean="0"/>
+                        <a:t>Autologon</a:t>
+                      </a:r>
+                      <a:endParaRPr lang="en-US" dirty="0"/>
+                    </a:p>
+                  </a:txBody>
+                  <a:tcPr/>
+                </a:tc>
+                <a:tc>
+                  <a:txBody>
+                    <a:bodyPr/>
+                    <a:lstStyle/>
+                    <a:p>
+                      <a:r>
+                        <a:rPr lang="en-US" sz="1800" b="0" i="0" kern="1200" dirty="0" smtClean="0">
+                          <a:solidFill>
+                            <a:schemeClr val="dk1"/>
+                          </a:solidFill>
+                          <a:effectLst/>
+                          <a:latin typeface="+mn-lt"/>
+                          <a:ea typeface="+mn-ea"/>
+                          <a:cs typeface="+mn-cs"/>
+                        </a:rPr>
+                        <a:t>Bypass password screen during logon.</a:t>
+                      </a:r>
+                      <a:endParaRPr lang="en-US" dirty="0"/>
+                    </a:p>
+                  </a:txBody>
+                  <a:tcPr/>
+                </a:tc>
+                <a:extLst>
+                  <a:ext uri="{0D108BD9-81ED-4DB2-BD59-A6C34878D82A}">
+                    <a16:rowId xmlns:a16="http://schemas.microsoft.com/office/drawing/2014/main" val="2856086234"/>
+                  </a:ext>
+                </a:extLst>
+              </a:tr>
+              <a:tr h="370840">
+                <a:tc>
+                  <a:txBody>
+                    <a:bodyPr/>
+                    <a:lstStyle/>
+                    <a:p>
+                      <a:r>
+                        <a:rPr lang="en-US" dirty="0" err="1" smtClean="0"/>
+                        <a:t>Autoruns</a:t>
+                      </a:r>
+                      <a:endParaRPr lang="en-US" dirty="0"/>
+                    </a:p>
+                  </a:txBody>
+                  <a:tcPr/>
+                </a:tc>
+                <a:tc>
+                  <a:txBody>
+                    <a:bodyPr/>
+                    <a:lstStyle/>
+                    <a:p>
+                      <a:r>
+                        <a:rPr lang="en-US" sz="1800" b="0" i="0" kern="1200" dirty="0" smtClean="0">
+                          <a:solidFill>
+                            <a:schemeClr val="dk1"/>
+                          </a:solidFill>
+                          <a:effectLst/>
+                          <a:latin typeface="+mn-lt"/>
+                          <a:ea typeface="+mn-ea"/>
+                          <a:cs typeface="+mn-cs"/>
+                        </a:rPr>
+                        <a:t>See what programs are configured to startup automatically when your system boots and you login. </a:t>
+                      </a:r>
+                      <a:r>
+                        <a:rPr lang="en-US" sz="1800" b="0" i="0" kern="1200" dirty="0" err="1" smtClean="0">
+                          <a:solidFill>
+                            <a:schemeClr val="dk1"/>
+                          </a:solidFill>
+                          <a:effectLst/>
+                          <a:latin typeface="+mn-lt"/>
+                          <a:ea typeface="+mn-ea"/>
+                          <a:cs typeface="+mn-cs"/>
+                        </a:rPr>
+                        <a:t>Autoruns</a:t>
+                      </a:r>
+                      <a:r>
+                        <a:rPr lang="en-US" sz="1800" b="0" i="0" kern="1200" dirty="0" smtClean="0">
+                          <a:solidFill>
+                            <a:schemeClr val="dk1"/>
+                          </a:solidFill>
+                          <a:effectLst/>
+                          <a:latin typeface="+mn-lt"/>
+                          <a:ea typeface="+mn-ea"/>
+                          <a:cs typeface="+mn-cs"/>
+                        </a:rPr>
+                        <a:t> also shows you the full list of Registry and file locations where applications can configure auto-start settings.</a:t>
+                      </a:r>
+                    </a:p>
+                  </a:txBody>
+                  <a:tcPr/>
+                </a:tc>
+                <a:extLst>
+                  <a:ext uri="{0D108BD9-81ED-4DB2-BD59-A6C34878D82A}">
+                    <a16:rowId xmlns:a16="http://schemas.microsoft.com/office/drawing/2014/main" val="679826855"/>
+                  </a:ext>
+                </a:extLst>
+              </a:tr>
+              <a:tr h="370840">
+                <a:tc>
+                  <a:txBody>
+                    <a:bodyPr/>
+                    <a:lstStyle/>
+                    <a:p>
+                      <a:r>
+                        <a:rPr lang="en-US" dirty="0" err="1" smtClean="0"/>
+                        <a:t>BgInfo</a:t>
+                      </a:r>
+                      <a:endParaRPr lang="en-US" dirty="0"/>
+                    </a:p>
+                  </a:txBody>
+                  <a:tcPr/>
+                </a:tc>
+                <a:tc>
+                  <a:txBody>
+                    <a:bodyPr/>
+                    <a:lstStyle/>
+                    <a:p>
+                      <a:r>
+                        <a:rPr lang="en-US" sz="1800" b="0" i="0" kern="1200" dirty="0" smtClean="0">
+                          <a:solidFill>
+                            <a:schemeClr val="dk1"/>
+                          </a:solidFill>
+                          <a:effectLst/>
+                          <a:latin typeface="+mn-lt"/>
+                          <a:ea typeface="+mn-ea"/>
+                          <a:cs typeface="+mn-cs"/>
+                        </a:rPr>
+                        <a:t>This fully-configurable program automatically generates desktop backgrounds that include important information about the system including IP addresses, computer name, network adapters, and more.</a:t>
+                      </a:r>
+                    </a:p>
+                  </a:txBody>
+                  <a:tcPr/>
+                </a:tc>
+                <a:extLst>
+                  <a:ext uri="{0D108BD9-81ED-4DB2-BD59-A6C34878D82A}">
+                    <a16:rowId xmlns:a16="http://schemas.microsoft.com/office/drawing/2014/main" val="3156528904"/>
+                  </a:ext>
+                </a:extLst>
+              </a:tr>
+            </a:tbl>
+          </a:graphicData>
+        </a:graphic>
+      </p:graphicFrame>
     </p:spTree>
     <p:extLst>
       <p:ext uri="{BB962C8B-B14F-4D97-AF65-F5344CB8AC3E}">
-        <p14:creationId xmlns:p14="http://schemas.microsoft.com/office/powerpoint/2010/main" val="4215575909"/>
+        <p14:creationId xmlns:p14="http://schemas.microsoft.com/office/powerpoint/2010/main" val="918050706"/>
       </p:ext>
     </p:extLst>
   </p:cSld>
@@ -30022,119 +30533,433 @@
             <a:pPr algn="ctr"/>
             <a:r>
               <a:rPr lang="en-US" dirty="0" smtClean="0"/>
-              <a:t>Channel 9</a:t>
+              <a:t>SysInternals Suite</a:t>
             </a:r>
             <a:endParaRPr lang="en-US" dirty="0"/>
           </a:p>
         </p:txBody>
       </p:sp>
-      <p:sp>
-        <p:nvSpPr>
-          <p:cNvPr id="3" name="TextBox 2"/>
-          <p:cNvSpPr txBox="1"/>
-          <p:nvPr/>
-        </p:nvSpPr>
-        <p:spPr>
-          <a:xfrm>
-            <a:off x="622300" y="1549400"/>
-            <a:ext cx="10960100" cy="369332"/>
-          </a:xfrm>
-          <a:prstGeom prst="rect">
-            <a:avLst/>
-          </a:prstGeom>
-          <a:noFill/>
-        </p:spPr>
-        <p:txBody>
-          <a:bodyPr wrap="square" rtlCol="0">
-            <a:spAutoFit/>
-          </a:bodyPr>
-          <a:lstStyle/>
-          <a:p>
-            <a:r>
-              <a:rPr lang="en-US" dirty="0"/>
-              <a:t>https://channel9.msdn.com/</a:t>
-            </a:r>
-          </a:p>
-        </p:txBody>
-      </p:sp>
-      <p:sp>
-        <p:nvSpPr>
-          <p:cNvPr id="5" name="TextBox 4"/>
-          <p:cNvSpPr txBox="1"/>
-          <p:nvPr/>
-        </p:nvSpPr>
-        <p:spPr>
-          <a:xfrm flipH="1">
-            <a:off x="622300" y="2571750"/>
-            <a:ext cx="10960100" cy="369332"/>
-          </a:xfrm>
-          <a:prstGeom prst="rect">
-            <a:avLst/>
-          </a:prstGeom>
-          <a:noFill/>
-        </p:spPr>
-        <p:txBody>
-          <a:bodyPr wrap="square" rtlCol="0">
-            <a:spAutoFit/>
-          </a:bodyPr>
-          <a:lstStyle/>
-          <a:p>
-            <a:r>
-              <a:rPr lang="en-US" dirty="0" smtClean="0"/>
-              <a:t>Huge library of videos featuring Microsoft employees discussing Microsoft products.</a:t>
-            </a:r>
-            <a:endParaRPr lang="en-US" dirty="0"/>
-          </a:p>
-        </p:txBody>
-      </p:sp>
-      <p:sp>
-        <p:nvSpPr>
-          <p:cNvPr id="6" name="TextBox 5"/>
-          <p:cNvSpPr txBox="1"/>
-          <p:nvPr/>
-        </p:nvSpPr>
-        <p:spPr>
-          <a:xfrm>
-            <a:off x="622300" y="3594100"/>
-            <a:ext cx="10960100" cy="369332"/>
-          </a:xfrm>
-          <a:prstGeom prst="rect">
-            <a:avLst/>
-          </a:prstGeom>
-          <a:noFill/>
-        </p:spPr>
-        <p:txBody>
-          <a:bodyPr wrap="square" rtlCol="0">
-            <a:spAutoFit/>
-          </a:bodyPr>
-          <a:lstStyle/>
-          <a:p>
-            <a:r>
-              <a:rPr lang="en-US" dirty="0" smtClean="0"/>
-              <a:t>Reverse engineers should </a:t>
-            </a:r>
-            <a:r>
-              <a:rPr lang="en-US" dirty="0"/>
-              <a:t>follow Defrag Tools (</a:t>
-            </a:r>
-            <a:r>
-              <a:rPr lang="en-US" dirty="0">
-                <a:hlinkClick r:id="rId3"/>
-              </a:rPr>
-              <a:t>https://channel9.msdn.com/Shows/Defrag-Tools</a:t>
-            </a:r>
-            <a:r>
-              <a:rPr lang="en-US" dirty="0" smtClean="0"/>
-              <a:t>).	</a:t>
-            </a:r>
-            <a:endParaRPr lang="en-US" dirty="0"/>
-          </a:p>
-        </p:txBody>
-      </p:sp>
+      <p:graphicFrame>
+        <p:nvGraphicFramePr>
+          <p:cNvPr id="7" name="Table 6"/>
+          <p:cNvGraphicFramePr>
+            <a:graphicFrameLocks noGrp="1"/>
+          </p:cNvGraphicFramePr>
+          <p:nvPr>
+            <p:extLst>
+              <p:ext uri="{D42A27DB-BD31-4B8C-83A1-F6EECF244321}">
+                <p14:modId xmlns:p14="http://schemas.microsoft.com/office/powerpoint/2010/main" val="250511642"/>
+              </p:ext>
+            </p:extLst>
+          </p:nvPr>
+        </p:nvGraphicFramePr>
+        <p:xfrm>
+          <a:off x="614463" y="952500"/>
+          <a:ext cx="10963073" cy="5039360"/>
+        </p:xfrm>
+        <a:graphic>
+          <a:graphicData uri="http://schemas.openxmlformats.org/drawingml/2006/table">
+            <a:tbl>
+              <a:tblPr firstRow="1" bandRow="1">
+                <a:tableStyleId>{5C22544A-7EE6-4342-B048-85BDC9FD1C3A}</a:tableStyleId>
+              </a:tblPr>
+              <a:tblGrid>
+                <a:gridCol w="1772753">
+                  <a:extLst>
+                    <a:ext uri="{9D8B030D-6E8A-4147-A177-3AD203B41FA5}">
+                      <a16:colId xmlns:a16="http://schemas.microsoft.com/office/drawing/2014/main" val="256644654"/>
+                    </a:ext>
+                  </a:extLst>
+                </a:gridCol>
+                <a:gridCol w="9190320">
+                  <a:extLst>
+                    <a:ext uri="{9D8B030D-6E8A-4147-A177-3AD203B41FA5}">
+                      <a16:colId xmlns:a16="http://schemas.microsoft.com/office/drawing/2014/main" val="2184237819"/>
+                    </a:ext>
+                  </a:extLst>
+                </a:gridCol>
+              </a:tblGrid>
+              <a:tr h="370840">
+                <a:tc>
+                  <a:txBody>
+                    <a:bodyPr/>
+                    <a:lstStyle/>
+                    <a:p>
+                      <a:r>
+                        <a:rPr lang="en-US" dirty="0" smtClean="0"/>
+                        <a:t>Name</a:t>
+                      </a:r>
+                      <a:endParaRPr lang="en-US" dirty="0"/>
+                    </a:p>
+                  </a:txBody>
+                  <a:tcPr/>
+                </a:tc>
+                <a:tc>
+                  <a:txBody>
+                    <a:bodyPr/>
+                    <a:lstStyle/>
+                    <a:p>
+                      <a:r>
+                        <a:rPr lang="en-US" dirty="0" smtClean="0"/>
+                        <a:t>Description</a:t>
+                      </a:r>
+                      <a:endParaRPr lang="en-US" dirty="0"/>
+                    </a:p>
+                  </a:txBody>
+                  <a:tcPr/>
+                </a:tc>
+                <a:extLst>
+                  <a:ext uri="{0D108BD9-81ED-4DB2-BD59-A6C34878D82A}">
+                    <a16:rowId xmlns:a16="http://schemas.microsoft.com/office/drawing/2014/main" val="1746292031"/>
+                  </a:ext>
+                </a:extLst>
+              </a:tr>
+              <a:tr h="370840">
+                <a:tc>
+                  <a:txBody>
+                    <a:bodyPr/>
+                    <a:lstStyle/>
+                    <a:p>
+                      <a:r>
+                        <a:rPr lang="en-US" dirty="0" err="1" smtClean="0"/>
+                        <a:t>BlueScreen</a:t>
+                      </a:r>
+                      <a:endParaRPr lang="en-US" dirty="0"/>
+                    </a:p>
+                  </a:txBody>
+                  <a:tcPr/>
+                </a:tc>
+                <a:tc>
+                  <a:txBody>
+                    <a:bodyPr/>
+                    <a:lstStyle/>
+                    <a:p>
+                      <a:r>
+                        <a:rPr lang="en-US" sz="1800" b="0" i="0" kern="1200" dirty="0" smtClean="0">
+                          <a:solidFill>
+                            <a:schemeClr val="dk1"/>
+                          </a:solidFill>
+                          <a:effectLst/>
+                          <a:latin typeface="+mn-lt"/>
+                          <a:ea typeface="+mn-ea"/>
+                          <a:cs typeface="+mn-cs"/>
+                        </a:rPr>
+                        <a:t>This screen saver not only accurately simulates Blue Screens, but simulated reboots as well (complete with CHKDSK), and works on Windows NT 4, Windows 2000, Windows XP, Server 2003 and Windows 95 and 98.</a:t>
+                      </a:r>
+                      <a:endParaRPr lang="en-US" dirty="0"/>
+                    </a:p>
+                  </a:txBody>
+                  <a:tcPr/>
+                </a:tc>
+                <a:extLst>
+                  <a:ext uri="{0D108BD9-81ED-4DB2-BD59-A6C34878D82A}">
+                    <a16:rowId xmlns:a16="http://schemas.microsoft.com/office/drawing/2014/main" val="3229545896"/>
+                  </a:ext>
+                </a:extLst>
+              </a:tr>
+              <a:tr h="370840">
+                <a:tc>
+                  <a:txBody>
+                    <a:bodyPr/>
+                    <a:lstStyle/>
+                    <a:p>
+                      <a:r>
+                        <a:rPr lang="en-US" dirty="0" err="1" smtClean="0"/>
+                        <a:t>CacheSet</a:t>
+                      </a:r>
+                      <a:endParaRPr lang="en-US" dirty="0"/>
+                    </a:p>
+                  </a:txBody>
+                  <a:tcPr/>
+                </a:tc>
+                <a:tc>
+                  <a:txBody>
+                    <a:bodyPr/>
+                    <a:lstStyle/>
+                    <a:p>
+                      <a:r>
+                        <a:rPr lang="en-US" sz="1800" b="0" i="0" kern="1200" dirty="0" err="1" smtClean="0">
+                          <a:solidFill>
+                            <a:schemeClr val="dk1"/>
+                          </a:solidFill>
+                          <a:effectLst/>
+                          <a:latin typeface="+mn-lt"/>
+                          <a:ea typeface="+mn-ea"/>
+                          <a:cs typeface="+mn-cs"/>
+                        </a:rPr>
+                        <a:t>CacheSet</a:t>
+                      </a:r>
+                      <a:r>
+                        <a:rPr lang="en-US" sz="1800" b="0" i="0" kern="1200" dirty="0" smtClean="0">
+                          <a:solidFill>
+                            <a:schemeClr val="dk1"/>
+                          </a:solidFill>
+                          <a:effectLst/>
+                          <a:latin typeface="+mn-lt"/>
+                          <a:ea typeface="+mn-ea"/>
+                          <a:cs typeface="+mn-cs"/>
+                        </a:rPr>
+                        <a:t> is a program that allows you to control the Cache Manager's working set size using functions provided by NT. It's compatible with all versions of NT.</a:t>
+                      </a:r>
+                      <a:endParaRPr lang="en-US" dirty="0"/>
+                    </a:p>
+                  </a:txBody>
+                  <a:tcPr/>
+                </a:tc>
+                <a:extLst>
+                  <a:ext uri="{0D108BD9-81ED-4DB2-BD59-A6C34878D82A}">
+                    <a16:rowId xmlns:a16="http://schemas.microsoft.com/office/drawing/2014/main" val="2630496795"/>
+                  </a:ext>
+                </a:extLst>
+              </a:tr>
+              <a:tr h="370840">
+                <a:tc>
+                  <a:txBody>
+                    <a:bodyPr/>
+                    <a:lstStyle/>
+                    <a:p>
+                      <a:r>
+                        <a:rPr lang="en-US" dirty="0" err="1" smtClean="0"/>
+                        <a:t>ClockRes</a:t>
+                      </a:r>
+                      <a:endParaRPr lang="en-US" dirty="0"/>
+                    </a:p>
+                  </a:txBody>
+                  <a:tcPr/>
+                </a:tc>
+                <a:tc>
+                  <a:txBody>
+                    <a:bodyPr/>
+                    <a:lstStyle/>
+                    <a:p>
+                      <a:r>
+                        <a:rPr lang="en-US" sz="1800" b="0" i="0" kern="1200" dirty="0" smtClean="0">
+                          <a:solidFill>
+                            <a:schemeClr val="dk1"/>
+                          </a:solidFill>
+                          <a:effectLst/>
+                          <a:latin typeface="+mn-lt"/>
+                          <a:ea typeface="+mn-ea"/>
+                          <a:cs typeface="+mn-cs"/>
+                        </a:rPr>
+                        <a:t>View the resolution of the system clock, which is also the maximum timer resolution.</a:t>
+                      </a:r>
+                      <a:endParaRPr lang="en-US" dirty="0"/>
+                    </a:p>
+                  </a:txBody>
+                  <a:tcPr/>
+                </a:tc>
+                <a:extLst>
+                  <a:ext uri="{0D108BD9-81ED-4DB2-BD59-A6C34878D82A}">
+                    <a16:rowId xmlns:a16="http://schemas.microsoft.com/office/drawing/2014/main" val="763283893"/>
+                  </a:ext>
+                </a:extLst>
+              </a:tr>
+              <a:tr h="370840">
+                <a:tc>
+                  <a:txBody>
+                    <a:bodyPr/>
+                    <a:lstStyle/>
+                    <a:p>
+                      <a:r>
+                        <a:rPr lang="en-US" dirty="0" err="1" smtClean="0"/>
+                        <a:t>Contig</a:t>
+                      </a:r>
+                      <a:endParaRPr lang="en-US" dirty="0"/>
+                    </a:p>
+                  </a:txBody>
+                  <a:tcPr/>
+                </a:tc>
+                <a:tc>
+                  <a:txBody>
+                    <a:bodyPr/>
+                    <a:lstStyle/>
+                    <a:p>
+                      <a:r>
+                        <a:rPr lang="en-US" sz="1800" b="0" i="0" kern="1200" dirty="0" smtClean="0">
+                          <a:solidFill>
+                            <a:schemeClr val="dk1"/>
+                          </a:solidFill>
+                          <a:effectLst/>
+                          <a:latin typeface="+mn-lt"/>
+                          <a:ea typeface="+mn-ea"/>
+                          <a:cs typeface="+mn-cs"/>
+                        </a:rPr>
+                        <a:t>Wish you could quickly defragment your frequently used files? Use </a:t>
+                      </a:r>
+                      <a:r>
+                        <a:rPr lang="en-US" sz="1800" b="0" i="0" kern="1200" dirty="0" err="1" smtClean="0">
+                          <a:solidFill>
+                            <a:schemeClr val="dk1"/>
+                          </a:solidFill>
+                          <a:effectLst/>
+                          <a:latin typeface="+mn-lt"/>
+                          <a:ea typeface="+mn-ea"/>
+                          <a:cs typeface="+mn-cs"/>
+                        </a:rPr>
+                        <a:t>Contig</a:t>
+                      </a:r>
+                      <a:r>
+                        <a:rPr lang="en-US" sz="1800" b="0" i="0" kern="1200" dirty="0" smtClean="0">
+                          <a:solidFill>
+                            <a:schemeClr val="dk1"/>
+                          </a:solidFill>
+                          <a:effectLst/>
+                          <a:latin typeface="+mn-lt"/>
+                          <a:ea typeface="+mn-ea"/>
+                          <a:cs typeface="+mn-cs"/>
+                        </a:rPr>
+                        <a:t> to optimize individual files, or to create new files that are contiguous.</a:t>
+                      </a:r>
+                      <a:endParaRPr lang="en-US" dirty="0"/>
+                    </a:p>
+                  </a:txBody>
+                  <a:tcPr/>
+                </a:tc>
+                <a:extLst>
+                  <a:ext uri="{0D108BD9-81ED-4DB2-BD59-A6C34878D82A}">
+                    <a16:rowId xmlns:a16="http://schemas.microsoft.com/office/drawing/2014/main" val="1965357956"/>
+                  </a:ext>
+                </a:extLst>
+              </a:tr>
+              <a:tr h="370840">
+                <a:tc>
+                  <a:txBody>
+                    <a:bodyPr/>
+                    <a:lstStyle/>
+                    <a:p>
+                      <a:r>
+                        <a:rPr lang="en-US" sz="1800" b="0" i="0" kern="1200" dirty="0" err="1" smtClean="0">
+                          <a:solidFill>
+                            <a:schemeClr val="dk1"/>
+                          </a:solidFill>
+                          <a:effectLst/>
+                          <a:latin typeface="+mn-lt"/>
+                          <a:ea typeface="+mn-ea"/>
+                          <a:cs typeface="+mn-cs"/>
+                        </a:rPr>
+                        <a:t>Coreinfo</a:t>
+                      </a:r>
+                      <a:endParaRPr lang="en-US" dirty="0"/>
+                    </a:p>
+                  </a:txBody>
+                  <a:tcPr/>
+                </a:tc>
+                <a:tc>
+                  <a:txBody>
+                    <a:bodyPr/>
+                    <a:lstStyle/>
+                    <a:p>
+                      <a:r>
+                        <a:rPr lang="en-US" sz="1800" b="0" i="0" kern="1200" dirty="0" err="1" smtClean="0">
+                          <a:solidFill>
+                            <a:schemeClr val="dk1"/>
+                          </a:solidFill>
+                          <a:effectLst/>
+                          <a:latin typeface="+mn-lt"/>
+                          <a:ea typeface="+mn-ea"/>
+                          <a:cs typeface="+mn-cs"/>
+                        </a:rPr>
+                        <a:t>Coreinfo</a:t>
+                      </a:r>
+                      <a:r>
+                        <a:rPr lang="en-US" sz="1800" b="0" i="0" kern="1200" dirty="0" smtClean="0">
+                          <a:solidFill>
+                            <a:schemeClr val="dk1"/>
+                          </a:solidFill>
+                          <a:effectLst/>
+                          <a:latin typeface="+mn-lt"/>
+                          <a:ea typeface="+mn-ea"/>
+                          <a:cs typeface="+mn-cs"/>
+                        </a:rPr>
+                        <a:t> is a new command-line utility that shows you the mapping between logical processors and the physical processor, NUMA node, and socket on which they reside, as well as the cache’s assigned to each logical processor.</a:t>
+                      </a:r>
+                      <a:endParaRPr lang="en-US" dirty="0"/>
+                    </a:p>
+                  </a:txBody>
+                  <a:tcPr/>
+                </a:tc>
+                <a:extLst>
+                  <a:ext uri="{0D108BD9-81ED-4DB2-BD59-A6C34878D82A}">
+                    <a16:rowId xmlns:a16="http://schemas.microsoft.com/office/drawing/2014/main" val="3016459118"/>
+                  </a:ext>
+                </a:extLst>
+              </a:tr>
+              <a:tr h="370840">
+                <a:tc>
+                  <a:txBody>
+                    <a:bodyPr/>
+                    <a:lstStyle/>
+                    <a:p>
+                      <a:r>
+                        <a:rPr lang="en-US" dirty="0" smtClean="0"/>
+                        <a:t>Ctrl2cap</a:t>
+                      </a:r>
+                      <a:endParaRPr lang="en-US" dirty="0"/>
+                    </a:p>
+                  </a:txBody>
+                  <a:tcPr/>
+                </a:tc>
+                <a:tc>
+                  <a:txBody>
+                    <a:bodyPr/>
+                    <a:lstStyle/>
+                    <a:p>
+                      <a:r>
+                        <a:rPr lang="en-US" sz="1800" b="0" i="0" kern="1200" dirty="0" smtClean="0">
+                          <a:solidFill>
+                            <a:schemeClr val="dk1"/>
+                          </a:solidFill>
+                          <a:effectLst/>
+                          <a:latin typeface="+mn-lt"/>
+                          <a:ea typeface="+mn-ea"/>
+                          <a:cs typeface="+mn-cs"/>
+                        </a:rPr>
+                        <a:t>This is a kernel-mode driver that demonstrates keyboard input filtering just above the keyboard class driver in order to turn caps-locks into control keys. Filtering at this level allows conversion and hiding of keys before NT even "sees" them. Ctrl2cap also shows how to use </a:t>
+                      </a:r>
+                      <a:r>
+                        <a:rPr lang="en-US" sz="1800" b="0" i="0" kern="1200" dirty="0" err="1" smtClean="0">
+                          <a:solidFill>
+                            <a:schemeClr val="dk1"/>
+                          </a:solidFill>
+                          <a:effectLst/>
+                          <a:latin typeface="+mn-lt"/>
+                          <a:ea typeface="+mn-ea"/>
+                          <a:cs typeface="+mn-cs"/>
+                        </a:rPr>
+                        <a:t>NtDisplayString</a:t>
+                      </a:r>
+                      <a:r>
+                        <a:rPr lang="en-US" sz="1800" b="0" i="0" kern="1200" dirty="0" smtClean="0">
+                          <a:solidFill>
+                            <a:schemeClr val="dk1"/>
+                          </a:solidFill>
+                          <a:effectLst/>
+                          <a:latin typeface="+mn-lt"/>
+                          <a:ea typeface="+mn-ea"/>
+                          <a:cs typeface="+mn-cs"/>
+                        </a:rPr>
+                        <a:t>() to print messages to the initialization blue-screen.</a:t>
+                      </a:r>
+                      <a:endParaRPr lang="en-US" dirty="0"/>
+                    </a:p>
+                  </a:txBody>
+                  <a:tcPr/>
+                </a:tc>
+                <a:extLst>
+                  <a:ext uri="{0D108BD9-81ED-4DB2-BD59-A6C34878D82A}">
+                    <a16:rowId xmlns:a16="http://schemas.microsoft.com/office/drawing/2014/main" val="2856086234"/>
+                  </a:ext>
+                </a:extLst>
+              </a:tr>
+            </a:tbl>
+          </a:graphicData>
+        </a:graphic>
+      </p:graphicFrame>
     </p:spTree>
     <p:extLst>
       <p:ext uri="{BB962C8B-B14F-4D97-AF65-F5344CB8AC3E}">
-        <p14:creationId xmlns:p14="http://schemas.microsoft.com/office/powerpoint/2010/main" val="3991540568"/>
+        <p14:creationId xmlns:p14="http://schemas.microsoft.com/office/powerpoint/2010/main" val="2166610253"/>
       </p:ext>
     </p:extLst>
   </p:cSld>
@@ -30237,359 +31062,527 @@
             <a:pPr algn="ctr"/>
             <a:r>
               <a:rPr lang="en-US" dirty="0" smtClean="0"/>
-              <a:t>Channel 9</a:t>
+              <a:t>SysInternals Suite</a:t>
             </a:r>
             <a:endParaRPr lang="en-US" dirty="0"/>
           </a:p>
         </p:txBody>
       </p:sp>
-      <p:sp>
-        <p:nvSpPr>
-          <p:cNvPr id="3" name="TextBox 2"/>
-          <p:cNvSpPr txBox="1"/>
-          <p:nvPr/>
-        </p:nvSpPr>
-        <p:spPr>
-          <a:xfrm>
-            <a:off x="731520" y="1549400"/>
-            <a:ext cx="5029200" cy="4524315"/>
-          </a:xfrm>
-          <a:prstGeom prst="rect">
-            <a:avLst/>
-          </a:prstGeom>
-          <a:noFill/>
-        </p:spPr>
-        <p:txBody>
-          <a:bodyPr wrap="square" rtlCol="0">
-            <a:spAutoFit/>
-          </a:bodyPr>
-          <a:lstStyle/>
-          <a:p>
-            <a:r>
-              <a:rPr lang="en-US" dirty="0"/>
-              <a:t>#    </a:t>
-            </a:r>
-            <a:r>
-              <a:rPr lang="en-US"/>
-              <a:t>1 </a:t>
-            </a:r>
-            <a:r>
-              <a:rPr lang="en-US" smtClean="0"/>
-              <a:t>- </a:t>
-            </a:r>
-            <a:r>
-              <a:rPr lang="en-US" dirty="0"/>
-              <a:t>Building you USB </a:t>
-            </a:r>
-            <a:r>
-              <a:rPr lang="en-US" dirty="0" err="1"/>
-              <a:t>thumbdrive</a:t>
-            </a:r>
-            <a:r>
-              <a:rPr lang="en-US" dirty="0"/>
-              <a:t> (optional)</a:t>
-            </a:r>
-          </a:p>
-          <a:p>
-            <a:r>
-              <a:rPr lang="en-US" dirty="0"/>
-              <a:t>#    2 - Process Explorer</a:t>
-            </a:r>
-          </a:p>
-          <a:p>
-            <a:r>
-              <a:rPr lang="en-US" dirty="0"/>
-              <a:t>#    3 - Process Monitor</a:t>
-            </a:r>
-          </a:p>
-          <a:p>
-            <a:r>
-              <a:rPr lang="en-US" dirty="0"/>
-              <a:t>#    4 - Process Monitor – Examples</a:t>
-            </a:r>
-          </a:p>
-          <a:p>
-            <a:r>
-              <a:rPr lang="en-US" dirty="0"/>
-              <a:t>#    5 - </a:t>
-            </a:r>
-            <a:r>
-              <a:rPr lang="en-US" dirty="0" err="1"/>
-              <a:t>Autoruns</a:t>
-            </a:r>
-            <a:r>
-              <a:rPr lang="en-US" dirty="0"/>
-              <a:t> and </a:t>
-            </a:r>
-            <a:r>
-              <a:rPr lang="en-US" dirty="0" err="1"/>
-              <a:t>MSConfig</a:t>
-            </a:r>
-            <a:endParaRPr lang="en-US" dirty="0"/>
-          </a:p>
-          <a:p>
-            <a:r>
-              <a:rPr lang="en-US" dirty="0"/>
-              <a:t>#    6 </a:t>
-            </a:r>
-            <a:r>
-              <a:rPr lang="en-US" dirty="0" smtClean="0"/>
-              <a:t>- </a:t>
-            </a:r>
-            <a:r>
-              <a:rPr lang="en-US" dirty="0" err="1"/>
-              <a:t>RAMMap</a:t>
-            </a:r>
-            <a:endParaRPr lang="en-US" dirty="0"/>
-          </a:p>
-          <a:p>
-            <a:r>
-              <a:rPr lang="en-US" dirty="0"/>
-              <a:t>#    7 </a:t>
-            </a:r>
-            <a:r>
-              <a:rPr lang="en-US" dirty="0" smtClean="0"/>
-              <a:t>- </a:t>
-            </a:r>
-            <a:r>
-              <a:rPr lang="en-US" dirty="0" err="1"/>
-              <a:t>VMMap</a:t>
-            </a:r>
-            <a:endParaRPr lang="en-US" dirty="0"/>
-          </a:p>
-          <a:p>
-            <a:r>
-              <a:rPr lang="en-US" dirty="0"/>
-              <a:t>#  13 </a:t>
-            </a:r>
-            <a:r>
-              <a:rPr lang="en-US" dirty="0" smtClean="0"/>
-              <a:t>- </a:t>
-            </a:r>
-            <a:r>
-              <a:rPr lang="en-US" dirty="0"/>
-              <a:t>WinDbg</a:t>
-            </a:r>
-          </a:p>
-          <a:p>
-            <a:r>
-              <a:rPr lang="en-US" dirty="0"/>
-              <a:t>#  14 - WinDbg – SOS</a:t>
-            </a:r>
-          </a:p>
-          <a:p>
-            <a:r>
-              <a:rPr lang="en-US" dirty="0"/>
-              <a:t>#  15 - WinDbg - </a:t>
-            </a:r>
-            <a:r>
-              <a:rPr lang="en-US" dirty="0" err="1"/>
-              <a:t>Bugchecks</a:t>
-            </a:r>
-            <a:r>
-              <a:rPr lang="en-US" dirty="0"/>
-              <a:t> (BSOD)</a:t>
-            </a:r>
-          </a:p>
-          <a:p>
-            <a:r>
-              <a:rPr lang="en-US" dirty="0"/>
-              <a:t>#  19 - WinDbg – OCA</a:t>
-            </a:r>
-          </a:p>
-          <a:p>
-            <a:r>
-              <a:rPr lang="en-US" dirty="0"/>
-              <a:t>#  20 - WinDbg - Basic Commands</a:t>
-            </a:r>
-          </a:p>
-          <a:p>
-            <a:r>
-              <a:rPr lang="en-US" dirty="0"/>
-              <a:t>#  21 - WinDbg - Memory User Mode</a:t>
-            </a:r>
-          </a:p>
-          <a:p>
-            <a:r>
-              <a:rPr lang="en-US" dirty="0"/>
-              <a:t>#  22 - WinDbg - Memory Kernel Mode</a:t>
-            </a:r>
-          </a:p>
-          <a:p>
-            <a:r>
-              <a:rPr lang="en-US" dirty="0"/>
-              <a:t>#  24 - WinDbg - Critical Sections</a:t>
-            </a:r>
-          </a:p>
-          <a:p>
-            <a:r>
-              <a:rPr lang="en-US" dirty="0"/>
-              <a:t>#  25 - WinDbg – Events</a:t>
-            </a:r>
-          </a:p>
-        </p:txBody>
-      </p:sp>
-      <p:sp>
-        <p:nvSpPr>
-          <p:cNvPr id="7" name="TextBox 6"/>
-          <p:cNvSpPr txBox="1"/>
-          <p:nvPr/>
-        </p:nvSpPr>
-        <p:spPr>
-          <a:xfrm>
-            <a:off x="6827520" y="1549400"/>
-            <a:ext cx="5029200" cy="4524315"/>
-          </a:xfrm>
-          <a:prstGeom prst="rect">
-            <a:avLst/>
-          </a:prstGeom>
-          <a:noFill/>
-        </p:spPr>
-        <p:txBody>
-          <a:bodyPr wrap="square" rtlCol="0">
-            <a:spAutoFit/>
-          </a:bodyPr>
-          <a:lstStyle/>
-          <a:p>
-            <a:r>
-              <a:rPr lang="en-US" dirty="0"/>
-              <a:t>#  26 - WinDbg - Semaphores, </a:t>
-            </a:r>
-            <a:r>
-              <a:rPr lang="en-US" dirty="0" err="1"/>
-              <a:t>Mutexes</a:t>
-            </a:r>
-            <a:r>
-              <a:rPr lang="en-US" dirty="0"/>
-              <a:t> and Timers</a:t>
-            </a:r>
-          </a:p>
-          <a:p>
-            <a:r>
-              <a:rPr lang="en-US" dirty="0"/>
-              <a:t>#  27 - WinDbg - Configure Kernel Debugging</a:t>
-            </a:r>
-          </a:p>
-          <a:p>
-            <a:r>
-              <a:rPr lang="en-US" dirty="0"/>
-              <a:t>#  28 - WinDbg – Scheduling</a:t>
-            </a:r>
-          </a:p>
-          <a:p>
-            <a:r>
-              <a:rPr lang="en-US" dirty="0"/>
-              <a:t>#  29 - WinDbg - ETW Logging</a:t>
-            </a:r>
-          </a:p>
-          <a:p>
-            <a:r>
-              <a:rPr lang="en-US" dirty="0"/>
-              <a:t>#  30 - MCTS Windows Internals</a:t>
-            </a:r>
-          </a:p>
-          <a:p>
-            <a:r>
-              <a:rPr lang="en-US" dirty="0"/>
-              <a:t>#  89 - Symbol Folder Tools</a:t>
-            </a:r>
-          </a:p>
-          <a:p>
-            <a:r>
-              <a:rPr lang="en-US" dirty="0"/>
-              <a:t>#  94 - </a:t>
-            </a:r>
-            <a:r>
-              <a:rPr lang="en-US" dirty="0" err="1"/>
-              <a:t>Sysinternals</a:t>
-            </a:r>
-            <a:r>
-              <a:rPr lang="en-US" dirty="0"/>
-              <a:t> Strings, </a:t>
-            </a:r>
-            <a:r>
-              <a:rPr lang="en-US" dirty="0" err="1"/>
-              <a:t>FindStr</a:t>
-            </a:r>
-            <a:r>
-              <a:rPr lang="en-US" dirty="0"/>
-              <a:t>, !</a:t>
-            </a:r>
-            <a:r>
-              <a:rPr lang="en-US" dirty="0" err="1"/>
-              <a:t>pde.ssz</a:t>
-            </a:r>
-            <a:endParaRPr lang="en-US" dirty="0"/>
-          </a:p>
-          <a:p>
-            <a:r>
-              <a:rPr lang="en-US" dirty="0"/>
-              <a:t>#  96 - Writing a Debugger Extension Part 1</a:t>
-            </a:r>
-          </a:p>
-          <a:p>
-            <a:r>
-              <a:rPr lang="en-US" dirty="0"/>
-              <a:t>#  97 - Writing a Debugger Extension Part 2</a:t>
-            </a:r>
-          </a:p>
-          <a:p>
-            <a:r>
-              <a:rPr lang="en-US" dirty="0"/>
-              <a:t>#  98 - Writing a Debugger Extension Part 3</a:t>
-            </a:r>
-          </a:p>
-          <a:p>
-            <a:r>
-              <a:rPr lang="en-US" dirty="0"/>
-              <a:t>#  99 - Writing a Debugger Extension Part 4</a:t>
-            </a:r>
-          </a:p>
-          <a:p>
-            <a:r>
-              <a:rPr lang="en-US" dirty="0"/>
-              <a:t>#101 - Writing a Debugger Extension Part 5</a:t>
-            </a:r>
-          </a:p>
-          <a:p>
-            <a:r>
-              <a:rPr lang="en-US" dirty="0"/>
-              <a:t>#102 - Writing a Debugger Extension Part 6</a:t>
-            </a:r>
-          </a:p>
-          <a:p>
-            <a:r>
-              <a:rPr lang="en-US" dirty="0"/>
-              <a:t>#103 - Writing a Debugger Extension Part 7</a:t>
-            </a:r>
-          </a:p>
-          <a:p>
-            <a:r>
-              <a:rPr lang="en-US" dirty="0"/>
-              <a:t>#104 - Writing a Debugger Extension Part </a:t>
-            </a:r>
-            <a:r>
-              <a:rPr lang="en-US" dirty="0" smtClean="0"/>
-              <a:t>8</a:t>
-            </a:r>
-          </a:p>
-          <a:p>
-            <a:r>
-              <a:rPr lang="en-US" dirty="0"/>
-              <a:t>#105 - Writing a Debugger Extension Part </a:t>
-            </a:r>
-            <a:r>
-              <a:rPr lang="en-US" dirty="0" smtClean="0"/>
-              <a:t>9</a:t>
-            </a:r>
-            <a:endParaRPr lang="en-US" dirty="0"/>
-          </a:p>
-        </p:txBody>
-      </p:sp>
+      <p:graphicFrame>
+        <p:nvGraphicFramePr>
+          <p:cNvPr id="7" name="Table 6"/>
+          <p:cNvGraphicFramePr>
+            <a:graphicFrameLocks noGrp="1"/>
+          </p:cNvGraphicFramePr>
+          <p:nvPr>
+            <p:extLst>
+              <p:ext uri="{D42A27DB-BD31-4B8C-83A1-F6EECF244321}">
+                <p14:modId xmlns:p14="http://schemas.microsoft.com/office/powerpoint/2010/main" val="3199356738"/>
+              </p:ext>
+            </p:extLst>
+          </p:nvPr>
+        </p:nvGraphicFramePr>
+        <p:xfrm>
+          <a:off x="614463" y="952500"/>
+          <a:ext cx="10963073" cy="4419600"/>
+        </p:xfrm>
+        <a:graphic>
+          <a:graphicData uri="http://schemas.openxmlformats.org/drawingml/2006/table">
+            <a:tbl>
+              <a:tblPr firstRow="1" bandRow="1">
+                <a:tableStyleId>{5C22544A-7EE6-4342-B048-85BDC9FD1C3A}</a:tableStyleId>
+              </a:tblPr>
+              <a:tblGrid>
+                <a:gridCol w="1772753">
+                  <a:extLst>
+                    <a:ext uri="{9D8B030D-6E8A-4147-A177-3AD203B41FA5}">
+                      <a16:colId xmlns:a16="http://schemas.microsoft.com/office/drawing/2014/main" val="256644654"/>
+                    </a:ext>
+                  </a:extLst>
+                </a:gridCol>
+                <a:gridCol w="9190320">
+                  <a:extLst>
+                    <a:ext uri="{9D8B030D-6E8A-4147-A177-3AD203B41FA5}">
+                      <a16:colId xmlns:a16="http://schemas.microsoft.com/office/drawing/2014/main" val="2184237819"/>
+                    </a:ext>
+                  </a:extLst>
+                </a:gridCol>
+              </a:tblGrid>
+              <a:tr h="370840">
+                <a:tc>
+                  <a:txBody>
+                    <a:bodyPr/>
+                    <a:lstStyle/>
+                    <a:p>
+                      <a:r>
+                        <a:rPr lang="en-US" dirty="0" smtClean="0"/>
+                        <a:t>Name</a:t>
+                      </a:r>
+                      <a:endParaRPr lang="en-US" dirty="0"/>
+                    </a:p>
+                  </a:txBody>
+                  <a:tcPr/>
+                </a:tc>
+                <a:tc>
+                  <a:txBody>
+                    <a:bodyPr/>
+                    <a:lstStyle/>
+                    <a:p>
+                      <a:r>
+                        <a:rPr lang="en-US" dirty="0" smtClean="0"/>
+                        <a:t>Description</a:t>
+                      </a:r>
+                      <a:endParaRPr lang="en-US" dirty="0"/>
+                    </a:p>
+                  </a:txBody>
+                  <a:tcPr/>
+                </a:tc>
+                <a:extLst>
+                  <a:ext uri="{0D108BD9-81ED-4DB2-BD59-A6C34878D82A}">
+                    <a16:rowId xmlns:a16="http://schemas.microsoft.com/office/drawing/2014/main" val="1746292031"/>
+                  </a:ext>
+                </a:extLst>
+              </a:tr>
+              <a:tr h="370840">
+                <a:tc>
+                  <a:txBody>
+                    <a:bodyPr/>
+                    <a:lstStyle/>
+                    <a:p>
+                      <a:r>
+                        <a:rPr lang="en-US" dirty="0" err="1" smtClean="0"/>
+                        <a:t>DebugView</a:t>
+                      </a:r>
+                      <a:endParaRPr lang="en-US" dirty="0"/>
+                    </a:p>
+                  </a:txBody>
+                  <a:tcPr/>
+                </a:tc>
+                <a:tc>
+                  <a:txBody>
+                    <a:bodyPr/>
+                    <a:lstStyle/>
+                    <a:p>
+                      <a:r>
+                        <a:rPr lang="en-US" sz="1800" b="0" i="0" kern="1200" dirty="0" smtClean="0">
+                          <a:solidFill>
+                            <a:schemeClr val="dk1"/>
+                          </a:solidFill>
+                          <a:effectLst/>
+                          <a:latin typeface="+mn-lt"/>
+                          <a:ea typeface="+mn-ea"/>
+                          <a:cs typeface="+mn-cs"/>
+                        </a:rPr>
+                        <a:t>Another first from </a:t>
+                      </a:r>
+                      <a:r>
+                        <a:rPr lang="en-US" sz="1800" b="0" i="0" kern="1200" dirty="0" err="1" smtClean="0">
+                          <a:solidFill>
+                            <a:schemeClr val="dk1"/>
+                          </a:solidFill>
+                          <a:effectLst/>
+                          <a:latin typeface="+mn-lt"/>
+                          <a:ea typeface="+mn-ea"/>
+                          <a:cs typeface="+mn-cs"/>
+                        </a:rPr>
+                        <a:t>Sysinternals</a:t>
+                      </a:r>
+                      <a:r>
+                        <a:rPr lang="en-US" sz="1800" b="0" i="0" kern="1200" dirty="0" smtClean="0">
+                          <a:solidFill>
+                            <a:schemeClr val="dk1"/>
+                          </a:solidFill>
+                          <a:effectLst/>
+                          <a:latin typeface="+mn-lt"/>
+                          <a:ea typeface="+mn-ea"/>
+                          <a:cs typeface="+mn-cs"/>
+                        </a:rPr>
+                        <a:t>: This program intercepts calls made to </a:t>
+                      </a:r>
+                      <a:r>
+                        <a:rPr lang="en-US" sz="1800" b="0" i="0" kern="1200" dirty="0" err="1" smtClean="0">
+                          <a:solidFill>
+                            <a:schemeClr val="dk1"/>
+                          </a:solidFill>
+                          <a:effectLst/>
+                          <a:latin typeface="+mn-lt"/>
+                          <a:ea typeface="+mn-ea"/>
+                          <a:cs typeface="+mn-cs"/>
+                        </a:rPr>
+                        <a:t>DbgPrint</a:t>
+                      </a:r>
+                      <a:r>
+                        <a:rPr lang="en-US" sz="1800" b="0" i="0" kern="1200" dirty="0" smtClean="0">
+                          <a:solidFill>
+                            <a:schemeClr val="dk1"/>
+                          </a:solidFill>
+                          <a:effectLst/>
+                          <a:latin typeface="+mn-lt"/>
+                          <a:ea typeface="+mn-ea"/>
+                          <a:cs typeface="+mn-cs"/>
+                        </a:rPr>
+                        <a:t> by device drivers and </a:t>
+                      </a:r>
+                      <a:r>
+                        <a:rPr lang="en-US" sz="1800" b="0" i="0" kern="1200" dirty="0" err="1" smtClean="0">
+                          <a:solidFill>
+                            <a:schemeClr val="dk1"/>
+                          </a:solidFill>
+                          <a:effectLst/>
+                          <a:latin typeface="+mn-lt"/>
+                          <a:ea typeface="+mn-ea"/>
+                          <a:cs typeface="+mn-cs"/>
+                        </a:rPr>
+                        <a:t>OutputDebugString</a:t>
+                      </a:r>
+                      <a:r>
+                        <a:rPr lang="en-US" sz="1800" b="0" i="0" kern="1200" dirty="0" smtClean="0">
+                          <a:solidFill>
+                            <a:schemeClr val="dk1"/>
+                          </a:solidFill>
+                          <a:effectLst/>
+                          <a:latin typeface="+mn-lt"/>
+                          <a:ea typeface="+mn-ea"/>
+                          <a:cs typeface="+mn-cs"/>
+                        </a:rPr>
+                        <a:t> made by Win32 programs. It allows for viewing and recording of debug session output on your local machine or across the Internet without an active debugger.</a:t>
+                      </a:r>
+                      <a:endParaRPr lang="en-US" dirty="0"/>
+                    </a:p>
+                  </a:txBody>
+                  <a:tcPr/>
+                </a:tc>
+                <a:extLst>
+                  <a:ext uri="{0D108BD9-81ED-4DB2-BD59-A6C34878D82A}">
+                    <a16:rowId xmlns:a16="http://schemas.microsoft.com/office/drawing/2014/main" val="3229545896"/>
+                  </a:ext>
+                </a:extLst>
+              </a:tr>
+              <a:tr h="370840">
+                <a:tc>
+                  <a:txBody>
+                    <a:bodyPr/>
+                    <a:lstStyle/>
+                    <a:p>
+                      <a:r>
+                        <a:rPr lang="en-US" dirty="0" smtClean="0"/>
+                        <a:t>D</a:t>
+                      </a:r>
+                      <a:r>
+                        <a:rPr lang="en-US" sz="1800" b="0" i="0" kern="1200" dirty="0" smtClean="0">
+                          <a:solidFill>
+                            <a:schemeClr val="dk1"/>
+                          </a:solidFill>
+                          <a:effectLst/>
+                          <a:latin typeface="+mn-lt"/>
+                          <a:ea typeface="+mn-ea"/>
+                          <a:cs typeface="+mn-cs"/>
+                        </a:rPr>
+                        <a:t>esktops</a:t>
+                      </a:r>
+                      <a:endParaRPr lang="en-US" dirty="0"/>
+                    </a:p>
+                  </a:txBody>
+                  <a:tcPr/>
+                </a:tc>
+                <a:tc>
+                  <a:txBody>
+                    <a:bodyPr/>
+                    <a:lstStyle/>
+                    <a:p>
+                      <a:r>
+                        <a:rPr lang="en-US" sz="1800" b="0" i="0" kern="1200" dirty="0" smtClean="0">
+                          <a:solidFill>
+                            <a:schemeClr val="dk1"/>
+                          </a:solidFill>
+                          <a:effectLst/>
+                          <a:latin typeface="+mn-lt"/>
+                          <a:ea typeface="+mn-ea"/>
+                          <a:cs typeface="+mn-cs"/>
+                        </a:rPr>
+                        <a:t>This new utility enables you to create up to four virtual desktops and to use a tray interface or hotkeys to preview what’s on each desktop and easily switch between them.</a:t>
+                      </a:r>
+                      <a:endParaRPr lang="en-US" dirty="0"/>
+                    </a:p>
+                  </a:txBody>
+                  <a:tcPr/>
+                </a:tc>
+                <a:extLst>
+                  <a:ext uri="{0D108BD9-81ED-4DB2-BD59-A6C34878D82A}">
+                    <a16:rowId xmlns:a16="http://schemas.microsoft.com/office/drawing/2014/main" val="2630496795"/>
+                  </a:ext>
+                </a:extLst>
+              </a:tr>
+              <a:tr h="370840">
+                <a:tc>
+                  <a:txBody>
+                    <a:bodyPr/>
+                    <a:lstStyle/>
+                    <a:p>
+                      <a:r>
+                        <a:rPr lang="en-US" dirty="0" smtClean="0"/>
+                        <a:t>Disk2vhd</a:t>
+                      </a:r>
+                      <a:endParaRPr lang="en-US" dirty="0"/>
+                    </a:p>
+                  </a:txBody>
+                  <a:tcPr/>
+                </a:tc>
+                <a:tc>
+                  <a:txBody>
+                    <a:bodyPr/>
+                    <a:lstStyle/>
+                    <a:p>
+                      <a:r>
+                        <a:rPr lang="en-US" sz="1800" b="0" i="0" kern="1200" dirty="0" smtClean="0">
+                          <a:solidFill>
+                            <a:schemeClr val="dk1"/>
+                          </a:solidFill>
+                          <a:effectLst/>
+                          <a:latin typeface="+mn-lt"/>
+                          <a:ea typeface="+mn-ea"/>
+                          <a:cs typeface="+mn-cs"/>
+                        </a:rPr>
+                        <a:t>Disk2vhd simplifies the migration of physical systems into virtual machines (p2v)</a:t>
+                      </a:r>
+                      <a:endParaRPr lang="en-US" dirty="0"/>
+                    </a:p>
+                  </a:txBody>
+                  <a:tcPr/>
+                </a:tc>
+                <a:extLst>
+                  <a:ext uri="{0D108BD9-81ED-4DB2-BD59-A6C34878D82A}">
+                    <a16:rowId xmlns:a16="http://schemas.microsoft.com/office/drawing/2014/main" val="763283893"/>
+                  </a:ext>
+                </a:extLst>
+              </a:tr>
+              <a:tr h="370840">
+                <a:tc>
+                  <a:txBody>
+                    <a:bodyPr/>
+                    <a:lstStyle/>
+                    <a:p>
+                      <a:r>
+                        <a:rPr lang="en-US" dirty="0" err="1" smtClean="0"/>
+                        <a:t>DiskExt</a:t>
+                      </a:r>
+                      <a:endParaRPr lang="en-US" dirty="0"/>
+                    </a:p>
+                  </a:txBody>
+                  <a:tcPr/>
+                </a:tc>
+                <a:tc>
+                  <a:txBody>
+                    <a:bodyPr/>
+                    <a:lstStyle/>
+                    <a:p>
+                      <a:r>
+                        <a:rPr lang="en-US" sz="1800" b="0" i="0" kern="1200" dirty="0" smtClean="0">
+                          <a:solidFill>
+                            <a:schemeClr val="dk1"/>
+                          </a:solidFill>
+                          <a:effectLst/>
+                          <a:latin typeface="+mn-lt"/>
+                          <a:ea typeface="+mn-ea"/>
+                          <a:cs typeface="+mn-cs"/>
+                        </a:rPr>
+                        <a:t>Display volume disk-mappings.</a:t>
+                      </a:r>
+                      <a:endParaRPr lang="en-US" dirty="0"/>
+                    </a:p>
+                  </a:txBody>
+                  <a:tcPr/>
+                </a:tc>
+                <a:extLst>
+                  <a:ext uri="{0D108BD9-81ED-4DB2-BD59-A6C34878D82A}">
+                    <a16:rowId xmlns:a16="http://schemas.microsoft.com/office/drawing/2014/main" val="1965357956"/>
+                  </a:ext>
+                </a:extLst>
+              </a:tr>
+              <a:tr h="370840">
+                <a:tc>
+                  <a:txBody>
+                    <a:bodyPr/>
+                    <a:lstStyle/>
+                    <a:p>
+                      <a:r>
+                        <a:rPr lang="en-US" dirty="0" err="1" smtClean="0"/>
+                        <a:t>Diskmon</a:t>
+                      </a:r>
+                      <a:endParaRPr lang="en-US" dirty="0"/>
+                    </a:p>
+                  </a:txBody>
+                  <a:tcPr/>
+                </a:tc>
+                <a:tc>
+                  <a:txBody>
+                    <a:bodyPr/>
+                    <a:lstStyle/>
+                    <a:p>
+                      <a:r>
+                        <a:rPr lang="en-US" sz="1800" b="0" i="0" kern="1200" dirty="0" smtClean="0">
+                          <a:solidFill>
+                            <a:schemeClr val="dk1"/>
+                          </a:solidFill>
+                          <a:effectLst/>
+                          <a:latin typeface="+mn-lt"/>
+                          <a:ea typeface="+mn-ea"/>
+                          <a:cs typeface="+mn-cs"/>
+                        </a:rPr>
+                        <a:t>This utility captures all hard disk activity or acts like a software disk activity light in your system tray.</a:t>
+                      </a:r>
+                      <a:endParaRPr lang="en-US" dirty="0"/>
+                    </a:p>
+                  </a:txBody>
+                  <a:tcPr/>
+                </a:tc>
+                <a:extLst>
+                  <a:ext uri="{0D108BD9-81ED-4DB2-BD59-A6C34878D82A}">
+                    <a16:rowId xmlns:a16="http://schemas.microsoft.com/office/drawing/2014/main" val="3016459118"/>
+                  </a:ext>
+                </a:extLst>
+              </a:tr>
+              <a:tr h="370840">
+                <a:tc>
+                  <a:txBody>
+                    <a:bodyPr/>
+                    <a:lstStyle/>
+                    <a:p>
+                      <a:r>
+                        <a:rPr lang="en-US" dirty="0" err="1" smtClean="0"/>
+                        <a:t>DiskView</a:t>
+                      </a:r>
+                      <a:endParaRPr lang="en-US" dirty="0"/>
+                    </a:p>
+                  </a:txBody>
+                  <a:tcPr/>
+                </a:tc>
+                <a:tc>
+                  <a:txBody>
+                    <a:bodyPr/>
+                    <a:lstStyle/>
+                    <a:p>
+                      <a:r>
+                        <a:rPr lang="en-US" sz="1800" b="0" i="0" kern="1200" dirty="0" smtClean="0">
+                          <a:solidFill>
+                            <a:schemeClr val="dk1"/>
+                          </a:solidFill>
+                          <a:effectLst/>
+                          <a:latin typeface="+mn-lt"/>
+                          <a:ea typeface="+mn-ea"/>
+                          <a:cs typeface="+mn-cs"/>
+                        </a:rPr>
+                        <a:t>Graphical disk sector utility.</a:t>
+                      </a:r>
+                      <a:endParaRPr lang="en-US" dirty="0"/>
+                    </a:p>
+                  </a:txBody>
+                  <a:tcPr/>
+                </a:tc>
+                <a:extLst>
+                  <a:ext uri="{0D108BD9-81ED-4DB2-BD59-A6C34878D82A}">
+                    <a16:rowId xmlns:a16="http://schemas.microsoft.com/office/drawing/2014/main" val="2856086234"/>
+                  </a:ext>
+                </a:extLst>
+              </a:tr>
+              <a:tr h="370840">
+                <a:tc>
+                  <a:txBody>
+                    <a:bodyPr/>
+                    <a:lstStyle/>
+                    <a:p>
+                      <a:r>
+                        <a:rPr lang="en-US" dirty="0" err="1" smtClean="0"/>
+                        <a:t>DiskUsage</a:t>
+                      </a:r>
+                      <a:r>
+                        <a:rPr lang="en-US" dirty="0" smtClean="0"/>
+                        <a:t> (DU)</a:t>
+                      </a:r>
+                      <a:endParaRPr lang="en-US" dirty="0"/>
+                    </a:p>
+                  </a:txBody>
+                  <a:tcPr/>
+                </a:tc>
+                <a:tc>
+                  <a:txBody>
+                    <a:bodyPr/>
+                    <a:lstStyle/>
+                    <a:p>
+                      <a:r>
+                        <a:rPr lang="en-US" sz="1800" b="0" i="0" kern="1200" dirty="0" smtClean="0">
+                          <a:solidFill>
+                            <a:schemeClr val="dk1"/>
+                          </a:solidFill>
+                          <a:effectLst/>
+                          <a:latin typeface="+mn-lt"/>
+                          <a:ea typeface="+mn-ea"/>
+                          <a:cs typeface="+mn-cs"/>
+                        </a:rPr>
+                        <a:t>View disk usage by directory.</a:t>
+                      </a:r>
+                      <a:endParaRPr lang="en-US" dirty="0"/>
+                    </a:p>
+                  </a:txBody>
+                  <a:tcPr/>
+                </a:tc>
+                <a:extLst>
+                  <a:ext uri="{0D108BD9-81ED-4DB2-BD59-A6C34878D82A}">
+                    <a16:rowId xmlns:a16="http://schemas.microsoft.com/office/drawing/2014/main" val="3376284509"/>
+                  </a:ext>
+                </a:extLst>
+              </a:tr>
+              <a:tr h="370840">
+                <a:tc>
+                  <a:txBody>
+                    <a:bodyPr/>
+                    <a:lstStyle/>
+                    <a:p>
+                      <a:r>
+                        <a:rPr lang="en-US" dirty="0" err="1" smtClean="0"/>
+                        <a:t>EFSDump</a:t>
+                      </a:r>
+                      <a:endParaRPr lang="en-US" dirty="0"/>
+                    </a:p>
+                  </a:txBody>
+                  <a:tcPr/>
+                </a:tc>
+                <a:tc>
+                  <a:txBody>
+                    <a:bodyPr/>
+                    <a:lstStyle/>
+                    <a:p>
+                      <a:r>
+                        <a:rPr lang="en-US" sz="1800" b="0" i="0" kern="1200" dirty="0" smtClean="0">
+                          <a:solidFill>
+                            <a:schemeClr val="dk1"/>
+                          </a:solidFill>
+                          <a:effectLst/>
+                          <a:latin typeface="+mn-lt"/>
+                          <a:ea typeface="+mn-ea"/>
+                          <a:cs typeface="+mn-cs"/>
+                        </a:rPr>
+                        <a:t>View information for encrypted files.</a:t>
+                      </a:r>
+                      <a:endParaRPr lang="en-US" dirty="0"/>
+                    </a:p>
+                  </a:txBody>
+                  <a:tcPr/>
+                </a:tc>
+                <a:extLst>
+                  <a:ext uri="{0D108BD9-81ED-4DB2-BD59-A6C34878D82A}">
+                    <a16:rowId xmlns:a16="http://schemas.microsoft.com/office/drawing/2014/main" val="2701760360"/>
+                  </a:ext>
+                </a:extLst>
+              </a:tr>
+            </a:tbl>
+          </a:graphicData>
+        </a:graphic>
+      </p:graphicFrame>
     </p:spTree>
     <p:extLst>
       <p:ext uri="{BB962C8B-B14F-4D97-AF65-F5344CB8AC3E}">
-        <p14:creationId xmlns:p14="http://schemas.microsoft.com/office/powerpoint/2010/main" val="612111567"/>
+        <p14:creationId xmlns:p14="http://schemas.microsoft.com/office/powerpoint/2010/main" val="3393764146"/>
       </p:ext>
     </p:extLst>
   </p:cSld>
@@ -30914,6 +31907,3690 @@
             <a:pPr algn="ctr"/>
             <a:r>
               <a:rPr lang="en-US" dirty="0" smtClean="0"/>
+              <a:t>SysInternals Suite</a:t>
+            </a:r>
+            <a:endParaRPr lang="en-US" dirty="0"/>
+          </a:p>
+        </p:txBody>
+      </p:sp>
+      <p:graphicFrame>
+        <p:nvGraphicFramePr>
+          <p:cNvPr id="7" name="Table 6"/>
+          <p:cNvGraphicFramePr>
+            <a:graphicFrameLocks noGrp="1"/>
+          </p:cNvGraphicFramePr>
+          <p:nvPr>
+            <p:extLst>
+              <p:ext uri="{D42A27DB-BD31-4B8C-83A1-F6EECF244321}">
+                <p14:modId xmlns:p14="http://schemas.microsoft.com/office/powerpoint/2010/main" val="4261612424"/>
+              </p:ext>
+            </p:extLst>
+          </p:nvPr>
+        </p:nvGraphicFramePr>
+        <p:xfrm>
+          <a:off x="614463" y="952500"/>
+          <a:ext cx="10963073" cy="5059680"/>
+        </p:xfrm>
+        <a:graphic>
+          <a:graphicData uri="http://schemas.openxmlformats.org/drawingml/2006/table">
+            <a:tbl>
+              <a:tblPr firstRow="1" bandRow="1">
+                <a:tableStyleId>{5C22544A-7EE6-4342-B048-85BDC9FD1C3A}</a:tableStyleId>
+              </a:tblPr>
+              <a:tblGrid>
+                <a:gridCol w="1772753">
+                  <a:extLst>
+                    <a:ext uri="{9D8B030D-6E8A-4147-A177-3AD203B41FA5}">
+                      <a16:colId xmlns:a16="http://schemas.microsoft.com/office/drawing/2014/main" val="256644654"/>
+                    </a:ext>
+                  </a:extLst>
+                </a:gridCol>
+                <a:gridCol w="9190320">
+                  <a:extLst>
+                    <a:ext uri="{9D8B030D-6E8A-4147-A177-3AD203B41FA5}">
+                      <a16:colId xmlns:a16="http://schemas.microsoft.com/office/drawing/2014/main" val="2184237819"/>
+                    </a:ext>
+                  </a:extLst>
+                </a:gridCol>
+              </a:tblGrid>
+              <a:tr h="370840">
+                <a:tc>
+                  <a:txBody>
+                    <a:bodyPr/>
+                    <a:lstStyle/>
+                    <a:p>
+                      <a:r>
+                        <a:rPr lang="en-US" dirty="0" smtClean="0"/>
+                        <a:t>Name</a:t>
+                      </a:r>
+                      <a:endParaRPr lang="en-US" dirty="0"/>
+                    </a:p>
+                  </a:txBody>
+                  <a:tcPr/>
+                </a:tc>
+                <a:tc>
+                  <a:txBody>
+                    <a:bodyPr/>
+                    <a:lstStyle/>
+                    <a:p>
+                      <a:r>
+                        <a:rPr lang="en-US" dirty="0" smtClean="0"/>
+                        <a:t>Description</a:t>
+                      </a:r>
+                      <a:endParaRPr lang="en-US" dirty="0"/>
+                    </a:p>
+                  </a:txBody>
+                  <a:tcPr/>
+                </a:tc>
+                <a:extLst>
+                  <a:ext uri="{0D108BD9-81ED-4DB2-BD59-A6C34878D82A}">
+                    <a16:rowId xmlns:a16="http://schemas.microsoft.com/office/drawing/2014/main" val="1746292031"/>
+                  </a:ext>
+                </a:extLst>
+              </a:tr>
+              <a:tr h="370840">
+                <a:tc>
+                  <a:txBody>
+                    <a:bodyPr/>
+                    <a:lstStyle/>
+                    <a:p>
+                      <a:r>
+                        <a:rPr lang="en-US" dirty="0" err="1" smtClean="0"/>
+                        <a:t>FindLinks</a:t>
+                      </a:r>
+                      <a:endParaRPr lang="en-US" dirty="0"/>
+                    </a:p>
+                  </a:txBody>
+                  <a:tcPr/>
+                </a:tc>
+                <a:tc>
+                  <a:txBody>
+                    <a:bodyPr/>
+                    <a:lstStyle/>
+                    <a:p>
+                      <a:r>
+                        <a:rPr lang="en-US" sz="1800" b="0" i="0" kern="1200" dirty="0" err="1" smtClean="0">
+                          <a:solidFill>
+                            <a:schemeClr val="dk1"/>
+                          </a:solidFill>
+                          <a:effectLst/>
+                          <a:latin typeface="+mn-lt"/>
+                          <a:ea typeface="+mn-ea"/>
+                          <a:cs typeface="+mn-cs"/>
+                        </a:rPr>
+                        <a:t>FindLinks</a:t>
+                      </a:r>
+                      <a:r>
+                        <a:rPr lang="en-US" sz="1800" b="0" i="0" kern="1200" dirty="0" smtClean="0">
+                          <a:solidFill>
+                            <a:schemeClr val="dk1"/>
+                          </a:solidFill>
+                          <a:effectLst/>
+                          <a:latin typeface="+mn-lt"/>
+                          <a:ea typeface="+mn-ea"/>
+                          <a:cs typeface="+mn-cs"/>
+                        </a:rPr>
+                        <a:t> reports the file index and any hard links (alternate file paths on the same volume) that exist for the specified file.  A file's data remains allocated so long as at it has at least one file name referencing it.</a:t>
+                      </a:r>
+                      <a:endParaRPr lang="en-US" dirty="0"/>
+                    </a:p>
+                  </a:txBody>
+                  <a:tcPr/>
+                </a:tc>
+                <a:extLst>
+                  <a:ext uri="{0D108BD9-81ED-4DB2-BD59-A6C34878D82A}">
+                    <a16:rowId xmlns:a16="http://schemas.microsoft.com/office/drawing/2014/main" val="3229545896"/>
+                  </a:ext>
+                </a:extLst>
+              </a:tr>
+              <a:tr h="370840">
+                <a:tc>
+                  <a:txBody>
+                    <a:bodyPr/>
+                    <a:lstStyle/>
+                    <a:p>
+                      <a:r>
+                        <a:rPr lang="en-US" dirty="0" smtClean="0"/>
+                        <a:t>Handle</a:t>
+                      </a:r>
+                      <a:endParaRPr lang="en-US" dirty="0"/>
+                    </a:p>
+                  </a:txBody>
+                  <a:tcPr/>
+                </a:tc>
+                <a:tc>
+                  <a:txBody>
+                    <a:bodyPr/>
+                    <a:lstStyle/>
+                    <a:p>
+                      <a:r>
+                        <a:rPr lang="en-US" sz="1800" b="0" i="0" kern="1200" dirty="0" smtClean="0">
+                          <a:solidFill>
+                            <a:schemeClr val="dk1"/>
+                          </a:solidFill>
+                          <a:effectLst/>
+                          <a:latin typeface="+mn-lt"/>
+                          <a:ea typeface="+mn-ea"/>
+                          <a:cs typeface="+mn-cs"/>
+                        </a:rPr>
+                        <a:t>This handy command-line utility will show you what files are open by which processes, and much more.</a:t>
+                      </a:r>
+                      <a:endParaRPr lang="en-US" dirty="0"/>
+                    </a:p>
+                  </a:txBody>
+                  <a:tcPr/>
+                </a:tc>
+                <a:extLst>
+                  <a:ext uri="{0D108BD9-81ED-4DB2-BD59-A6C34878D82A}">
+                    <a16:rowId xmlns:a16="http://schemas.microsoft.com/office/drawing/2014/main" val="2630496795"/>
+                  </a:ext>
+                </a:extLst>
+              </a:tr>
+              <a:tr h="370840">
+                <a:tc>
+                  <a:txBody>
+                    <a:bodyPr/>
+                    <a:lstStyle/>
+                    <a:p>
+                      <a:r>
+                        <a:rPr lang="en-US" dirty="0" smtClean="0"/>
+                        <a:t>Hex2dec</a:t>
+                      </a:r>
+                      <a:endParaRPr lang="en-US" dirty="0"/>
+                    </a:p>
+                  </a:txBody>
+                  <a:tcPr/>
+                </a:tc>
+                <a:tc>
+                  <a:txBody>
+                    <a:bodyPr/>
+                    <a:lstStyle/>
+                    <a:p>
+                      <a:r>
+                        <a:rPr lang="en-US" sz="1800" b="0" i="0" kern="1200" dirty="0" smtClean="0">
+                          <a:solidFill>
+                            <a:schemeClr val="dk1"/>
+                          </a:solidFill>
+                          <a:effectLst/>
+                          <a:latin typeface="+mn-lt"/>
+                          <a:ea typeface="+mn-ea"/>
+                          <a:cs typeface="+mn-cs"/>
+                        </a:rPr>
+                        <a:t>Convert hex numbers to decimal and vice versa.</a:t>
+                      </a:r>
+                      <a:endParaRPr lang="en-US" dirty="0"/>
+                    </a:p>
+                  </a:txBody>
+                  <a:tcPr/>
+                </a:tc>
+                <a:extLst>
+                  <a:ext uri="{0D108BD9-81ED-4DB2-BD59-A6C34878D82A}">
+                    <a16:rowId xmlns:a16="http://schemas.microsoft.com/office/drawing/2014/main" val="763283893"/>
+                  </a:ext>
+                </a:extLst>
+              </a:tr>
+              <a:tr h="370840">
+                <a:tc>
+                  <a:txBody>
+                    <a:bodyPr/>
+                    <a:lstStyle/>
+                    <a:p>
+                      <a:r>
+                        <a:rPr lang="en-US" dirty="0" smtClean="0"/>
+                        <a:t>Junction</a:t>
+                      </a:r>
+                      <a:endParaRPr lang="en-US" dirty="0"/>
+                    </a:p>
+                  </a:txBody>
+                  <a:tcPr/>
+                </a:tc>
+                <a:tc>
+                  <a:txBody>
+                    <a:bodyPr/>
+                    <a:lstStyle/>
+                    <a:p>
+                      <a:r>
+                        <a:rPr lang="en-US" sz="1800" b="0" i="0" kern="1200" dirty="0" smtClean="0">
+                          <a:solidFill>
+                            <a:schemeClr val="dk1"/>
+                          </a:solidFill>
+                          <a:effectLst/>
+                          <a:latin typeface="+mn-lt"/>
+                          <a:ea typeface="+mn-ea"/>
+                          <a:cs typeface="+mn-cs"/>
+                        </a:rPr>
+                        <a:t>Create Win2K NTFS symbolic links.</a:t>
+                      </a:r>
+                      <a:endParaRPr lang="en-US" dirty="0"/>
+                    </a:p>
+                  </a:txBody>
+                  <a:tcPr/>
+                </a:tc>
+                <a:extLst>
+                  <a:ext uri="{0D108BD9-81ED-4DB2-BD59-A6C34878D82A}">
+                    <a16:rowId xmlns:a16="http://schemas.microsoft.com/office/drawing/2014/main" val="1965357956"/>
+                  </a:ext>
+                </a:extLst>
+              </a:tr>
+              <a:tr h="370840">
+                <a:tc>
+                  <a:txBody>
+                    <a:bodyPr/>
+                    <a:lstStyle/>
+                    <a:p>
+                      <a:r>
+                        <a:rPr lang="en-US" dirty="0" err="1" smtClean="0"/>
+                        <a:t>LDMDump</a:t>
+                      </a:r>
+                      <a:endParaRPr lang="en-US" dirty="0"/>
+                    </a:p>
+                  </a:txBody>
+                  <a:tcPr/>
+                </a:tc>
+                <a:tc>
+                  <a:txBody>
+                    <a:bodyPr/>
+                    <a:lstStyle/>
+                    <a:p>
+                      <a:r>
+                        <a:rPr lang="en-US" sz="1800" b="0" i="0" kern="1200" dirty="0" smtClean="0">
+                          <a:solidFill>
+                            <a:schemeClr val="dk1"/>
+                          </a:solidFill>
+                          <a:effectLst/>
+                          <a:latin typeface="+mn-lt"/>
+                          <a:ea typeface="+mn-ea"/>
+                          <a:cs typeface="+mn-cs"/>
+                        </a:rPr>
+                        <a:t>Dump the contents of the Logical Disk Manager's on-disk database, which describes the partitioning of Windows 2000 Dynamic disks.</a:t>
+                      </a:r>
+                      <a:endParaRPr lang="en-US" dirty="0"/>
+                    </a:p>
+                  </a:txBody>
+                  <a:tcPr/>
+                </a:tc>
+                <a:extLst>
+                  <a:ext uri="{0D108BD9-81ED-4DB2-BD59-A6C34878D82A}">
+                    <a16:rowId xmlns:a16="http://schemas.microsoft.com/office/drawing/2014/main" val="3016459118"/>
+                  </a:ext>
+                </a:extLst>
+              </a:tr>
+              <a:tr h="370840">
+                <a:tc>
+                  <a:txBody>
+                    <a:bodyPr/>
+                    <a:lstStyle/>
+                    <a:p>
+                      <a:r>
+                        <a:rPr lang="en-US" dirty="0" err="1" smtClean="0"/>
+                        <a:t>ListDLLs</a:t>
+                      </a:r>
+                      <a:endParaRPr lang="en-US" dirty="0"/>
+                    </a:p>
+                  </a:txBody>
+                  <a:tcPr/>
+                </a:tc>
+                <a:tc>
+                  <a:txBody>
+                    <a:bodyPr/>
+                    <a:lstStyle/>
+                    <a:p>
+                      <a:r>
+                        <a:rPr lang="en-US" sz="1800" b="0" i="0" kern="1200" dirty="0" smtClean="0">
+                          <a:solidFill>
+                            <a:schemeClr val="dk1"/>
+                          </a:solidFill>
+                          <a:effectLst/>
+                          <a:latin typeface="+mn-lt"/>
+                          <a:ea typeface="+mn-ea"/>
+                          <a:cs typeface="+mn-cs"/>
+                        </a:rPr>
+                        <a:t>List all the DLLs that are currently loaded, including where they are loaded and their version numbers.</a:t>
+                      </a:r>
+                      <a:endParaRPr lang="en-US" dirty="0"/>
+                    </a:p>
+                  </a:txBody>
+                  <a:tcPr/>
+                </a:tc>
+                <a:extLst>
+                  <a:ext uri="{0D108BD9-81ED-4DB2-BD59-A6C34878D82A}">
+                    <a16:rowId xmlns:a16="http://schemas.microsoft.com/office/drawing/2014/main" val="2856086234"/>
+                  </a:ext>
+                </a:extLst>
+              </a:tr>
+              <a:tr h="370840">
+                <a:tc>
+                  <a:txBody>
+                    <a:bodyPr/>
+                    <a:lstStyle/>
+                    <a:p>
+                      <a:r>
+                        <a:rPr lang="en-US" dirty="0" err="1" smtClean="0"/>
+                        <a:t>LiveKd</a:t>
+                      </a:r>
+                      <a:endParaRPr lang="en-US" dirty="0"/>
+                    </a:p>
+                  </a:txBody>
+                  <a:tcPr/>
+                </a:tc>
+                <a:tc>
+                  <a:txBody>
+                    <a:bodyPr/>
+                    <a:lstStyle/>
+                    <a:p>
+                      <a:r>
+                        <a:rPr lang="en-US" sz="1800" b="0" i="0" kern="1200" dirty="0" smtClean="0">
+                          <a:solidFill>
+                            <a:schemeClr val="dk1"/>
+                          </a:solidFill>
+                          <a:effectLst/>
+                          <a:latin typeface="+mn-lt"/>
+                          <a:ea typeface="+mn-ea"/>
+                          <a:cs typeface="+mn-cs"/>
+                        </a:rPr>
+                        <a:t>Use Microsoft kernel debuggers to examine a live system.</a:t>
+                      </a:r>
+                      <a:endParaRPr lang="en-US" dirty="0"/>
+                    </a:p>
+                  </a:txBody>
+                  <a:tcPr/>
+                </a:tc>
+                <a:extLst>
+                  <a:ext uri="{0D108BD9-81ED-4DB2-BD59-A6C34878D82A}">
+                    <a16:rowId xmlns:a16="http://schemas.microsoft.com/office/drawing/2014/main" val="3376284509"/>
+                  </a:ext>
+                </a:extLst>
+              </a:tr>
+              <a:tr h="370840">
+                <a:tc>
+                  <a:txBody>
+                    <a:bodyPr/>
+                    <a:lstStyle/>
+                    <a:p>
+                      <a:r>
+                        <a:rPr lang="en-US" dirty="0" err="1" smtClean="0"/>
+                        <a:t>LoadOrder</a:t>
+                      </a:r>
+                      <a:endParaRPr lang="en-US" dirty="0"/>
+                    </a:p>
+                  </a:txBody>
+                  <a:tcPr/>
+                </a:tc>
+                <a:tc>
+                  <a:txBody>
+                    <a:bodyPr/>
+                    <a:lstStyle/>
+                    <a:p>
+                      <a:r>
+                        <a:rPr lang="en-US" sz="1800" b="0" i="0" kern="1200" dirty="0" smtClean="0">
+                          <a:solidFill>
+                            <a:schemeClr val="dk1"/>
+                          </a:solidFill>
+                          <a:effectLst/>
+                          <a:latin typeface="+mn-lt"/>
+                          <a:ea typeface="+mn-ea"/>
+                          <a:cs typeface="+mn-cs"/>
+                        </a:rPr>
+                        <a:t>See the order in which devices are loaded on your WinNT/2K system.</a:t>
+                      </a:r>
+                      <a:endParaRPr lang="en-US" dirty="0"/>
+                    </a:p>
+                  </a:txBody>
+                  <a:tcPr/>
+                </a:tc>
+                <a:extLst>
+                  <a:ext uri="{0D108BD9-81ED-4DB2-BD59-A6C34878D82A}">
+                    <a16:rowId xmlns:a16="http://schemas.microsoft.com/office/drawing/2014/main" val="2701760360"/>
+                  </a:ext>
+                </a:extLst>
+              </a:tr>
+              <a:tr h="370840">
+                <a:tc>
+                  <a:txBody>
+                    <a:bodyPr/>
+                    <a:lstStyle/>
+                    <a:p>
+                      <a:r>
+                        <a:rPr lang="en-US" dirty="0" err="1" smtClean="0"/>
+                        <a:t>LogonSessions</a:t>
+                      </a:r>
+                      <a:endParaRPr lang="en-US" dirty="0"/>
+                    </a:p>
+                  </a:txBody>
+                  <a:tcPr/>
+                </a:tc>
+                <a:tc>
+                  <a:txBody>
+                    <a:bodyPr/>
+                    <a:lstStyle/>
+                    <a:p>
+                      <a:r>
+                        <a:rPr lang="en-US" sz="1800" b="0" i="0" kern="1200" dirty="0" smtClean="0">
+                          <a:solidFill>
+                            <a:schemeClr val="dk1"/>
+                          </a:solidFill>
+                          <a:effectLst/>
+                          <a:latin typeface="+mn-lt"/>
+                          <a:ea typeface="+mn-ea"/>
+                          <a:cs typeface="+mn-cs"/>
+                        </a:rPr>
+                        <a:t>List the active logon sessions on a system.</a:t>
+                      </a:r>
+                      <a:endParaRPr lang="en-US" dirty="0"/>
+                    </a:p>
+                  </a:txBody>
+                  <a:tcPr/>
+                </a:tc>
+                <a:extLst>
+                  <a:ext uri="{0D108BD9-81ED-4DB2-BD59-A6C34878D82A}">
+                    <a16:rowId xmlns:a16="http://schemas.microsoft.com/office/drawing/2014/main" val="778433244"/>
+                  </a:ext>
+                </a:extLst>
+              </a:tr>
+            </a:tbl>
+          </a:graphicData>
+        </a:graphic>
+      </p:graphicFrame>
+    </p:spTree>
+    <p:extLst>
+      <p:ext uri="{BB962C8B-B14F-4D97-AF65-F5344CB8AC3E}">
+        <p14:creationId xmlns:p14="http://schemas.microsoft.com/office/powerpoint/2010/main" val="589932124"/>
+      </p:ext>
+    </p:extLst>
+  </p:cSld>
+  <p:clrMapOvr>
+    <a:masterClrMapping/>
+  </p:clrMapOvr>
+  <mc:AlternateContent xmlns:mc="http://schemas.openxmlformats.org/markup-compatibility/2006" xmlns:p14="http://schemas.microsoft.com/office/powerpoint/2010/main">
+    <mc:Choice Requires="p14">
+      <p:transition spd="slow" p14:dur="1500" advClick="0">
+        <p:split orient="vert"/>
+      </p:transition>
+    </mc:Choice>
+    <mc:Fallback xmlns="">
+      <p:transition spd="slow" advClick="0">
+        <p:split orient="vert"/>
+      </p:transition>
+    </mc:Fallback>
+  </mc:AlternateContent>
+  <p:timing>
+    <p:tnLst>
+      <p:par>
+        <p:cTn id="1" dur="indefinite" restart="never" nodeType="tmRoot"/>
+      </p:par>
+    </p:tnLst>
+  </p:timing>
+</p:sld>
+</file>
+
+<file path=ppt/slides/slide61.xml><?xml version="1.0" encoding="utf-8"?>
+<p:sld xmlns:a="http://schemas.openxmlformats.org/drawingml/2006/main" xmlns:r="http://schemas.openxmlformats.org/officeDocument/2006/relationships" xmlns:p="http://schemas.openxmlformats.org/presentationml/2006/main" show="0">
+  <p:cSld>
+    <p:spTree>
+      <p:nvGrpSpPr>
+        <p:cNvPr id="1" name=""/>
+        <p:cNvGrpSpPr/>
+        <p:nvPr/>
+      </p:nvGrpSpPr>
+      <p:grpSpPr>
+        <a:xfrm>
+          <a:off x="0" y="0"/>
+          <a:ext cx="0" cy="0"/>
+          <a:chOff x="0" y="0"/>
+          <a:chExt cx="0" cy="0"/>
+        </a:xfrm>
+      </p:grpSpPr>
+      <p:sp>
+        <p:nvSpPr>
+          <p:cNvPr id="2" name="TextBox 1"/>
+          <p:cNvSpPr txBox="1"/>
+          <p:nvPr/>
+        </p:nvSpPr>
+        <p:spPr>
+          <a:xfrm>
+            <a:off x="5822957" y="6184900"/>
+            <a:ext cx="622286" cy="369332"/>
+          </a:xfrm>
+          <a:prstGeom prst="rect">
+            <a:avLst/>
+          </a:prstGeom>
+          <a:noFill/>
+        </p:spPr>
+        <p:txBody>
+          <a:bodyPr wrap="none" rtlCol="0">
+            <a:spAutoFit/>
+          </a:bodyPr>
+          <a:lstStyle/>
+          <a:p>
+            <a:r>
+              <a:rPr lang="en-US" dirty="0" smtClean="0">
+                <a:hlinkClick r:id="rId2" action="ppaction://hlinksldjump"/>
+              </a:rPr>
+              <a:t>Back</a:t>
+            </a:r>
+            <a:endParaRPr lang="en-US" dirty="0"/>
+          </a:p>
+        </p:txBody>
+      </p:sp>
+      <p:sp>
+        <p:nvSpPr>
+          <p:cNvPr id="4" name="Title 1"/>
+          <p:cNvSpPr>
+            <a:spLocks noGrp="1"/>
+          </p:cNvSpPr>
+          <p:nvPr>
+            <p:ph type="title"/>
+          </p:nvPr>
+        </p:nvSpPr>
+        <p:spPr>
+          <a:xfrm>
+            <a:off x="838200" y="365125"/>
+            <a:ext cx="10515600" cy="574675"/>
+          </a:xfrm>
+        </p:spPr>
+        <p:txBody>
+          <a:bodyPr>
+            <a:normAutofit fontScale="90000"/>
+          </a:bodyPr>
+          <a:lstStyle/>
+          <a:p>
+            <a:pPr algn="ctr"/>
+            <a:r>
+              <a:rPr lang="en-US" dirty="0" smtClean="0"/>
+              <a:t>SysInternals Suite</a:t>
+            </a:r>
+            <a:endParaRPr lang="en-US" dirty="0"/>
+          </a:p>
+        </p:txBody>
+      </p:sp>
+      <p:graphicFrame>
+        <p:nvGraphicFramePr>
+          <p:cNvPr id="7" name="Table 6"/>
+          <p:cNvGraphicFramePr>
+            <a:graphicFrameLocks noGrp="1"/>
+          </p:cNvGraphicFramePr>
+          <p:nvPr>
+            <p:extLst>
+              <p:ext uri="{D42A27DB-BD31-4B8C-83A1-F6EECF244321}">
+                <p14:modId xmlns:p14="http://schemas.microsoft.com/office/powerpoint/2010/main" val="3842341211"/>
+              </p:ext>
+            </p:extLst>
+          </p:nvPr>
+        </p:nvGraphicFramePr>
+        <p:xfrm>
+          <a:off x="614463" y="952500"/>
+          <a:ext cx="10963073" cy="5135880"/>
+        </p:xfrm>
+        <a:graphic>
+          <a:graphicData uri="http://schemas.openxmlformats.org/drawingml/2006/table">
+            <a:tbl>
+              <a:tblPr firstRow="1" bandRow="1">
+                <a:tableStyleId>{5C22544A-7EE6-4342-B048-85BDC9FD1C3A}</a:tableStyleId>
+              </a:tblPr>
+              <a:tblGrid>
+                <a:gridCol w="1772753">
+                  <a:extLst>
+                    <a:ext uri="{9D8B030D-6E8A-4147-A177-3AD203B41FA5}">
+                      <a16:colId xmlns:a16="http://schemas.microsoft.com/office/drawing/2014/main" val="256644654"/>
+                    </a:ext>
+                  </a:extLst>
+                </a:gridCol>
+                <a:gridCol w="9190320">
+                  <a:extLst>
+                    <a:ext uri="{9D8B030D-6E8A-4147-A177-3AD203B41FA5}">
+                      <a16:colId xmlns:a16="http://schemas.microsoft.com/office/drawing/2014/main" val="2184237819"/>
+                    </a:ext>
+                  </a:extLst>
+                </a:gridCol>
+              </a:tblGrid>
+              <a:tr h="370840">
+                <a:tc>
+                  <a:txBody>
+                    <a:bodyPr/>
+                    <a:lstStyle/>
+                    <a:p>
+                      <a:r>
+                        <a:rPr lang="en-US" dirty="0" smtClean="0"/>
+                        <a:t>Name</a:t>
+                      </a:r>
+                      <a:endParaRPr lang="en-US" dirty="0"/>
+                    </a:p>
+                  </a:txBody>
+                  <a:tcPr/>
+                </a:tc>
+                <a:tc>
+                  <a:txBody>
+                    <a:bodyPr/>
+                    <a:lstStyle/>
+                    <a:p>
+                      <a:r>
+                        <a:rPr lang="en-US" dirty="0" smtClean="0"/>
+                        <a:t>Description</a:t>
+                      </a:r>
+                      <a:endParaRPr lang="en-US" dirty="0"/>
+                    </a:p>
+                  </a:txBody>
+                  <a:tcPr/>
+                </a:tc>
+                <a:extLst>
+                  <a:ext uri="{0D108BD9-81ED-4DB2-BD59-A6C34878D82A}">
+                    <a16:rowId xmlns:a16="http://schemas.microsoft.com/office/drawing/2014/main" val="1746292031"/>
+                  </a:ext>
+                </a:extLst>
+              </a:tr>
+              <a:tr h="370840">
+                <a:tc>
+                  <a:txBody>
+                    <a:bodyPr/>
+                    <a:lstStyle/>
+                    <a:p>
+                      <a:r>
+                        <a:rPr lang="en-US" dirty="0" err="1" smtClean="0"/>
+                        <a:t>MoveFile</a:t>
+                      </a:r>
+                      <a:endParaRPr lang="en-US" dirty="0"/>
+                    </a:p>
+                  </a:txBody>
+                  <a:tcPr/>
+                </a:tc>
+                <a:tc>
+                  <a:txBody>
+                    <a:bodyPr/>
+                    <a:lstStyle/>
+                    <a:p>
+                      <a:r>
+                        <a:rPr lang="en-US" sz="1800" b="0" i="0" kern="1200" dirty="0" smtClean="0">
+                          <a:solidFill>
+                            <a:schemeClr val="dk1"/>
+                          </a:solidFill>
+                          <a:effectLst/>
+                          <a:latin typeface="+mn-lt"/>
+                          <a:ea typeface="+mn-ea"/>
+                          <a:cs typeface="+mn-cs"/>
+                        </a:rPr>
+                        <a:t>Allows you to schedule move and delete commands for the next reboot.</a:t>
+                      </a:r>
+                      <a:endParaRPr lang="en-US" dirty="0"/>
+                    </a:p>
+                  </a:txBody>
+                  <a:tcPr/>
+                </a:tc>
+                <a:extLst>
+                  <a:ext uri="{0D108BD9-81ED-4DB2-BD59-A6C34878D82A}">
+                    <a16:rowId xmlns:a16="http://schemas.microsoft.com/office/drawing/2014/main" val="3229545896"/>
+                  </a:ext>
+                </a:extLst>
+              </a:tr>
+              <a:tr h="370840">
+                <a:tc>
+                  <a:txBody>
+                    <a:bodyPr/>
+                    <a:lstStyle/>
+                    <a:p>
+                      <a:r>
+                        <a:rPr lang="en-US" dirty="0" err="1" smtClean="0"/>
+                        <a:t>NotMyfault</a:t>
+                      </a:r>
+                      <a:endParaRPr lang="en-US" dirty="0"/>
+                    </a:p>
+                  </a:txBody>
+                  <a:tcPr/>
+                </a:tc>
+                <a:tc>
+                  <a:txBody>
+                    <a:bodyPr/>
+                    <a:lstStyle/>
+                    <a:p>
+                      <a:r>
+                        <a:rPr lang="en-US" dirty="0" err="1" smtClean="0"/>
+                        <a:t>Notmyfault</a:t>
+                      </a:r>
+                      <a:r>
+                        <a:rPr lang="en-US" dirty="0" smtClean="0"/>
+                        <a:t> is a tool that you can use to crash, hang, and cause kernel memory leaks on your Windows system.</a:t>
+                      </a:r>
+                      <a:endParaRPr lang="en-US" dirty="0"/>
+                    </a:p>
+                  </a:txBody>
+                  <a:tcPr/>
+                </a:tc>
+                <a:extLst>
+                  <a:ext uri="{0D108BD9-81ED-4DB2-BD59-A6C34878D82A}">
+                    <a16:rowId xmlns:a16="http://schemas.microsoft.com/office/drawing/2014/main" val="2630496795"/>
+                  </a:ext>
+                </a:extLst>
+              </a:tr>
+              <a:tr h="370840">
+                <a:tc>
+                  <a:txBody>
+                    <a:bodyPr/>
+                    <a:lstStyle/>
+                    <a:p>
+                      <a:r>
+                        <a:rPr lang="en-US" dirty="0" err="1" smtClean="0"/>
+                        <a:t>NTFSInfo</a:t>
+                      </a:r>
+                      <a:endParaRPr lang="en-US" dirty="0"/>
+                    </a:p>
+                  </a:txBody>
+                  <a:tcPr/>
+                </a:tc>
+                <a:tc>
+                  <a:txBody>
+                    <a:bodyPr/>
+                    <a:lstStyle/>
+                    <a:p>
+                      <a:r>
+                        <a:rPr lang="en-US" sz="1800" b="0" i="0" kern="1200" dirty="0" smtClean="0">
+                          <a:solidFill>
+                            <a:schemeClr val="dk1"/>
+                          </a:solidFill>
+                          <a:effectLst/>
+                          <a:latin typeface="+mn-lt"/>
+                          <a:ea typeface="+mn-ea"/>
+                          <a:cs typeface="+mn-cs"/>
+                        </a:rPr>
+                        <a:t>Use </a:t>
+                      </a:r>
+                      <a:r>
+                        <a:rPr lang="en-US" sz="1800" b="0" i="0" kern="1200" dirty="0" err="1" smtClean="0">
+                          <a:solidFill>
+                            <a:schemeClr val="dk1"/>
+                          </a:solidFill>
+                          <a:effectLst/>
+                          <a:latin typeface="+mn-lt"/>
+                          <a:ea typeface="+mn-ea"/>
+                          <a:cs typeface="+mn-cs"/>
+                        </a:rPr>
+                        <a:t>NTFSInfo</a:t>
+                      </a:r>
+                      <a:r>
+                        <a:rPr lang="en-US" sz="1800" b="0" i="0" kern="1200" dirty="0" smtClean="0">
+                          <a:solidFill>
+                            <a:schemeClr val="dk1"/>
+                          </a:solidFill>
+                          <a:effectLst/>
+                          <a:latin typeface="+mn-lt"/>
+                          <a:ea typeface="+mn-ea"/>
+                          <a:cs typeface="+mn-cs"/>
+                        </a:rPr>
+                        <a:t> to see detailed information about NTFS volumes, including the size and location of the Master File Table (MFT) and MFT-zone, as well as the sizes of the NTFS meta-data files.</a:t>
+                      </a:r>
+                      <a:endParaRPr lang="en-US" dirty="0"/>
+                    </a:p>
+                  </a:txBody>
+                  <a:tcPr/>
+                </a:tc>
+                <a:extLst>
+                  <a:ext uri="{0D108BD9-81ED-4DB2-BD59-A6C34878D82A}">
+                    <a16:rowId xmlns:a16="http://schemas.microsoft.com/office/drawing/2014/main" val="763283893"/>
+                  </a:ext>
+                </a:extLst>
+              </a:tr>
+              <a:tr h="370840">
+                <a:tc>
+                  <a:txBody>
+                    <a:bodyPr/>
+                    <a:lstStyle/>
+                    <a:p>
+                      <a:r>
+                        <a:rPr lang="en-US" dirty="0" err="1" smtClean="0"/>
+                        <a:t>PendMoves</a:t>
+                      </a:r>
+                      <a:endParaRPr lang="en-US" dirty="0"/>
+                    </a:p>
+                  </a:txBody>
+                  <a:tcPr/>
+                </a:tc>
+                <a:tc>
+                  <a:txBody>
+                    <a:bodyPr/>
+                    <a:lstStyle/>
+                    <a:p>
+                      <a:r>
+                        <a:rPr lang="en-US" sz="1800" b="0" i="0" kern="1200" dirty="0" smtClean="0">
+                          <a:solidFill>
+                            <a:schemeClr val="dk1"/>
+                          </a:solidFill>
+                          <a:effectLst/>
+                          <a:latin typeface="+mn-lt"/>
+                          <a:ea typeface="+mn-ea"/>
+                          <a:cs typeface="+mn-cs"/>
+                        </a:rPr>
+                        <a:t>Enumerate the list of file rename and delete commands that will be executed the next boot.</a:t>
+                      </a:r>
+                      <a:endParaRPr lang="en-US" dirty="0"/>
+                    </a:p>
+                  </a:txBody>
+                  <a:tcPr/>
+                </a:tc>
+                <a:extLst>
+                  <a:ext uri="{0D108BD9-81ED-4DB2-BD59-A6C34878D82A}">
+                    <a16:rowId xmlns:a16="http://schemas.microsoft.com/office/drawing/2014/main" val="1965357956"/>
+                  </a:ext>
+                </a:extLst>
+              </a:tr>
+              <a:tr h="370840">
+                <a:tc>
+                  <a:txBody>
+                    <a:bodyPr/>
+                    <a:lstStyle/>
+                    <a:p>
+                      <a:r>
+                        <a:rPr lang="en-US" dirty="0" err="1" smtClean="0"/>
+                        <a:t>PipeList</a:t>
+                      </a:r>
+                      <a:endParaRPr lang="en-US" dirty="0"/>
+                    </a:p>
+                  </a:txBody>
+                  <a:tcPr/>
+                </a:tc>
+                <a:tc>
+                  <a:txBody>
+                    <a:bodyPr/>
+                    <a:lstStyle/>
+                    <a:p>
+                      <a:r>
+                        <a:rPr lang="en-US" sz="1800" b="0" i="0" kern="1200" dirty="0" smtClean="0">
+                          <a:solidFill>
+                            <a:schemeClr val="dk1"/>
+                          </a:solidFill>
+                          <a:effectLst/>
+                          <a:latin typeface="+mn-lt"/>
+                          <a:ea typeface="+mn-ea"/>
+                          <a:cs typeface="+mn-cs"/>
+                        </a:rPr>
+                        <a:t>Displays the named pipes on your system, including the number of maximum instances and active instances for each pipe.</a:t>
+                      </a:r>
+                      <a:endParaRPr lang="en-US" dirty="0"/>
+                    </a:p>
+                  </a:txBody>
+                  <a:tcPr/>
+                </a:tc>
+                <a:extLst>
+                  <a:ext uri="{0D108BD9-81ED-4DB2-BD59-A6C34878D82A}">
+                    <a16:rowId xmlns:a16="http://schemas.microsoft.com/office/drawing/2014/main" val="3016459118"/>
+                  </a:ext>
+                </a:extLst>
+              </a:tr>
+              <a:tr h="370840">
+                <a:tc>
+                  <a:txBody>
+                    <a:bodyPr/>
+                    <a:lstStyle/>
+                    <a:p>
+                      <a:r>
+                        <a:rPr lang="en-US" dirty="0" err="1" smtClean="0"/>
+                        <a:t>PortMon</a:t>
+                      </a:r>
+                      <a:endParaRPr lang="en-US" dirty="0"/>
+                    </a:p>
+                  </a:txBody>
+                  <a:tcPr/>
+                </a:tc>
+                <a:tc>
+                  <a:txBody>
+                    <a:bodyPr/>
+                    <a:lstStyle/>
+                    <a:p>
+                      <a:r>
+                        <a:rPr lang="en-US" sz="1800" b="0" i="0" kern="1200" dirty="0" smtClean="0">
+                          <a:solidFill>
+                            <a:schemeClr val="dk1"/>
+                          </a:solidFill>
+                          <a:effectLst/>
+                          <a:latin typeface="+mn-lt"/>
+                          <a:ea typeface="+mn-ea"/>
+                          <a:cs typeface="+mn-cs"/>
+                        </a:rPr>
+                        <a:t>Monitor serial and parallel port activity with this advanced monitoring tool. It knows about all standard serial and parallel IOCTLs and even shows you a portion of the data being sent and received. Version 3.x has powerful new UI enhancements and advanced filtering capabilities.</a:t>
+                      </a:r>
+                      <a:endParaRPr lang="en-US" dirty="0"/>
+                    </a:p>
+                  </a:txBody>
+                  <a:tcPr/>
+                </a:tc>
+                <a:extLst>
+                  <a:ext uri="{0D108BD9-81ED-4DB2-BD59-A6C34878D82A}">
+                    <a16:rowId xmlns:a16="http://schemas.microsoft.com/office/drawing/2014/main" val="2856086234"/>
+                  </a:ext>
+                </a:extLst>
+              </a:tr>
+              <a:tr h="370840">
+                <a:tc>
+                  <a:txBody>
+                    <a:bodyPr/>
+                    <a:lstStyle/>
+                    <a:p>
+                      <a:r>
+                        <a:rPr lang="en-US" dirty="0" err="1" smtClean="0"/>
+                        <a:t>ProcDump</a:t>
+                      </a:r>
+                      <a:endParaRPr lang="en-US" dirty="0"/>
+                    </a:p>
+                  </a:txBody>
+                  <a:tcPr/>
+                </a:tc>
+                <a:tc>
+                  <a:txBody>
+                    <a:bodyPr/>
+                    <a:lstStyle/>
+                    <a:p>
+                      <a:r>
+                        <a:rPr lang="en-US" sz="1800" b="0" i="0" kern="1200" dirty="0" smtClean="0">
+                          <a:solidFill>
+                            <a:schemeClr val="dk1"/>
+                          </a:solidFill>
+                          <a:effectLst/>
+                          <a:latin typeface="+mn-lt"/>
+                          <a:ea typeface="+mn-ea"/>
+                          <a:cs typeface="+mn-cs"/>
+                        </a:rPr>
+                        <a:t>This command-line utility is aimed at capturing process dumps of otherwise difficult to isolate and reproduce CPU spikes. It also serves as a general process dump creation utility and can also monitor and generate process dumps when a process has a hung window or unhandled exception.</a:t>
+                      </a:r>
+                      <a:endParaRPr lang="en-US" dirty="0"/>
+                    </a:p>
+                  </a:txBody>
+                  <a:tcPr/>
+                </a:tc>
+                <a:extLst>
+                  <a:ext uri="{0D108BD9-81ED-4DB2-BD59-A6C34878D82A}">
+                    <a16:rowId xmlns:a16="http://schemas.microsoft.com/office/drawing/2014/main" val="3376284509"/>
+                  </a:ext>
+                </a:extLst>
+              </a:tr>
+            </a:tbl>
+          </a:graphicData>
+        </a:graphic>
+      </p:graphicFrame>
+    </p:spTree>
+    <p:extLst>
+      <p:ext uri="{BB962C8B-B14F-4D97-AF65-F5344CB8AC3E}">
+        <p14:creationId xmlns:p14="http://schemas.microsoft.com/office/powerpoint/2010/main" val="1368872884"/>
+      </p:ext>
+    </p:extLst>
+  </p:cSld>
+  <p:clrMapOvr>
+    <a:masterClrMapping/>
+  </p:clrMapOvr>
+  <mc:AlternateContent xmlns:mc="http://schemas.openxmlformats.org/markup-compatibility/2006" xmlns:p14="http://schemas.microsoft.com/office/powerpoint/2010/main">
+    <mc:Choice Requires="p14">
+      <p:transition spd="slow" p14:dur="1500" advClick="0">
+        <p:split orient="vert"/>
+      </p:transition>
+    </mc:Choice>
+    <mc:Fallback xmlns="">
+      <p:transition spd="slow" advClick="0">
+        <p:split orient="vert"/>
+      </p:transition>
+    </mc:Fallback>
+  </mc:AlternateContent>
+  <p:timing>
+    <p:tnLst>
+      <p:par>
+        <p:cTn id="1" dur="indefinite" restart="never" nodeType="tmRoot"/>
+      </p:par>
+    </p:tnLst>
+  </p:timing>
+</p:sld>
+</file>
+
+<file path=ppt/slides/slide62.xml><?xml version="1.0" encoding="utf-8"?>
+<p:sld xmlns:a="http://schemas.openxmlformats.org/drawingml/2006/main" xmlns:r="http://schemas.openxmlformats.org/officeDocument/2006/relationships" xmlns:p="http://schemas.openxmlformats.org/presentationml/2006/main" show="0">
+  <p:cSld>
+    <p:spTree>
+      <p:nvGrpSpPr>
+        <p:cNvPr id="1" name=""/>
+        <p:cNvGrpSpPr/>
+        <p:nvPr/>
+      </p:nvGrpSpPr>
+      <p:grpSpPr>
+        <a:xfrm>
+          <a:off x="0" y="0"/>
+          <a:ext cx="0" cy="0"/>
+          <a:chOff x="0" y="0"/>
+          <a:chExt cx="0" cy="0"/>
+        </a:xfrm>
+      </p:grpSpPr>
+      <p:sp>
+        <p:nvSpPr>
+          <p:cNvPr id="2" name="TextBox 1"/>
+          <p:cNvSpPr txBox="1"/>
+          <p:nvPr/>
+        </p:nvSpPr>
+        <p:spPr>
+          <a:xfrm>
+            <a:off x="5822957" y="6184900"/>
+            <a:ext cx="622286" cy="369332"/>
+          </a:xfrm>
+          <a:prstGeom prst="rect">
+            <a:avLst/>
+          </a:prstGeom>
+          <a:noFill/>
+        </p:spPr>
+        <p:txBody>
+          <a:bodyPr wrap="none" rtlCol="0">
+            <a:spAutoFit/>
+          </a:bodyPr>
+          <a:lstStyle/>
+          <a:p>
+            <a:r>
+              <a:rPr lang="en-US" dirty="0" smtClean="0">
+                <a:hlinkClick r:id="rId2" action="ppaction://hlinksldjump"/>
+              </a:rPr>
+              <a:t>Back</a:t>
+            </a:r>
+            <a:endParaRPr lang="en-US" dirty="0"/>
+          </a:p>
+        </p:txBody>
+      </p:sp>
+      <p:sp>
+        <p:nvSpPr>
+          <p:cNvPr id="4" name="Title 1"/>
+          <p:cNvSpPr>
+            <a:spLocks noGrp="1"/>
+          </p:cNvSpPr>
+          <p:nvPr>
+            <p:ph type="title"/>
+          </p:nvPr>
+        </p:nvSpPr>
+        <p:spPr>
+          <a:xfrm>
+            <a:off x="838200" y="365125"/>
+            <a:ext cx="10515600" cy="574675"/>
+          </a:xfrm>
+        </p:spPr>
+        <p:txBody>
+          <a:bodyPr>
+            <a:normAutofit fontScale="90000"/>
+          </a:bodyPr>
+          <a:lstStyle/>
+          <a:p>
+            <a:pPr algn="ctr"/>
+            <a:r>
+              <a:rPr lang="en-US" dirty="0" smtClean="0"/>
+              <a:t>SysInternals Suite</a:t>
+            </a:r>
+            <a:endParaRPr lang="en-US" dirty="0"/>
+          </a:p>
+        </p:txBody>
+      </p:sp>
+      <p:graphicFrame>
+        <p:nvGraphicFramePr>
+          <p:cNvPr id="7" name="Table 6"/>
+          <p:cNvGraphicFramePr>
+            <a:graphicFrameLocks noGrp="1"/>
+          </p:cNvGraphicFramePr>
+          <p:nvPr>
+            <p:extLst>
+              <p:ext uri="{D42A27DB-BD31-4B8C-83A1-F6EECF244321}">
+                <p14:modId xmlns:p14="http://schemas.microsoft.com/office/powerpoint/2010/main" val="173755452"/>
+              </p:ext>
+            </p:extLst>
+          </p:nvPr>
+        </p:nvGraphicFramePr>
+        <p:xfrm>
+          <a:off x="614463" y="952500"/>
+          <a:ext cx="10963073" cy="5090160"/>
+        </p:xfrm>
+        <a:graphic>
+          <a:graphicData uri="http://schemas.openxmlformats.org/drawingml/2006/table">
+            <a:tbl>
+              <a:tblPr firstRow="1" bandRow="1">
+                <a:tableStyleId>{5C22544A-7EE6-4342-B048-85BDC9FD1C3A}</a:tableStyleId>
+              </a:tblPr>
+              <a:tblGrid>
+                <a:gridCol w="1772753">
+                  <a:extLst>
+                    <a:ext uri="{9D8B030D-6E8A-4147-A177-3AD203B41FA5}">
+                      <a16:colId xmlns:a16="http://schemas.microsoft.com/office/drawing/2014/main" val="256644654"/>
+                    </a:ext>
+                  </a:extLst>
+                </a:gridCol>
+                <a:gridCol w="9190320">
+                  <a:extLst>
+                    <a:ext uri="{9D8B030D-6E8A-4147-A177-3AD203B41FA5}">
+                      <a16:colId xmlns:a16="http://schemas.microsoft.com/office/drawing/2014/main" val="2184237819"/>
+                    </a:ext>
+                  </a:extLst>
+                </a:gridCol>
+              </a:tblGrid>
+              <a:tr h="370840">
+                <a:tc>
+                  <a:txBody>
+                    <a:bodyPr/>
+                    <a:lstStyle/>
+                    <a:p>
+                      <a:r>
+                        <a:rPr lang="en-US" dirty="0" smtClean="0"/>
+                        <a:t>Name</a:t>
+                      </a:r>
+                      <a:endParaRPr lang="en-US" dirty="0"/>
+                    </a:p>
+                  </a:txBody>
+                  <a:tcPr/>
+                </a:tc>
+                <a:tc>
+                  <a:txBody>
+                    <a:bodyPr/>
+                    <a:lstStyle/>
+                    <a:p>
+                      <a:r>
+                        <a:rPr lang="en-US" dirty="0" smtClean="0"/>
+                        <a:t>Description</a:t>
+                      </a:r>
+                      <a:endParaRPr lang="en-US" dirty="0"/>
+                    </a:p>
+                  </a:txBody>
+                  <a:tcPr/>
+                </a:tc>
+                <a:extLst>
+                  <a:ext uri="{0D108BD9-81ED-4DB2-BD59-A6C34878D82A}">
+                    <a16:rowId xmlns:a16="http://schemas.microsoft.com/office/drawing/2014/main" val="1746292031"/>
+                  </a:ext>
+                </a:extLst>
+              </a:tr>
+              <a:tr h="370840">
+                <a:tc>
+                  <a:txBody>
+                    <a:bodyPr/>
+                    <a:lstStyle/>
+                    <a:p>
+                      <a:r>
+                        <a:rPr lang="en-US" dirty="0" smtClean="0"/>
+                        <a:t>Process Explorer</a:t>
+                      </a:r>
+                      <a:endParaRPr lang="en-US" dirty="0"/>
+                    </a:p>
+                  </a:txBody>
+                  <a:tcPr/>
+                </a:tc>
+                <a:tc>
+                  <a:txBody>
+                    <a:bodyPr/>
+                    <a:lstStyle/>
+                    <a:p>
+                      <a:r>
+                        <a:rPr lang="en-US" sz="1800" b="0" i="0" kern="1200" dirty="0" smtClean="0">
+                          <a:solidFill>
+                            <a:schemeClr val="dk1"/>
+                          </a:solidFill>
+                          <a:effectLst/>
+                          <a:latin typeface="+mn-lt"/>
+                          <a:ea typeface="+mn-ea"/>
+                          <a:cs typeface="+mn-cs"/>
+                        </a:rPr>
+                        <a:t>Find out what files, registry keys and other objects processes have open, which DLLs they have loaded, and more. This uniquely powerful utility will even show you who owns each process.</a:t>
+                      </a:r>
+                      <a:endParaRPr lang="en-US" dirty="0"/>
+                    </a:p>
+                  </a:txBody>
+                  <a:tcPr/>
+                </a:tc>
+                <a:extLst>
+                  <a:ext uri="{0D108BD9-81ED-4DB2-BD59-A6C34878D82A}">
+                    <a16:rowId xmlns:a16="http://schemas.microsoft.com/office/drawing/2014/main" val="3229545896"/>
+                  </a:ext>
+                </a:extLst>
+              </a:tr>
+              <a:tr h="370840">
+                <a:tc>
+                  <a:txBody>
+                    <a:bodyPr/>
+                    <a:lstStyle/>
+                    <a:p>
+                      <a:r>
+                        <a:rPr lang="en-US" dirty="0" smtClean="0"/>
+                        <a:t>Process Monitor</a:t>
+                      </a:r>
+                      <a:endParaRPr lang="en-US" dirty="0"/>
+                    </a:p>
+                  </a:txBody>
+                  <a:tcPr/>
+                </a:tc>
+                <a:tc>
+                  <a:txBody>
+                    <a:bodyPr/>
+                    <a:lstStyle/>
+                    <a:p>
+                      <a:r>
+                        <a:rPr lang="en-US" dirty="0" smtClean="0"/>
+                        <a:t>Monitor file system, Registry, process, thread and DLL activity in real-time.</a:t>
+                      </a:r>
+                      <a:endParaRPr lang="en-US" dirty="0"/>
+                    </a:p>
+                  </a:txBody>
+                  <a:tcPr/>
+                </a:tc>
+                <a:extLst>
+                  <a:ext uri="{0D108BD9-81ED-4DB2-BD59-A6C34878D82A}">
+                    <a16:rowId xmlns:a16="http://schemas.microsoft.com/office/drawing/2014/main" val="2630496795"/>
+                  </a:ext>
+                </a:extLst>
+              </a:tr>
+              <a:tr h="370840">
+                <a:tc>
+                  <a:txBody>
+                    <a:bodyPr/>
+                    <a:lstStyle/>
+                    <a:p>
+                      <a:r>
+                        <a:rPr lang="en-US" dirty="0" err="1" smtClean="0"/>
+                        <a:t>PsExec</a:t>
+                      </a:r>
+                      <a:endParaRPr lang="en-US" dirty="0"/>
+                    </a:p>
+                  </a:txBody>
+                  <a:tcPr/>
+                </a:tc>
+                <a:tc>
+                  <a:txBody>
+                    <a:bodyPr/>
+                    <a:lstStyle/>
+                    <a:p>
+                      <a:r>
+                        <a:rPr lang="en-US" sz="1800" b="0" i="0" kern="1200" dirty="0" smtClean="0">
+                          <a:solidFill>
+                            <a:schemeClr val="dk1"/>
+                          </a:solidFill>
+                          <a:effectLst/>
+                          <a:latin typeface="+mn-lt"/>
+                          <a:ea typeface="+mn-ea"/>
+                          <a:cs typeface="+mn-cs"/>
+                        </a:rPr>
+                        <a:t>Execute processes on remote systems.</a:t>
+                      </a:r>
+                      <a:endParaRPr lang="en-US" dirty="0"/>
+                    </a:p>
+                  </a:txBody>
+                  <a:tcPr/>
+                </a:tc>
+                <a:extLst>
+                  <a:ext uri="{0D108BD9-81ED-4DB2-BD59-A6C34878D82A}">
+                    <a16:rowId xmlns:a16="http://schemas.microsoft.com/office/drawing/2014/main" val="763283893"/>
+                  </a:ext>
+                </a:extLst>
+              </a:tr>
+              <a:tr h="370840">
+                <a:tc>
+                  <a:txBody>
+                    <a:bodyPr/>
+                    <a:lstStyle/>
+                    <a:p>
+                      <a:r>
+                        <a:rPr lang="en-US" dirty="0" err="1" smtClean="0"/>
+                        <a:t>PsFile</a:t>
+                      </a:r>
+                      <a:endParaRPr lang="en-US" dirty="0"/>
+                    </a:p>
+                  </a:txBody>
+                  <a:tcPr/>
+                </a:tc>
+                <a:tc>
+                  <a:txBody>
+                    <a:bodyPr/>
+                    <a:lstStyle/>
+                    <a:p>
+                      <a:r>
+                        <a:rPr lang="en-US" sz="1800" b="0" i="0" kern="1200" dirty="0" smtClean="0">
+                          <a:solidFill>
+                            <a:schemeClr val="dk1"/>
+                          </a:solidFill>
+                          <a:effectLst/>
+                          <a:latin typeface="+mn-lt"/>
+                          <a:ea typeface="+mn-ea"/>
+                          <a:cs typeface="+mn-cs"/>
+                        </a:rPr>
+                        <a:t>See what files are opened remotely.</a:t>
+                      </a:r>
+                      <a:endParaRPr lang="en-US" dirty="0"/>
+                    </a:p>
+                  </a:txBody>
+                  <a:tcPr/>
+                </a:tc>
+                <a:extLst>
+                  <a:ext uri="{0D108BD9-81ED-4DB2-BD59-A6C34878D82A}">
+                    <a16:rowId xmlns:a16="http://schemas.microsoft.com/office/drawing/2014/main" val="1965357956"/>
+                  </a:ext>
+                </a:extLst>
+              </a:tr>
+              <a:tr h="370840">
+                <a:tc>
+                  <a:txBody>
+                    <a:bodyPr/>
+                    <a:lstStyle/>
+                    <a:p>
+                      <a:r>
+                        <a:rPr lang="en-US" dirty="0" err="1" smtClean="0"/>
+                        <a:t>PsGetSid</a:t>
+                      </a:r>
+                      <a:endParaRPr lang="en-US" dirty="0"/>
+                    </a:p>
+                  </a:txBody>
+                  <a:tcPr/>
+                </a:tc>
+                <a:tc>
+                  <a:txBody>
+                    <a:bodyPr/>
+                    <a:lstStyle/>
+                    <a:p>
+                      <a:r>
+                        <a:rPr lang="en-US" sz="1800" b="0" i="0" kern="1200" dirty="0" smtClean="0">
+                          <a:solidFill>
+                            <a:schemeClr val="dk1"/>
+                          </a:solidFill>
+                          <a:effectLst/>
+                          <a:latin typeface="+mn-lt"/>
+                          <a:ea typeface="+mn-ea"/>
+                          <a:cs typeface="+mn-cs"/>
+                        </a:rPr>
+                        <a:t>Displays the SID of a computer or a user.</a:t>
+                      </a:r>
+                      <a:endParaRPr lang="en-US" dirty="0"/>
+                    </a:p>
+                  </a:txBody>
+                  <a:tcPr/>
+                </a:tc>
+                <a:extLst>
+                  <a:ext uri="{0D108BD9-81ED-4DB2-BD59-A6C34878D82A}">
+                    <a16:rowId xmlns:a16="http://schemas.microsoft.com/office/drawing/2014/main" val="3016459118"/>
+                  </a:ext>
+                </a:extLst>
+              </a:tr>
+              <a:tr h="370840">
+                <a:tc>
+                  <a:txBody>
+                    <a:bodyPr/>
+                    <a:lstStyle/>
+                    <a:p>
+                      <a:r>
+                        <a:rPr lang="en-US" dirty="0" err="1" smtClean="0"/>
+                        <a:t>PsInfo</a:t>
+                      </a:r>
+                      <a:endParaRPr lang="en-US" dirty="0"/>
+                    </a:p>
+                  </a:txBody>
+                  <a:tcPr/>
+                </a:tc>
+                <a:tc>
+                  <a:txBody>
+                    <a:bodyPr/>
+                    <a:lstStyle/>
+                    <a:p>
+                      <a:r>
+                        <a:rPr lang="en-US" sz="1800" b="0" i="0" kern="1200" dirty="0" smtClean="0">
+                          <a:solidFill>
+                            <a:schemeClr val="dk1"/>
+                          </a:solidFill>
+                          <a:effectLst/>
+                          <a:latin typeface="+mn-lt"/>
+                          <a:ea typeface="+mn-ea"/>
+                          <a:cs typeface="+mn-cs"/>
+                        </a:rPr>
+                        <a:t>Obtain information about a system.</a:t>
+                      </a:r>
+                      <a:endParaRPr lang="en-US" dirty="0"/>
+                    </a:p>
+                  </a:txBody>
+                  <a:tcPr/>
+                </a:tc>
+                <a:extLst>
+                  <a:ext uri="{0D108BD9-81ED-4DB2-BD59-A6C34878D82A}">
+                    <a16:rowId xmlns:a16="http://schemas.microsoft.com/office/drawing/2014/main" val="2856086234"/>
+                  </a:ext>
+                </a:extLst>
+              </a:tr>
+              <a:tr h="370840">
+                <a:tc>
+                  <a:txBody>
+                    <a:bodyPr/>
+                    <a:lstStyle/>
+                    <a:p>
+                      <a:r>
+                        <a:rPr lang="en-US" dirty="0" err="1" smtClean="0"/>
+                        <a:t>PsKill</a:t>
+                      </a:r>
+                      <a:endParaRPr lang="en-US" dirty="0"/>
+                    </a:p>
+                  </a:txBody>
+                  <a:tcPr/>
+                </a:tc>
+                <a:tc>
+                  <a:txBody>
+                    <a:bodyPr/>
+                    <a:lstStyle/>
+                    <a:p>
+                      <a:r>
+                        <a:rPr lang="en-US" sz="1800" b="0" i="0" kern="1200" dirty="0" smtClean="0">
+                          <a:solidFill>
+                            <a:schemeClr val="dk1"/>
+                          </a:solidFill>
+                          <a:effectLst/>
+                          <a:latin typeface="+mn-lt"/>
+                          <a:ea typeface="+mn-ea"/>
+                          <a:cs typeface="+mn-cs"/>
+                        </a:rPr>
+                        <a:t>Terminate local or remote processes.</a:t>
+                      </a:r>
+                      <a:endParaRPr lang="en-US" dirty="0"/>
+                    </a:p>
+                  </a:txBody>
+                  <a:tcPr/>
+                </a:tc>
+                <a:extLst>
+                  <a:ext uri="{0D108BD9-81ED-4DB2-BD59-A6C34878D82A}">
+                    <a16:rowId xmlns:a16="http://schemas.microsoft.com/office/drawing/2014/main" val="3376284509"/>
+                  </a:ext>
+                </a:extLst>
+              </a:tr>
+              <a:tr h="370840">
+                <a:tc>
+                  <a:txBody>
+                    <a:bodyPr/>
+                    <a:lstStyle/>
+                    <a:p>
+                      <a:r>
+                        <a:rPr lang="en-US" dirty="0" smtClean="0"/>
+                        <a:t>PsPing</a:t>
+                      </a:r>
+                      <a:endParaRPr lang="en-US" dirty="0"/>
+                    </a:p>
+                  </a:txBody>
+                  <a:tcPr/>
+                </a:tc>
+                <a:tc>
+                  <a:txBody>
+                    <a:bodyPr/>
+                    <a:lstStyle/>
+                    <a:p>
+                      <a:r>
+                        <a:rPr lang="en-US" sz="1800" b="0" i="0" kern="1200" dirty="0" smtClean="0">
+                          <a:solidFill>
+                            <a:schemeClr val="dk1"/>
+                          </a:solidFill>
+                          <a:effectLst/>
+                          <a:latin typeface="+mn-lt"/>
+                          <a:ea typeface="+mn-ea"/>
+                          <a:cs typeface="+mn-cs"/>
+                        </a:rPr>
+                        <a:t>Measure network performance.</a:t>
+                      </a:r>
+                      <a:endParaRPr lang="en-US" dirty="0"/>
+                    </a:p>
+                  </a:txBody>
+                  <a:tcPr/>
+                </a:tc>
+                <a:extLst>
+                  <a:ext uri="{0D108BD9-81ED-4DB2-BD59-A6C34878D82A}">
+                    <a16:rowId xmlns:a16="http://schemas.microsoft.com/office/drawing/2014/main" val="1824988506"/>
+                  </a:ext>
+                </a:extLst>
+              </a:tr>
+              <a:tr h="370840">
+                <a:tc>
+                  <a:txBody>
+                    <a:bodyPr/>
+                    <a:lstStyle/>
+                    <a:p>
+                      <a:r>
+                        <a:rPr lang="en-US" dirty="0" err="1" smtClean="0"/>
+                        <a:t>PsList</a:t>
+                      </a:r>
+                      <a:endParaRPr lang="en-US" dirty="0"/>
+                    </a:p>
+                  </a:txBody>
+                  <a:tcPr/>
+                </a:tc>
+                <a:tc>
+                  <a:txBody>
+                    <a:bodyPr/>
+                    <a:lstStyle/>
+                    <a:p>
+                      <a:r>
+                        <a:rPr lang="en-US" sz="1800" b="0" i="0" kern="1200" dirty="0" smtClean="0">
+                          <a:solidFill>
+                            <a:schemeClr val="dk1"/>
+                          </a:solidFill>
+                          <a:effectLst/>
+                          <a:latin typeface="+mn-lt"/>
+                          <a:ea typeface="+mn-ea"/>
+                          <a:cs typeface="+mn-cs"/>
+                        </a:rPr>
+                        <a:t>Show information about processes and threads.</a:t>
+                      </a:r>
+                      <a:endParaRPr lang="en-US" dirty="0"/>
+                    </a:p>
+                  </a:txBody>
+                  <a:tcPr/>
+                </a:tc>
+                <a:extLst>
+                  <a:ext uri="{0D108BD9-81ED-4DB2-BD59-A6C34878D82A}">
+                    <a16:rowId xmlns:a16="http://schemas.microsoft.com/office/drawing/2014/main" val="3804724074"/>
+                  </a:ext>
+                </a:extLst>
+              </a:tr>
+              <a:tr h="370840">
+                <a:tc>
+                  <a:txBody>
+                    <a:bodyPr/>
+                    <a:lstStyle/>
+                    <a:p>
+                      <a:r>
+                        <a:rPr lang="en-US" dirty="0" err="1" smtClean="0"/>
+                        <a:t>PsLoggedOn</a:t>
+                      </a:r>
+                      <a:endParaRPr lang="en-US" dirty="0"/>
+                    </a:p>
+                  </a:txBody>
+                  <a:tcPr/>
+                </a:tc>
+                <a:tc>
+                  <a:txBody>
+                    <a:bodyPr/>
+                    <a:lstStyle/>
+                    <a:p>
+                      <a:r>
+                        <a:rPr lang="en-US" sz="1800" b="0" i="0" kern="1200" dirty="0" smtClean="0">
+                          <a:solidFill>
+                            <a:schemeClr val="dk1"/>
+                          </a:solidFill>
+                          <a:effectLst/>
+                          <a:latin typeface="+mn-lt"/>
+                          <a:ea typeface="+mn-ea"/>
+                          <a:cs typeface="+mn-cs"/>
+                        </a:rPr>
+                        <a:t>Show users logged on to a system.</a:t>
+                      </a:r>
+                      <a:endParaRPr lang="en-US" dirty="0"/>
+                    </a:p>
+                  </a:txBody>
+                  <a:tcPr/>
+                </a:tc>
+                <a:extLst>
+                  <a:ext uri="{0D108BD9-81ED-4DB2-BD59-A6C34878D82A}">
+                    <a16:rowId xmlns:a16="http://schemas.microsoft.com/office/drawing/2014/main" val="1371938390"/>
+                  </a:ext>
+                </a:extLst>
+              </a:tr>
+              <a:tr h="370840">
+                <a:tc>
+                  <a:txBody>
+                    <a:bodyPr/>
+                    <a:lstStyle/>
+                    <a:p>
+                      <a:r>
+                        <a:rPr lang="en-US" dirty="0" err="1" smtClean="0"/>
+                        <a:t>PsLogList</a:t>
+                      </a:r>
+                      <a:endParaRPr lang="en-US" dirty="0"/>
+                    </a:p>
+                  </a:txBody>
+                  <a:tcPr/>
+                </a:tc>
+                <a:tc>
+                  <a:txBody>
+                    <a:bodyPr/>
+                    <a:lstStyle/>
+                    <a:p>
+                      <a:r>
+                        <a:rPr lang="en-US" sz="1800" b="0" i="0" kern="1200" dirty="0" smtClean="0">
+                          <a:solidFill>
+                            <a:schemeClr val="dk1"/>
+                          </a:solidFill>
+                          <a:effectLst/>
+                          <a:latin typeface="+mn-lt"/>
+                          <a:ea typeface="+mn-ea"/>
+                          <a:cs typeface="+mn-cs"/>
+                        </a:rPr>
+                        <a:t>Dump event log records.</a:t>
+                      </a:r>
+                      <a:endParaRPr lang="en-US" dirty="0"/>
+                    </a:p>
+                  </a:txBody>
+                  <a:tcPr/>
+                </a:tc>
+                <a:extLst>
+                  <a:ext uri="{0D108BD9-81ED-4DB2-BD59-A6C34878D82A}">
+                    <a16:rowId xmlns:a16="http://schemas.microsoft.com/office/drawing/2014/main" val="4214453575"/>
+                  </a:ext>
+                </a:extLst>
+              </a:tr>
+              <a:tr h="370840">
+                <a:tc>
+                  <a:txBody>
+                    <a:bodyPr/>
+                    <a:lstStyle/>
+                    <a:p>
+                      <a:r>
+                        <a:rPr lang="en-US" dirty="0" err="1" smtClean="0"/>
+                        <a:t>PsPassword</a:t>
+                      </a:r>
+                      <a:endParaRPr lang="en-US" dirty="0"/>
+                    </a:p>
+                  </a:txBody>
+                  <a:tcPr/>
+                </a:tc>
+                <a:tc>
+                  <a:txBody>
+                    <a:bodyPr/>
+                    <a:lstStyle/>
+                    <a:p>
+                      <a:r>
+                        <a:rPr lang="en-US" sz="1800" b="0" i="0" kern="1200" dirty="0" smtClean="0">
+                          <a:solidFill>
+                            <a:schemeClr val="dk1"/>
+                          </a:solidFill>
+                          <a:effectLst/>
+                          <a:latin typeface="+mn-lt"/>
+                          <a:ea typeface="+mn-ea"/>
+                          <a:cs typeface="+mn-cs"/>
+                        </a:rPr>
+                        <a:t>Changes account passwords.</a:t>
+                      </a:r>
+                      <a:endParaRPr lang="en-US" dirty="0"/>
+                    </a:p>
+                  </a:txBody>
+                  <a:tcPr/>
+                </a:tc>
+                <a:extLst>
+                  <a:ext uri="{0D108BD9-81ED-4DB2-BD59-A6C34878D82A}">
+                    <a16:rowId xmlns:a16="http://schemas.microsoft.com/office/drawing/2014/main" val="2385168652"/>
+                  </a:ext>
+                </a:extLst>
+              </a:tr>
+            </a:tbl>
+          </a:graphicData>
+        </a:graphic>
+      </p:graphicFrame>
+    </p:spTree>
+    <p:extLst>
+      <p:ext uri="{BB962C8B-B14F-4D97-AF65-F5344CB8AC3E}">
+        <p14:creationId xmlns:p14="http://schemas.microsoft.com/office/powerpoint/2010/main" val="977735400"/>
+      </p:ext>
+    </p:extLst>
+  </p:cSld>
+  <p:clrMapOvr>
+    <a:masterClrMapping/>
+  </p:clrMapOvr>
+  <mc:AlternateContent xmlns:mc="http://schemas.openxmlformats.org/markup-compatibility/2006" xmlns:p14="http://schemas.microsoft.com/office/powerpoint/2010/main">
+    <mc:Choice Requires="p14">
+      <p:transition spd="slow" p14:dur="1500" advClick="0">
+        <p:split orient="vert"/>
+      </p:transition>
+    </mc:Choice>
+    <mc:Fallback xmlns="">
+      <p:transition spd="slow" advClick="0">
+        <p:split orient="vert"/>
+      </p:transition>
+    </mc:Fallback>
+  </mc:AlternateContent>
+  <p:timing>
+    <p:tnLst>
+      <p:par>
+        <p:cTn id="1" dur="indefinite" restart="never" nodeType="tmRoot"/>
+      </p:par>
+    </p:tnLst>
+  </p:timing>
+</p:sld>
+</file>
+
+<file path=ppt/slides/slide63.xml><?xml version="1.0" encoding="utf-8"?>
+<p:sld xmlns:a="http://schemas.openxmlformats.org/drawingml/2006/main" xmlns:r="http://schemas.openxmlformats.org/officeDocument/2006/relationships" xmlns:p="http://schemas.openxmlformats.org/presentationml/2006/main" show="0">
+  <p:cSld>
+    <p:spTree>
+      <p:nvGrpSpPr>
+        <p:cNvPr id="1" name=""/>
+        <p:cNvGrpSpPr/>
+        <p:nvPr/>
+      </p:nvGrpSpPr>
+      <p:grpSpPr>
+        <a:xfrm>
+          <a:off x="0" y="0"/>
+          <a:ext cx="0" cy="0"/>
+          <a:chOff x="0" y="0"/>
+          <a:chExt cx="0" cy="0"/>
+        </a:xfrm>
+      </p:grpSpPr>
+      <p:sp>
+        <p:nvSpPr>
+          <p:cNvPr id="2" name="TextBox 1"/>
+          <p:cNvSpPr txBox="1"/>
+          <p:nvPr/>
+        </p:nvSpPr>
+        <p:spPr>
+          <a:xfrm>
+            <a:off x="5822957" y="6184900"/>
+            <a:ext cx="622286" cy="369332"/>
+          </a:xfrm>
+          <a:prstGeom prst="rect">
+            <a:avLst/>
+          </a:prstGeom>
+          <a:noFill/>
+        </p:spPr>
+        <p:txBody>
+          <a:bodyPr wrap="none" rtlCol="0">
+            <a:spAutoFit/>
+          </a:bodyPr>
+          <a:lstStyle/>
+          <a:p>
+            <a:r>
+              <a:rPr lang="en-US" dirty="0" smtClean="0">
+                <a:hlinkClick r:id="rId2" action="ppaction://hlinksldjump"/>
+              </a:rPr>
+              <a:t>Back</a:t>
+            </a:r>
+            <a:endParaRPr lang="en-US" dirty="0"/>
+          </a:p>
+        </p:txBody>
+      </p:sp>
+      <p:sp>
+        <p:nvSpPr>
+          <p:cNvPr id="4" name="Title 1"/>
+          <p:cNvSpPr>
+            <a:spLocks noGrp="1"/>
+          </p:cNvSpPr>
+          <p:nvPr>
+            <p:ph type="title"/>
+          </p:nvPr>
+        </p:nvSpPr>
+        <p:spPr>
+          <a:xfrm>
+            <a:off x="838200" y="365125"/>
+            <a:ext cx="10515600" cy="574675"/>
+          </a:xfrm>
+        </p:spPr>
+        <p:txBody>
+          <a:bodyPr>
+            <a:normAutofit fontScale="90000"/>
+          </a:bodyPr>
+          <a:lstStyle/>
+          <a:p>
+            <a:pPr algn="ctr"/>
+            <a:r>
+              <a:rPr lang="en-US" dirty="0" smtClean="0"/>
+              <a:t>SysInternals Suite</a:t>
+            </a:r>
+            <a:endParaRPr lang="en-US" dirty="0"/>
+          </a:p>
+        </p:txBody>
+      </p:sp>
+      <p:graphicFrame>
+        <p:nvGraphicFramePr>
+          <p:cNvPr id="7" name="Table 6"/>
+          <p:cNvGraphicFramePr>
+            <a:graphicFrameLocks noGrp="1"/>
+          </p:cNvGraphicFramePr>
+          <p:nvPr>
+            <p:extLst>
+              <p:ext uri="{D42A27DB-BD31-4B8C-83A1-F6EECF244321}">
+                <p14:modId xmlns:p14="http://schemas.microsoft.com/office/powerpoint/2010/main" val="2617959401"/>
+              </p:ext>
+            </p:extLst>
+          </p:nvPr>
+        </p:nvGraphicFramePr>
+        <p:xfrm>
+          <a:off x="614463" y="952500"/>
+          <a:ext cx="10963073" cy="4688840"/>
+        </p:xfrm>
+        <a:graphic>
+          <a:graphicData uri="http://schemas.openxmlformats.org/drawingml/2006/table">
+            <a:tbl>
+              <a:tblPr firstRow="1" bandRow="1">
+                <a:tableStyleId>{5C22544A-7EE6-4342-B048-85BDC9FD1C3A}</a:tableStyleId>
+              </a:tblPr>
+              <a:tblGrid>
+                <a:gridCol w="1772753">
+                  <a:extLst>
+                    <a:ext uri="{9D8B030D-6E8A-4147-A177-3AD203B41FA5}">
+                      <a16:colId xmlns:a16="http://schemas.microsoft.com/office/drawing/2014/main" val="256644654"/>
+                    </a:ext>
+                  </a:extLst>
+                </a:gridCol>
+                <a:gridCol w="9190320">
+                  <a:extLst>
+                    <a:ext uri="{9D8B030D-6E8A-4147-A177-3AD203B41FA5}">
+                      <a16:colId xmlns:a16="http://schemas.microsoft.com/office/drawing/2014/main" val="2184237819"/>
+                    </a:ext>
+                  </a:extLst>
+                </a:gridCol>
+              </a:tblGrid>
+              <a:tr h="370840">
+                <a:tc>
+                  <a:txBody>
+                    <a:bodyPr/>
+                    <a:lstStyle/>
+                    <a:p>
+                      <a:r>
+                        <a:rPr lang="en-US" dirty="0" smtClean="0"/>
+                        <a:t>Name</a:t>
+                      </a:r>
+                      <a:endParaRPr lang="en-US" dirty="0"/>
+                    </a:p>
+                  </a:txBody>
+                  <a:tcPr/>
+                </a:tc>
+                <a:tc>
+                  <a:txBody>
+                    <a:bodyPr/>
+                    <a:lstStyle/>
+                    <a:p>
+                      <a:r>
+                        <a:rPr lang="en-US" dirty="0" smtClean="0"/>
+                        <a:t>Description</a:t>
+                      </a:r>
+                      <a:endParaRPr lang="en-US" dirty="0"/>
+                    </a:p>
+                  </a:txBody>
+                  <a:tcPr/>
+                </a:tc>
+                <a:extLst>
+                  <a:ext uri="{0D108BD9-81ED-4DB2-BD59-A6C34878D82A}">
+                    <a16:rowId xmlns:a16="http://schemas.microsoft.com/office/drawing/2014/main" val="1746292031"/>
+                  </a:ext>
+                </a:extLst>
+              </a:tr>
+              <a:tr h="370840">
+                <a:tc>
+                  <a:txBody>
+                    <a:bodyPr/>
+                    <a:lstStyle/>
+                    <a:p>
+                      <a:r>
+                        <a:rPr lang="en-US" dirty="0" err="1" smtClean="0"/>
+                        <a:t>PsService</a:t>
+                      </a:r>
+                      <a:endParaRPr lang="en-US" dirty="0"/>
+                    </a:p>
+                  </a:txBody>
+                  <a:tcPr/>
+                </a:tc>
+                <a:tc>
+                  <a:txBody>
+                    <a:bodyPr/>
+                    <a:lstStyle/>
+                    <a:p>
+                      <a:r>
+                        <a:rPr lang="en-US" sz="1800" b="0" i="0" kern="1200" dirty="0" smtClean="0">
+                          <a:solidFill>
+                            <a:schemeClr val="dk1"/>
+                          </a:solidFill>
+                          <a:effectLst/>
+                          <a:latin typeface="+mn-lt"/>
+                          <a:ea typeface="+mn-ea"/>
+                          <a:cs typeface="+mn-cs"/>
+                        </a:rPr>
+                        <a:t>View and control services.</a:t>
+                      </a:r>
+                      <a:endParaRPr lang="en-US" dirty="0"/>
+                    </a:p>
+                  </a:txBody>
+                  <a:tcPr/>
+                </a:tc>
+                <a:extLst>
+                  <a:ext uri="{0D108BD9-81ED-4DB2-BD59-A6C34878D82A}">
+                    <a16:rowId xmlns:a16="http://schemas.microsoft.com/office/drawing/2014/main" val="3229545896"/>
+                  </a:ext>
+                </a:extLst>
+              </a:tr>
+              <a:tr h="370840">
+                <a:tc>
+                  <a:txBody>
+                    <a:bodyPr/>
+                    <a:lstStyle/>
+                    <a:p>
+                      <a:r>
+                        <a:rPr lang="en-US" dirty="0" err="1" smtClean="0"/>
+                        <a:t>PsShutdown</a:t>
+                      </a:r>
+                      <a:endParaRPr lang="en-US" dirty="0"/>
+                    </a:p>
+                  </a:txBody>
+                  <a:tcPr/>
+                </a:tc>
+                <a:tc>
+                  <a:txBody>
+                    <a:bodyPr/>
+                    <a:lstStyle/>
+                    <a:p>
+                      <a:r>
+                        <a:rPr lang="en-US" sz="1800" b="0" i="0" kern="1200" dirty="0" smtClean="0">
+                          <a:solidFill>
+                            <a:schemeClr val="dk1"/>
+                          </a:solidFill>
+                          <a:effectLst/>
+                          <a:latin typeface="+mn-lt"/>
+                          <a:ea typeface="+mn-ea"/>
+                          <a:cs typeface="+mn-cs"/>
+                        </a:rPr>
+                        <a:t>Shuts down and optionally reboots a computer</a:t>
+                      </a:r>
+                      <a:endParaRPr lang="en-US" dirty="0"/>
+                    </a:p>
+                  </a:txBody>
+                  <a:tcPr/>
+                </a:tc>
+                <a:extLst>
+                  <a:ext uri="{0D108BD9-81ED-4DB2-BD59-A6C34878D82A}">
+                    <a16:rowId xmlns:a16="http://schemas.microsoft.com/office/drawing/2014/main" val="2630496795"/>
+                  </a:ext>
+                </a:extLst>
+              </a:tr>
+              <a:tr h="370840">
+                <a:tc>
+                  <a:txBody>
+                    <a:bodyPr/>
+                    <a:lstStyle/>
+                    <a:p>
+                      <a:r>
+                        <a:rPr lang="en-US" dirty="0" err="1" smtClean="0"/>
+                        <a:t>PsSuspend</a:t>
+                      </a:r>
+                      <a:endParaRPr lang="en-US" dirty="0"/>
+                    </a:p>
+                  </a:txBody>
+                  <a:tcPr/>
+                </a:tc>
+                <a:tc>
+                  <a:txBody>
+                    <a:bodyPr/>
+                    <a:lstStyle/>
+                    <a:p>
+                      <a:r>
+                        <a:rPr lang="en-US" sz="1800" b="0" i="0" kern="1200" dirty="0" smtClean="0">
+                          <a:solidFill>
+                            <a:schemeClr val="dk1"/>
+                          </a:solidFill>
+                          <a:effectLst/>
+                          <a:latin typeface="+mn-lt"/>
+                          <a:ea typeface="+mn-ea"/>
+                          <a:cs typeface="+mn-cs"/>
+                        </a:rPr>
+                        <a:t>Suspend and resume processes.</a:t>
+                      </a:r>
+                      <a:endParaRPr lang="en-US" dirty="0"/>
+                    </a:p>
+                  </a:txBody>
+                  <a:tcPr/>
+                </a:tc>
+                <a:extLst>
+                  <a:ext uri="{0D108BD9-81ED-4DB2-BD59-A6C34878D82A}">
+                    <a16:rowId xmlns:a16="http://schemas.microsoft.com/office/drawing/2014/main" val="763283893"/>
+                  </a:ext>
+                </a:extLst>
+              </a:tr>
+              <a:tr h="370840">
+                <a:tc>
+                  <a:txBody>
+                    <a:bodyPr/>
+                    <a:lstStyle/>
+                    <a:p>
+                      <a:r>
+                        <a:rPr lang="en-US" dirty="0" err="1" smtClean="0"/>
+                        <a:t>PsTools</a:t>
+                      </a:r>
+                      <a:endParaRPr lang="en-US" dirty="0"/>
+                    </a:p>
+                  </a:txBody>
+                  <a:tcPr/>
+                </a:tc>
+                <a:tc>
+                  <a:txBody>
+                    <a:bodyPr/>
+                    <a:lstStyle/>
+                    <a:p>
+                      <a:r>
+                        <a:rPr lang="en-US" dirty="0" smtClean="0"/>
+                        <a:t>The </a:t>
+                      </a:r>
+                      <a:r>
+                        <a:rPr lang="en-US" dirty="0" err="1" smtClean="0"/>
+                        <a:t>PsTools</a:t>
+                      </a:r>
+                      <a:r>
+                        <a:rPr lang="en-US" dirty="0" smtClean="0"/>
+                        <a:t> suite includes command-line utilities for listing the processes running on local or remote computers, running processes remotely, rebooting computers, dumping event logs, and more.</a:t>
+                      </a:r>
+                      <a:endParaRPr lang="en-US" dirty="0"/>
+                    </a:p>
+                  </a:txBody>
+                  <a:tcPr/>
+                </a:tc>
+                <a:extLst>
+                  <a:ext uri="{0D108BD9-81ED-4DB2-BD59-A6C34878D82A}">
+                    <a16:rowId xmlns:a16="http://schemas.microsoft.com/office/drawing/2014/main" val="1965357956"/>
+                  </a:ext>
+                </a:extLst>
+              </a:tr>
+              <a:tr h="370840">
+                <a:tc>
+                  <a:txBody>
+                    <a:bodyPr/>
+                    <a:lstStyle/>
+                    <a:p>
+                      <a:r>
+                        <a:rPr lang="en-US" dirty="0" err="1" smtClean="0"/>
+                        <a:t>RAMMap</a:t>
+                      </a:r>
+                      <a:endParaRPr lang="en-US" dirty="0"/>
+                    </a:p>
+                  </a:txBody>
+                  <a:tcPr/>
+                </a:tc>
+                <a:tc>
+                  <a:txBody>
+                    <a:bodyPr/>
+                    <a:lstStyle/>
+                    <a:p>
+                      <a:r>
+                        <a:rPr lang="en-US" sz="1800" b="0" i="0" kern="1200" dirty="0" smtClean="0">
+                          <a:solidFill>
+                            <a:schemeClr val="dk1"/>
+                          </a:solidFill>
+                          <a:effectLst/>
+                          <a:latin typeface="+mn-lt"/>
+                          <a:ea typeface="+mn-ea"/>
+                          <a:cs typeface="+mn-cs"/>
+                        </a:rPr>
+                        <a:t>An advanced physical memory usage analysis utility that presents usage information in different ways on its several different tabs.</a:t>
+                      </a:r>
+                      <a:endParaRPr lang="en-US" dirty="0"/>
+                    </a:p>
+                  </a:txBody>
+                  <a:tcPr/>
+                </a:tc>
+                <a:extLst>
+                  <a:ext uri="{0D108BD9-81ED-4DB2-BD59-A6C34878D82A}">
+                    <a16:rowId xmlns:a16="http://schemas.microsoft.com/office/drawing/2014/main" val="3016459118"/>
+                  </a:ext>
+                </a:extLst>
+              </a:tr>
+              <a:tr h="370840">
+                <a:tc>
+                  <a:txBody>
+                    <a:bodyPr/>
+                    <a:lstStyle/>
+                    <a:p>
+                      <a:r>
+                        <a:rPr lang="en-US" dirty="0" err="1" smtClean="0"/>
+                        <a:t>RegDelNull</a:t>
+                      </a:r>
+                      <a:endParaRPr lang="en-US" dirty="0"/>
+                    </a:p>
+                  </a:txBody>
+                  <a:tcPr/>
+                </a:tc>
+                <a:tc>
+                  <a:txBody>
+                    <a:bodyPr/>
+                    <a:lstStyle/>
+                    <a:p>
+                      <a:r>
+                        <a:rPr lang="en-US" sz="1800" b="0" i="0" kern="1200" dirty="0" smtClean="0">
+                          <a:solidFill>
+                            <a:schemeClr val="dk1"/>
+                          </a:solidFill>
+                          <a:effectLst/>
+                          <a:latin typeface="+mn-lt"/>
+                          <a:ea typeface="+mn-ea"/>
+                          <a:cs typeface="+mn-cs"/>
+                        </a:rPr>
+                        <a:t>Scan for and delete Registry keys that contain embedded null-characters that are otherwise </a:t>
+                      </a:r>
+                      <a:r>
+                        <a:rPr lang="en-US" sz="1800" b="0" i="0" kern="1200" dirty="0" err="1" smtClean="0">
+                          <a:solidFill>
+                            <a:schemeClr val="dk1"/>
+                          </a:solidFill>
+                          <a:effectLst/>
+                          <a:latin typeface="+mn-lt"/>
+                          <a:ea typeface="+mn-ea"/>
+                          <a:cs typeface="+mn-cs"/>
+                        </a:rPr>
+                        <a:t>undeleteable</a:t>
+                      </a:r>
+                      <a:r>
+                        <a:rPr lang="en-US" sz="1800" b="0" i="0" kern="1200" dirty="0" smtClean="0">
+                          <a:solidFill>
+                            <a:schemeClr val="dk1"/>
+                          </a:solidFill>
+                          <a:effectLst/>
+                          <a:latin typeface="+mn-lt"/>
+                          <a:ea typeface="+mn-ea"/>
+                          <a:cs typeface="+mn-cs"/>
+                        </a:rPr>
+                        <a:t> by standard Registry-editing tools.</a:t>
+                      </a:r>
+                      <a:endParaRPr lang="en-US" dirty="0"/>
+                    </a:p>
+                  </a:txBody>
+                  <a:tcPr/>
+                </a:tc>
+                <a:extLst>
+                  <a:ext uri="{0D108BD9-81ED-4DB2-BD59-A6C34878D82A}">
+                    <a16:rowId xmlns:a16="http://schemas.microsoft.com/office/drawing/2014/main" val="2856086234"/>
+                  </a:ext>
+                </a:extLst>
+              </a:tr>
+              <a:tr h="370840">
+                <a:tc>
+                  <a:txBody>
+                    <a:bodyPr/>
+                    <a:lstStyle/>
+                    <a:p>
+                      <a:r>
+                        <a:rPr lang="en-US" dirty="0" smtClean="0"/>
+                        <a:t>Registry</a:t>
+                      </a:r>
+                      <a:r>
+                        <a:rPr lang="en-US" baseline="0" dirty="0" smtClean="0"/>
+                        <a:t> Usage (RU)</a:t>
+                      </a:r>
+                      <a:endParaRPr lang="en-US" dirty="0"/>
+                    </a:p>
+                  </a:txBody>
+                  <a:tcPr/>
+                </a:tc>
+                <a:tc>
+                  <a:txBody>
+                    <a:bodyPr/>
+                    <a:lstStyle/>
+                    <a:p>
+                      <a:r>
+                        <a:rPr lang="en-US" sz="1800" b="0" i="0" kern="1200" dirty="0" smtClean="0">
+                          <a:solidFill>
+                            <a:schemeClr val="dk1"/>
+                          </a:solidFill>
+                          <a:effectLst/>
+                          <a:latin typeface="+mn-lt"/>
+                          <a:ea typeface="+mn-ea"/>
+                          <a:cs typeface="+mn-cs"/>
+                        </a:rPr>
+                        <a:t>View the registry space usage for the specified registry key.</a:t>
+                      </a:r>
+                      <a:endParaRPr lang="en-US" dirty="0"/>
+                    </a:p>
+                  </a:txBody>
+                  <a:tcPr/>
+                </a:tc>
+                <a:extLst>
+                  <a:ext uri="{0D108BD9-81ED-4DB2-BD59-A6C34878D82A}">
+                    <a16:rowId xmlns:a16="http://schemas.microsoft.com/office/drawing/2014/main" val="3376284509"/>
+                  </a:ext>
+                </a:extLst>
+              </a:tr>
+              <a:tr h="370840">
+                <a:tc>
+                  <a:txBody>
+                    <a:bodyPr/>
+                    <a:lstStyle/>
+                    <a:p>
+                      <a:r>
+                        <a:rPr lang="en-US" dirty="0" err="1" smtClean="0"/>
+                        <a:t>RegJump</a:t>
+                      </a:r>
+                      <a:endParaRPr lang="en-US" dirty="0"/>
+                    </a:p>
+                  </a:txBody>
+                  <a:tcPr/>
+                </a:tc>
+                <a:tc>
+                  <a:txBody>
+                    <a:bodyPr/>
+                    <a:lstStyle/>
+                    <a:p>
+                      <a:r>
+                        <a:rPr lang="en-US" sz="1800" b="0" i="0" kern="1200" dirty="0" smtClean="0">
+                          <a:solidFill>
+                            <a:schemeClr val="dk1"/>
+                          </a:solidFill>
+                          <a:effectLst/>
+                          <a:latin typeface="+mn-lt"/>
+                          <a:ea typeface="+mn-ea"/>
+                          <a:cs typeface="+mn-cs"/>
+                        </a:rPr>
+                        <a:t>Jump to the registry path you specify in </a:t>
+                      </a:r>
+                      <a:r>
+                        <a:rPr lang="en-US" sz="1800" b="0" i="0" kern="1200" dirty="0" err="1" smtClean="0">
+                          <a:solidFill>
+                            <a:schemeClr val="dk1"/>
+                          </a:solidFill>
+                          <a:effectLst/>
+                          <a:latin typeface="+mn-lt"/>
+                          <a:ea typeface="+mn-ea"/>
+                          <a:cs typeface="+mn-cs"/>
+                        </a:rPr>
+                        <a:t>Regedit</a:t>
+                      </a:r>
+                      <a:r>
+                        <a:rPr lang="en-US" sz="1800" b="0" i="0" kern="1200" dirty="0" smtClean="0">
+                          <a:solidFill>
+                            <a:schemeClr val="dk1"/>
+                          </a:solidFill>
+                          <a:effectLst/>
+                          <a:latin typeface="+mn-lt"/>
+                          <a:ea typeface="+mn-ea"/>
+                          <a:cs typeface="+mn-cs"/>
+                        </a:rPr>
+                        <a:t>.</a:t>
+                      </a:r>
+                      <a:endParaRPr lang="en-US" dirty="0"/>
+                    </a:p>
+                  </a:txBody>
+                  <a:tcPr/>
+                </a:tc>
+                <a:extLst>
+                  <a:ext uri="{0D108BD9-81ED-4DB2-BD59-A6C34878D82A}">
+                    <a16:rowId xmlns:a16="http://schemas.microsoft.com/office/drawing/2014/main" val="1824988506"/>
+                  </a:ext>
+                </a:extLst>
+              </a:tr>
+            </a:tbl>
+          </a:graphicData>
+        </a:graphic>
+      </p:graphicFrame>
+    </p:spTree>
+    <p:extLst>
+      <p:ext uri="{BB962C8B-B14F-4D97-AF65-F5344CB8AC3E}">
+        <p14:creationId xmlns:p14="http://schemas.microsoft.com/office/powerpoint/2010/main" val="4004671524"/>
+      </p:ext>
+    </p:extLst>
+  </p:cSld>
+  <p:clrMapOvr>
+    <a:masterClrMapping/>
+  </p:clrMapOvr>
+  <mc:AlternateContent xmlns:mc="http://schemas.openxmlformats.org/markup-compatibility/2006" xmlns:p14="http://schemas.microsoft.com/office/powerpoint/2010/main">
+    <mc:Choice Requires="p14">
+      <p:transition spd="slow" p14:dur="1500" advClick="0">
+        <p:split orient="vert"/>
+      </p:transition>
+    </mc:Choice>
+    <mc:Fallback xmlns="">
+      <p:transition spd="slow" advClick="0">
+        <p:split orient="vert"/>
+      </p:transition>
+    </mc:Fallback>
+  </mc:AlternateContent>
+  <p:timing>
+    <p:tnLst>
+      <p:par>
+        <p:cTn id="1" dur="indefinite" restart="never" nodeType="tmRoot"/>
+      </p:par>
+    </p:tnLst>
+  </p:timing>
+</p:sld>
+</file>
+
+<file path=ppt/slides/slide64.xml><?xml version="1.0" encoding="utf-8"?>
+<p:sld xmlns:a="http://schemas.openxmlformats.org/drawingml/2006/main" xmlns:r="http://schemas.openxmlformats.org/officeDocument/2006/relationships" xmlns:p="http://schemas.openxmlformats.org/presentationml/2006/main" show="0">
+  <p:cSld>
+    <p:spTree>
+      <p:nvGrpSpPr>
+        <p:cNvPr id="1" name=""/>
+        <p:cNvGrpSpPr/>
+        <p:nvPr/>
+      </p:nvGrpSpPr>
+      <p:grpSpPr>
+        <a:xfrm>
+          <a:off x="0" y="0"/>
+          <a:ext cx="0" cy="0"/>
+          <a:chOff x="0" y="0"/>
+          <a:chExt cx="0" cy="0"/>
+        </a:xfrm>
+      </p:grpSpPr>
+      <p:sp>
+        <p:nvSpPr>
+          <p:cNvPr id="2" name="TextBox 1"/>
+          <p:cNvSpPr txBox="1"/>
+          <p:nvPr/>
+        </p:nvSpPr>
+        <p:spPr>
+          <a:xfrm>
+            <a:off x="5822957" y="6184900"/>
+            <a:ext cx="622286" cy="369332"/>
+          </a:xfrm>
+          <a:prstGeom prst="rect">
+            <a:avLst/>
+          </a:prstGeom>
+          <a:noFill/>
+        </p:spPr>
+        <p:txBody>
+          <a:bodyPr wrap="none" rtlCol="0">
+            <a:spAutoFit/>
+          </a:bodyPr>
+          <a:lstStyle/>
+          <a:p>
+            <a:r>
+              <a:rPr lang="en-US" dirty="0" smtClean="0">
+                <a:hlinkClick r:id="rId2" action="ppaction://hlinksldjump"/>
+              </a:rPr>
+              <a:t>Back</a:t>
+            </a:r>
+            <a:endParaRPr lang="en-US" dirty="0"/>
+          </a:p>
+        </p:txBody>
+      </p:sp>
+      <p:sp>
+        <p:nvSpPr>
+          <p:cNvPr id="4" name="Title 1"/>
+          <p:cNvSpPr>
+            <a:spLocks noGrp="1"/>
+          </p:cNvSpPr>
+          <p:nvPr>
+            <p:ph type="title"/>
+          </p:nvPr>
+        </p:nvSpPr>
+        <p:spPr>
+          <a:xfrm>
+            <a:off x="838200" y="365125"/>
+            <a:ext cx="10515600" cy="574675"/>
+          </a:xfrm>
+        </p:spPr>
+        <p:txBody>
+          <a:bodyPr>
+            <a:normAutofit fontScale="90000"/>
+          </a:bodyPr>
+          <a:lstStyle/>
+          <a:p>
+            <a:pPr algn="ctr"/>
+            <a:r>
+              <a:rPr lang="en-US" dirty="0" smtClean="0"/>
+              <a:t>SysInternals Suite</a:t>
+            </a:r>
+            <a:endParaRPr lang="en-US" dirty="0"/>
+          </a:p>
+        </p:txBody>
+      </p:sp>
+      <p:graphicFrame>
+        <p:nvGraphicFramePr>
+          <p:cNvPr id="7" name="Table 6"/>
+          <p:cNvGraphicFramePr>
+            <a:graphicFrameLocks noGrp="1"/>
+          </p:cNvGraphicFramePr>
+          <p:nvPr>
+            <p:extLst>
+              <p:ext uri="{D42A27DB-BD31-4B8C-83A1-F6EECF244321}">
+                <p14:modId xmlns:p14="http://schemas.microsoft.com/office/powerpoint/2010/main" val="2661372316"/>
+              </p:ext>
+            </p:extLst>
+          </p:nvPr>
+        </p:nvGraphicFramePr>
+        <p:xfrm>
+          <a:off x="614463" y="952500"/>
+          <a:ext cx="10963073" cy="5090160"/>
+        </p:xfrm>
+        <a:graphic>
+          <a:graphicData uri="http://schemas.openxmlformats.org/drawingml/2006/table">
+            <a:tbl>
+              <a:tblPr firstRow="1" bandRow="1">
+                <a:tableStyleId>{5C22544A-7EE6-4342-B048-85BDC9FD1C3A}</a:tableStyleId>
+              </a:tblPr>
+              <a:tblGrid>
+                <a:gridCol w="1772753">
+                  <a:extLst>
+                    <a:ext uri="{9D8B030D-6E8A-4147-A177-3AD203B41FA5}">
+                      <a16:colId xmlns:a16="http://schemas.microsoft.com/office/drawing/2014/main" val="256644654"/>
+                    </a:ext>
+                  </a:extLst>
+                </a:gridCol>
+                <a:gridCol w="9190320">
+                  <a:extLst>
+                    <a:ext uri="{9D8B030D-6E8A-4147-A177-3AD203B41FA5}">
+                      <a16:colId xmlns:a16="http://schemas.microsoft.com/office/drawing/2014/main" val="2184237819"/>
+                    </a:ext>
+                  </a:extLst>
+                </a:gridCol>
+              </a:tblGrid>
+              <a:tr h="370840">
+                <a:tc>
+                  <a:txBody>
+                    <a:bodyPr/>
+                    <a:lstStyle/>
+                    <a:p>
+                      <a:r>
+                        <a:rPr lang="en-US" dirty="0" smtClean="0"/>
+                        <a:t>Name</a:t>
+                      </a:r>
+                      <a:endParaRPr lang="en-US" dirty="0"/>
+                    </a:p>
+                  </a:txBody>
+                  <a:tcPr/>
+                </a:tc>
+                <a:tc>
+                  <a:txBody>
+                    <a:bodyPr/>
+                    <a:lstStyle/>
+                    <a:p>
+                      <a:r>
+                        <a:rPr lang="en-US" dirty="0" smtClean="0"/>
+                        <a:t>Description</a:t>
+                      </a:r>
+                      <a:endParaRPr lang="en-US" dirty="0"/>
+                    </a:p>
+                  </a:txBody>
+                  <a:tcPr/>
+                </a:tc>
+                <a:extLst>
+                  <a:ext uri="{0D108BD9-81ED-4DB2-BD59-A6C34878D82A}">
+                    <a16:rowId xmlns:a16="http://schemas.microsoft.com/office/drawing/2014/main" val="1746292031"/>
+                  </a:ext>
+                </a:extLst>
+              </a:tr>
+              <a:tr h="370840">
+                <a:tc>
+                  <a:txBody>
+                    <a:bodyPr/>
+                    <a:lstStyle/>
+                    <a:p>
+                      <a:r>
+                        <a:rPr lang="en-US" dirty="0" err="1" smtClean="0"/>
+                        <a:t>Sdelete</a:t>
+                      </a:r>
+                      <a:endParaRPr lang="en-US" dirty="0"/>
+                    </a:p>
+                  </a:txBody>
+                  <a:tcPr/>
+                </a:tc>
+                <a:tc>
+                  <a:txBody>
+                    <a:bodyPr/>
+                    <a:lstStyle/>
+                    <a:p>
+                      <a:pPr marL="0" marR="0" lvl="0" indent="0" algn="l" defTabSz="914400" rtl="0" eaLnBrk="1" fontAlgn="auto" latinLnBrk="0" hangingPunct="1">
+                        <a:lnSpc>
+                          <a:spcPct val="100000"/>
+                        </a:lnSpc>
+                        <a:spcBef>
+                          <a:spcPts val="0"/>
+                        </a:spcBef>
+                        <a:spcAft>
+                          <a:spcPts val="0"/>
+                        </a:spcAft>
+                        <a:buClrTx/>
+                        <a:buSzTx/>
+                        <a:buFontTx/>
+                        <a:buNone/>
+                        <a:tabLst/>
+                        <a:defRPr/>
+                      </a:pPr>
+                      <a:r>
+                        <a:rPr lang="en-US" sz="1800" b="0" i="0" kern="1200" dirty="0" smtClean="0">
+                          <a:solidFill>
+                            <a:schemeClr val="dk1"/>
+                          </a:solidFill>
+                          <a:effectLst/>
+                          <a:latin typeface="+mn-lt"/>
+                          <a:ea typeface="+mn-ea"/>
+                          <a:cs typeface="+mn-cs"/>
+                        </a:rPr>
+                        <a:t>Securely overwrite your sensitive files and cleanse your free space of previously deleted files using this DoD-compliant secure delete program.</a:t>
+                      </a:r>
+                      <a:endParaRPr lang="en-US" dirty="0" smtClean="0"/>
+                    </a:p>
+                  </a:txBody>
+                  <a:tcPr/>
+                </a:tc>
+                <a:extLst>
+                  <a:ext uri="{0D108BD9-81ED-4DB2-BD59-A6C34878D82A}">
+                    <a16:rowId xmlns:a16="http://schemas.microsoft.com/office/drawing/2014/main" val="3229545896"/>
+                  </a:ext>
+                </a:extLst>
+              </a:tr>
+              <a:tr h="370840">
+                <a:tc>
+                  <a:txBody>
+                    <a:bodyPr/>
+                    <a:lstStyle/>
+                    <a:p>
+                      <a:r>
+                        <a:rPr lang="en-US" dirty="0" err="1" smtClean="0"/>
+                        <a:t>ShareEnum</a:t>
+                      </a:r>
+                      <a:endParaRPr lang="en-US" dirty="0"/>
+                    </a:p>
+                  </a:txBody>
+                  <a:tcPr/>
+                </a:tc>
+                <a:tc>
+                  <a:txBody>
+                    <a:bodyPr/>
+                    <a:lstStyle/>
+                    <a:p>
+                      <a:r>
+                        <a:rPr lang="en-US" sz="1800" b="0" i="0" kern="1200" dirty="0" smtClean="0">
+                          <a:solidFill>
+                            <a:schemeClr val="dk1"/>
+                          </a:solidFill>
+                          <a:effectLst/>
+                          <a:latin typeface="+mn-lt"/>
+                          <a:ea typeface="+mn-ea"/>
+                          <a:cs typeface="+mn-cs"/>
+                        </a:rPr>
+                        <a:t>Scan file shares on your network and view their security settings to close security holes.</a:t>
+                      </a:r>
+                      <a:endParaRPr lang="en-US" dirty="0"/>
+                    </a:p>
+                  </a:txBody>
+                  <a:tcPr/>
+                </a:tc>
+                <a:extLst>
+                  <a:ext uri="{0D108BD9-81ED-4DB2-BD59-A6C34878D82A}">
+                    <a16:rowId xmlns:a16="http://schemas.microsoft.com/office/drawing/2014/main" val="2630496795"/>
+                  </a:ext>
+                </a:extLst>
+              </a:tr>
+              <a:tr h="370840">
+                <a:tc>
+                  <a:txBody>
+                    <a:bodyPr/>
+                    <a:lstStyle/>
+                    <a:p>
+                      <a:r>
+                        <a:rPr lang="en-US" dirty="0" err="1" smtClean="0"/>
+                        <a:t>ShellRunas</a:t>
+                      </a:r>
+                      <a:endParaRPr lang="en-US" dirty="0"/>
+                    </a:p>
+                  </a:txBody>
+                  <a:tcPr/>
+                </a:tc>
+                <a:tc>
+                  <a:txBody>
+                    <a:bodyPr/>
+                    <a:lstStyle/>
+                    <a:p>
+                      <a:r>
+                        <a:rPr lang="en-US" sz="1800" b="0" i="0" kern="1200" dirty="0" smtClean="0">
+                          <a:solidFill>
+                            <a:schemeClr val="dk1"/>
+                          </a:solidFill>
+                          <a:effectLst/>
+                          <a:latin typeface="+mn-lt"/>
+                          <a:ea typeface="+mn-ea"/>
+                          <a:cs typeface="+mn-cs"/>
+                        </a:rPr>
+                        <a:t>Launch programs as a different user via a convenient shell context-menu entry.</a:t>
+                      </a:r>
+                      <a:endParaRPr lang="en-US" dirty="0"/>
+                    </a:p>
+                  </a:txBody>
+                  <a:tcPr/>
+                </a:tc>
+                <a:extLst>
+                  <a:ext uri="{0D108BD9-81ED-4DB2-BD59-A6C34878D82A}">
+                    <a16:rowId xmlns:a16="http://schemas.microsoft.com/office/drawing/2014/main" val="763283893"/>
+                  </a:ext>
+                </a:extLst>
+              </a:tr>
+              <a:tr h="370840">
+                <a:tc>
+                  <a:txBody>
+                    <a:bodyPr/>
+                    <a:lstStyle/>
+                    <a:p>
+                      <a:r>
+                        <a:rPr lang="en-US" dirty="0" err="1" smtClean="0"/>
+                        <a:t>Sigcheck</a:t>
+                      </a:r>
+                      <a:endParaRPr lang="en-US" dirty="0"/>
+                    </a:p>
+                  </a:txBody>
+                  <a:tcPr/>
+                </a:tc>
+                <a:tc>
+                  <a:txBody>
+                    <a:bodyPr/>
+                    <a:lstStyle/>
+                    <a:p>
+                      <a:r>
+                        <a:rPr lang="en-US" sz="1800" b="0" i="0" kern="1200" dirty="0" smtClean="0">
+                          <a:solidFill>
+                            <a:schemeClr val="dk1"/>
+                          </a:solidFill>
+                          <a:effectLst/>
+                          <a:latin typeface="+mn-lt"/>
+                          <a:ea typeface="+mn-ea"/>
+                          <a:cs typeface="+mn-cs"/>
+                        </a:rPr>
+                        <a:t>Dump file version information and verify that images on your system are digitally signed.</a:t>
+                      </a:r>
+                      <a:endParaRPr lang="en-US" dirty="0"/>
+                    </a:p>
+                  </a:txBody>
+                  <a:tcPr/>
+                </a:tc>
+                <a:extLst>
+                  <a:ext uri="{0D108BD9-81ED-4DB2-BD59-A6C34878D82A}">
+                    <a16:rowId xmlns:a16="http://schemas.microsoft.com/office/drawing/2014/main" val="1965357956"/>
+                  </a:ext>
+                </a:extLst>
+              </a:tr>
+              <a:tr h="370840">
+                <a:tc>
+                  <a:txBody>
+                    <a:bodyPr/>
+                    <a:lstStyle/>
+                    <a:p>
+                      <a:r>
+                        <a:rPr lang="en-US" dirty="0" smtClean="0"/>
+                        <a:t>Streams</a:t>
+                      </a:r>
+                      <a:endParaRPr lang="en-US" dirty="0"/>
+                    </a:p>
+                  </a:txBody>
+                  <a:tcPr/>
+                </a:tc>
+                <a:tc>
+                  <a:txBody>
+                    <a:bodyPr/>
+                    <a:lstStyle/>
+                    <a:p>
+                      <a:r>
+                        <a:rPr lang="en-US" sz="1800" b="0" i="0" kern="1200" dirty="0" smtClean="0">
+                          <a:solidFill>
+                            <a:schemeClr val="dk1"/>
+                          </a:solidFill>
+                          <a:effectLst/>
+                          <a:latin typeface="+mn-lt"/>
+                          <a:ea typeface="+mn-ea"/>
+                          <a:cs typeface="+mn-cs"/>
+                        </a:rPr>
+                        <a:t>Reveal NTFS alternate streams.</a:t>
+                      </a:r>
+                      <a:endParaRPr lang="en-US" dirty="0"/>
+                    </a:p>
+                  </a:txBody>
+                  <a:tcPr/>
+                </a:tc>
+                <a:extLst>
+                  <a:ext uri="{0D108BD9-81ED-4DB2-BD59-A6C34878D82A}">
+                    <a16:rowId xmlns:a16="http://schemas.microsoft.com/office/drawing/2014/main" val="3016459118"/>
+                  </a:ext>
+                </a:extLst>
+              </a:tr>
+              <a:tr h="370840">
+                <a:tc>
+                  <a:txBody>
+                    <a:bodyPr/>
+                    <a:lstStyle/>
+                    <a:p>
+                      <a:r>
+                        <a:rPr lang="en-US" dirty="0" smtClean="0"/>
+                        <a:t>Strings</a:t>
+                      </a:r>
+                      <a:endParaRPr lang="en-US" dirty="0"/>
+                    </a:p>
+                  </a:txBody>
+                  <a:tcPr/>
+                </a:tc>
+                <a:tc>
+                  <a:txBody>
+                    <a:bodyPr/>
+                    <a:lstStyle/>
+                    <a:p>
+                      <a:r>
+                        <a:rPr lang="en-US" sz="1800" b="0" i="0" kern="1200" dirty="0" smtClean="0">
+                          <a:solidFill>
+                            <a:schemeClr val="dk1"/>
+                          </a:solidFill>
+                          <a:effectLst/>
+                          <a:latin typeface="+mn-lt"/>
+                          <a:ea typeface="+mn-ea"/>
+                          <a:cs typeface="+mn-cs"/>
+                        </a:rPr>
+                        <a:t>Search for ANSI and UNICODE strings in binary images.</a:t>
+                      </a:r>
+                      <a:endParaRPr lang="en-US" dirty="0"/>
+                    </a:p>
+                  </a:txBody>
+                  <a:tcPr/>
+                </a:tc>
+                <a:extLst>
+                  <a:ext uri="{0D108BD9-81ED-4DB2-BD59-A6C34878D82A}">
+                    <a16:rowId xmlns:a16="http://schemas.microsoft.com/office/drawing/2014/main" val="2856086234"/>
+                  </a:ext>
+                </a:extLst>
+              </a:tr>
+              <a:tr h="370840">
+                <a:tc>
+                  <a:txBody>
+                    <a:bodyPr/>
+                    <a:lstStyle/>
+                    <a:p>
+                      <a:r>
+                        <a:rPr lang="en-US" dirty="0" smtClean="0"/>
+                        <a:t>Sync</a:t>
+                      </a:r>
+                      <a:endParaRPr lang="en-US" dirty="0"/>
+                    </a:p>
+                  </a:txBody>
+                  <a:tcPr/>
+                </a:tc>
+                <a:tc>
+                  <a:txBody>
+                    <a:bodyPr/>
+                    <a:lstStyle/>
+                    <a:p>
+                      <a:r>
+                        <a:rPr lang="en-US" sz="1800" b="0" i="0" kern="1200" dirty="0" smtClean="0">
+                          <a:solidFill>
+                            <a:schemeClr val="dk1"/>
+                          </a:solidFill>
+                          <a:effectLst/>
+                          <a:latin typeface="+mn-lt"/>
+                          <a:ea typeface="+mn-ea"/>
+                          <a:cs typeface="+mn-cs"/>
+                        </a:rPr>
+                        <a:t>Flush cached data to disk.</a:t>
+                      </a:r>
+                      <a:endParaRPr lang="en-US" dirty="0"/>
+                    </a:p>
+                  </a:txBody>
+                  <a:tcPr/>
+                </a:tc>
+                <a:extLst>
+                  <a:ext uri="{0D108BD9-81ED-4DB2-BD59-A6C34878D82A}">
+                    <a16:rowId xmlns:a16="http://schemas.microsoft.com/office/drawing/2014/main" val="3376284509"/>
+                  </a:ext>
+                </a:extLst>
+              </a:tr>
+              <a:tr h="370840">
+                <a:tc>
+                  <a:txBody>
+                    <a:bodyPr/>
+                    <a:lstStyle/>
+                    <a:p>
+                      <a:r>
+                        <a:rPr lang="en-US" dirty="0" err="1" smtClean="0"/>
+                        <a:t>Sysmon</a:t>
+                      </a:r>
+                      <a:endParaRPr lang="en-US" dirty="0"/>
+                    </a:p>
+                  </a:txBody>
+                  <a:tcPr/>
+                </a:tc>
+                <a:tc>
+                  <a:txBody>
+                    <a:bodyPr/>
+                    <a:lstStyle/>
+                    <a:p>
+                      <a:r>
+                        <a:rPr lang="en-US" sz="1800" b="0" i="0" kern="1200" dirty="0" smtClean="0">
+                          <a:solidFill>
+                            <a:schemeClr val="dk1"/>
+                          </a:solidFill>
+                          <a:effectLst/>
+                          <a:latin typeface="+mn-lt"/>
+                          <a:ea typeface="+mn-ea"/>
+                          <a:cs typeface="+mn-cs"/>
+                        </a:rPr>
+                        <a:t>Monitors and reports key system activity via the Windows event log</a:t>
+                      </a:r>
+                      <a:endParaRPr lang="en-US" dirty="0"/>
+                    </a:p>
+                  </a:txBody>
+                  <a:tcPr/>
+                </a:tc>
+                <a:extLst>
+                  <a:ext uri="{0D108BD9-81ED-4DB2-BD59-A6C34878D82A}">
+                    <a16:rowId xmlns:a16="http://schemas.microsoft.com/office/drawing/2014/main" val="1824988506"/>
+                  </a:ext>
+                </a:extLst>
+              </a:tr>
+              <a:tr h="370840">
+                <a:tc>
+                  <a:txBody>
+                    <a:bodyPr/>
+                    <a:lstStyle/>
+                    <a:p>
+                      <a:r>
+                        <a:rPr lang="en-US" dirty="0" err="1" smtClean="0"/>
+                        <a:t>TCPView</a:t>
+                      </a:r>
+                      <a:endParaRPr lang="en-US" dirty="0"/>
+                    </a:p>
+                  </a:txBody>
+                  <a:tcPr/>
+                </a:tc>
+                <a:tc>
+                  <a:txBody>
+                    <a:bodyPr/>
+                    <a:lstStyle/>
+                    <a:p>
+                      <a:r>
+                        <a:rPr lang="en-US" sz="1800" b="0" i="0" kern="1200" dirty="0" smtClean="0">
+                          <a:solidFill>
+                            <a:schemeClr val="dk1"/>
+                          </a:solidFill>
+                          <a:effectLst/>
+                          <a:latin typeface="+mn-lt"/>
+                          <a:ea typeface="+mn-ea"/>
+                          <a:cs typeface="+mn-cs"/>
+                        </a:rPr>
+                        <a:t>Active socket command-line viewer.</a:t>
+                      </a:r>
+                      <a:endParaRPr lang="en-US" dirty="0"/>
+                    </a:p>
+                  </a:txBody>
+                  <a:tcPr/>
+                </a:tc>
+                <a:extLst>
+                  <a:ext uri="{0D108BD9-81ED-4DB2-BD59-A6C34878D82A}">
+                    <a16:rowId xmlns:a16="http://schemas.microsoft.com/office/drawing/2014/main" val="1342065901"/>
+                  </a:ext>
+                </a:extLst>
+              </a:tr>
+              <a:tr h="370840">
+                <a:tc>
+                  <a:txBody>
+                    <a:bodyPr/>
+                    <a:lstStyle/>
+                    <a:p>
+                      <a:r>
+                        <a:rPr lang="en-US" sz="1800" b="0" i="0" kern="1200" dirty="0" err="1" smtClean="0">
+                          <a:solidFill>
+                            <a:schemeClr val="dk1"/>
+                          </a:solidFill>
+                          <a:effectLst/>
+                          <a:latin typeface="+mn-lt"/>
+                          <a:ea typeface="+mn-ea"/>
+                          <a:cs typeface="+mn-cs"/>
+                        </a:rPr>
+                        <a:t>VMMap</a:t>
+                      </a:r>
+                      <a:endParaRPr lang="en-US" dirty="0"/>
+                    </a:p>
+                  </a:txBody>
+                  <a:tcPr/>
+                </a:tc>
+                <a:tc>
+                  <a:txBody>
+                    <a:bodyPr/>
+                    <a:lstStyle/>
+                    <a:p>
+                      <a:r>
+                        <a:rPr lang="en-US" sz="1800" b="0" i="0" kern="1200" dirty="0" err="1" smtClean="0">
+                          <a:solidFill>
+                            <a:schemeClr val="dk1"/>
+                          </a:solidFill>
+                          <a:effectLst/>
+                          <a:latin typeface="+mn-lt"/>
+                          <a:ea typeface="+mn-ea"/>
+                          <a:cs typeface="+mn-cs"/>
+                        </a:rPr>
+                        <a:t>VMMap</a:t>
+                      </a:r>
+                      <a:r>
+                        <a:rPr lang="en-US" sz="1800" b="0" i="0" kern="1200" dirty="0" smtClean="0">
+                          <a:solidFill>
+                            <a:schemeClr val="dk1"/>
+                          </a:solidFill>
+                          <a:effectLst/>
+                          <a:latin typeface="+mn-lt"/>
+                          <a:ea typeface="+mn-ea"/>
+                          <a:cs typeface="+mn-cs"/>
+                        </a:rPr>
+                        <a:t> is a process virtual and physical memory analysis utility.</a:t>
+                      </a:r>
+                      <a:endParaRPr lang="en-US" dirty="0"/>
+                    </a:p>
+                  </a:txBody>
+                  <a:tcPr/>
+                </a:tc>
+                <a:extLst>
+                  <a:ext uri="{0D108BD9-81ED-4DB2-BD59-A6C34878D82A}">
+                    <a16:rowId xmlns:a16="http://schemas.microsoft.com/office/drawing/2014/main" val="316585291"/>
+                  </a:ext>
+                </a:extLst>
+              </a:tr>
+              <a:tr h="370840">
+                <a:tc>
+                  <a:txBody>
+                    <a:bodyPr/>
+                    <a:lstStyle/>
+                    <a:p>
+                      <a:r>
+                        <a:rPr lang="en-US" sz="1800" b="0" i="0" kern="1200" dirty="0" err="1" smtClean="0">
+                          <a:solidFill>
+                            <a:schemeClr val="dk1"/>
+                          </a:solidFill>
+                          <a:effectLst/>
+                          <a:latin typeface="+mn-lt"/>
+                          <a:ea typeface="+mn-ea"/>
+                          <a:cs typeface="+mn-cs"/>
+                        </a:rPr>
+                        <a:t>VolumeId</a:t>
+                      </a:r>
+                      <a:endParaRPr lang="en-US" dirty="0"/>
+                    </a:p>
+                  </a:txBody>
+                  <a:tcPr/>
+                </a:tc>
+                <a:tc>
+                  <a:txBody>
+                    <a:bodyPr/>
+                    <a:lstStyle/>
+                    <a:p>
+                      <a:r>
+                        <a:rPr lang="en-US" sz="1800" b="0" i="0" kern="1200" dirty="0" smtClean="0">
+                          <a:solidFill>
+                            <a:schemeClr val="dk1"/>
+                          </a:solidFill>
+                          <a:effectLst/>
+                          <a:latin typeface="+mn-lt"/>
+                          <a:ea typeface="+mn-ea"/>
+                          <a:cs typeface="+mn-cs"/>
+                        </a:rPr>
+                        <a:t>Set Volume ID of FAT or NTFS drives.</a:t>
+                      </a:r>
+                      <a:endParaRPr lang="en-US" dirty="0"/>
+                    </a:p>
+                  </a:txBody>
+                  <a:tcPr/>
+                </a:tc>
+                <a:extLst>
+                  <a:ext uri="{0D108BD9-81ED-4DB2-BD59-A6C34878D82A}">
+                    <a16:rowId xmlns:a16="http://schemas.microsoft.com/office/drawing/2014/main" val="1807747104"/>
+                  </a:ext>
+                </a:extLst>
+              </a:tr>
+              <a:tr h="370840">
+                <a:tc>
+                  <a:txBody>
+                    <a:bodyPr/>
+                    <a:lstStyle/>
+                    <a:p>
+                      <a:r>
+                        <a:rPr lang="en-US" dirty="0" err="1" smtClean="0"/>
+                        <a:t>Whois</a:t>
+                      </a:r>
+                      <a:endParaRPr lang="en-US" dirty="0"/>
+                    </a:p>
+                  </a:txBody>
+                  <a:tcPr/>
+                </a:tc>
+                <a:tc>
+                  <a:txBody>
+                    <a:bodyPr/>
+                    <a:lstStyle/>
+                    <a:p>
+                      <a:r>
+                        <a:rPr lang="en-US" sz="1800" b="0" i="0" kern="1200" dirty="0" smtClean="0">
+                          <a:solidFill>
+                            <a:schemeClr val="dk1"/>
+                          </a:solidFill>
+                          <a:effectLst/>
+                          <a:latin typeface="+mn-lt"/>
+                          <a:ea typeface="+mn-ea"/>
+                          <a:cs typeface="+mn-cs"/>
+                        </a:rPr>
+                        <a:t>See who owns an Internet address.</a:t>
+                      </a:r>
+                      <a:endParaRPr lang="en-US" dirty="0"/>
+                    </a:p>
+                  </a:txBody>
+                  <a:tcPr/>
+                </a:tc>
+                <a:extLst>
+                  <a:ext uri="{0D108BD9-81ED-4DB2-BD59-A6C34878D82A}">
+                    <a16:rowId xmlns:a16="http://schemas.microsoft.com/office/drawing/2014/main" val="2729865717"/>
+                  </a:ext>
+                </a:extLst>
+              </a:tr>
+            </a:tbl>
+          </a:graphicData>
+        </a:graphic>
+      </p:graphicFrame>
+    </p:spTree>
+    <p:extLst>
+      <p:ext uri="{BB962C8B-B14F-4D97-AF65-F5344CB8AC3E}">
+        <p14:creationId xmlns:p14="http://schemas.microsoft.com/office/powerpoint/2010/main" val="520656726"/>
+      </p:ext>
+    </p:extLst>
+  </p:cSld>
+  <p:clrMapOvr>
+    <a:masterClrMapping/>
+  </p:clrMapOvr>
+  <mc:AlternateContent xmlns:mc="http://schemas.openxmlformats.org/markup-compatibility/2006" xmlns:p14="http://schemas.microsoft.com/office/powerpoint/2010/main">
+    <mc:Choice Requires="p14">
+      <p:transition spd="slow" p14:dur="1500" advClick="0">
+        <p:split orient="vert"/>
+      </p:transition>
+    </mc:Choice>
+    <mc:Fallback xmlns="">
+      <p:transition spd="slow" advClick="0">
+        <p:split orient="vert"/>
+      </p:transition>
+    </mc:Fallback>
+  </mc:AlternateContent>
+  <p:timing>
+    <p:tnLst>
+      <p:par>
+        <p:cTn id="1" dur="indefinite" restart="never" nodeType="tmRoot"/>
+      </p:par>
+    </p:tnLst>
+  </p:timing>
+</p:sld>
+</file>
+
+<file path=ppt/slides/slide65.xml><?xml version="1.0" encoding="utf-8"?>
+<p:sld xmlns:a="http://schemas.openxmlformats.org/drawingml/2006/main" xmlns:r="http://schemas.openxmlformats.org/officeDocument/2006/relationships" xmlns:p="http://schemas.openxmlformats.org/presentationml/2006/main" show="0">
+  <p:cSld>
+    <p:spTree>
+      <p:nvGrpSpPr>
+        <p:cNvPr id="1" name=""/>
+        <p:cNvGrpSpPr/>
+        <p:nvPr/>
+      </p:nvGrpSpPr>
+      <p:grpSpPr>
+        <a:xfrm>
+          <a:off x="0" y="0"/>
+          <a:ext cx="0" cy="0"/>
+          <a:chOff x="0" y="0"/>
+          <a:chExt cx="0" cy="0"/>
+        </a:xfrm>
+      </p:grpSpPr>
+      <p:sp>
+        <p:nvSpPr>
+          <p:cNvPr id="2" name="TextBox 1"/>
+          <p:cNvSpPr txBox="1"/>
+          <p:nvPr/>
+        </p:nvSpPr>
+        <p:spPr>
+          <a:xfrm>
+            <a:off x="5822957" y="6184900"/>
+            <a:ext cx="622286" cy="369332"/>
+          </a:xfrm>
+          <a:prstGeom prst="rect">
+            <a:avLst/>
+          </a:prstGeom>
+          <a:noFill/>
+        </p:spPr>
+        <p:txBody>
+          <a:bodyPr wrap="none" rtlCol="0">
+            <a:spAutoFit/>
+          </a:bodyPr>
+          <a:lstStyle/>
+          <a:p>
+            <a:r>
+              <a:rPr lang="en-US" dirty="0" smtClean="0">
+                <a:hlinkClick r:id="rId2" action="ppaction://hlinksldjump"/>
+              </a:rPr>
+              <a:t>Back</a:t>
+            </a:r>
+            <a:endParaRPr lang="en-US" dirty="0"/>
+          </a:p>
+        </p:txBody>
+      </p:sp>
+      <p:sp>
+        <p:nvSpPr>
+          <p:cNvPr id="4" name="Title 1"/>
+          <p:cNvSpPr>
+            <a:spLocks noGrp="1"/>
+          </p:cNvSpPr>
+          <p:nvPr>
+            <p:ph type="title"/>
+          </p:nvPr>
+        </p:nvSpPr>
+        <p:spPr>
+          <a:xfrm>
+            <a:off x="838200" y="365125"/>
+            <a:ext cx="10515600" cy="574675"/>
+          </a:xfrm>
+        </p:spPr>
+        <p:txBody>
+          <a:bodyPr>
+            <a:normAutofit fontScale="90000"/>
+          </a:bodyPr>
+          <a:lstStyle/>
+          <a:p>
+            <a:pPr algn="ctr"/>
+            <a:r>
+              <a:rPr lang="en-US" dirty="0" smtClean="0"/>
+              <a:t>SysInternals Suite</a:t>
+            </a:r>
+            <a:endParaRPr lang="en-US" dirty="0"/>
+          </a:p>
+        </p:txBody>
+      </p:sp>
+      <p:graphicFrame>
+        <p:nvGraphicFramePr>
+          <p:cNvPr id="7" name="Table 6"/>
+          <p:cNvGraphicFramePr>
+            <a:graphicFrameLocks noGrp="1"/>
+          </p:cNvGraphicFramePr>
+          <p:nvPr>
+            <p:extLst>
+              <p:ext uri="{D42A27DB-BD31-4B8C-83A1-F6EECF244321}">
+                <p14:modId xmlns:p14="http://schemas.microsoft.com/office/powerpoint/2010/main" val="2472760460"/>
+              </p:ext>
+            </p:extLst>
+          </p:nvPr>
+        </p:nvGraphicFramePr>
+        <p:xfrm>
+          <a:off x="614463" y="952500"/>
+          <a:ext cx="10963073" cy="1112520"/>
+        </p:xfrm>
+        <a:graphic>
+          <a:graphicData uri="http://schemas.openxmlformats.org/drawingml/2006/table">
+            <a:tbl>
+              <a:tblPr firstRow="1" bandRow="1">
+                <a:tableStyleId>{5C22544A-7EE6-4342-B048-85BDC9FD1C3A}</a:tableStyleId>
+              </a:tblPr>
+              <a:tblGrid>
+                <a:gridCol w="1772753">
+                  <a:extLst>
+                    <a:ext uri="{9D8B030D-6E8A-4147-A177-3AD203B41FA5}">
+                      <a16:colId xmlns:a16="http://schemas.microsoft.com/office/drawing/2014/main" val="256644654"/>
+                    </a:ext>
+                  </a:extLst>
+                </a:gridCol>
+                <a:gridCol w="9190320">
+                  <a:extLst>
+                    <a:ext uri="{9D8B030D-6E8A-4147-A177-3AD203B41FA5}">
+                      <a16:colId xmlns:a16="http://schemas.microsoft.com/office/drawing/2014/main" val="2184237819"/>
+                    </a:ext>
+                  </a:extLst>
+                </a:gridCol>
+              </a:tblGrid>
+              <a:tr h="370840">
+                <a:tc>
+                  <a:txBody>
+                    <a:bodyPr/>
+                    <a:lstStyle/>
+                    <a:p>
+                      <a:r>
+                        <a:rPr lang="en-US" dirty="0" smtClean="0"/>
+                        <a:t>Name</a:t>
+                      </a:r>
+                      <a:endParaRPr lang="en-US" dirty="0"/>
+                    </a:p>
+                  </a:txBody>
+                  <a:tcPr/>
+                </a:tc>
+                <a:tc>
+                  <a:txBody>
+                    <a:bodyPr/>
+                    <a:lstStyle/>
+                    <a:p>
+                      <a:endParaRPr lang="en-US" dirty="0"/>
+                    </a:p>
+                  </a:txBody>
+                  <a:tcPr/>
+                </a:tc>
+                <a:extLst>
+                  <a:ext uri="{0D108BD9-81ED-4DB2-BD59-A6C34878D82A}">
+                    <a16:rowId xmlns:a16="http://schemas.microsoft.com/office/drawing/2014/main" val="1746292031"/>
+                  </a:ext>
+                </a:extLst>
+              </a:tr>
+              <a:tr h="370840">
+                <a:tc>
+                  <a:txBody>
+                    <a:bodyPr/>
+                    <a:lstStyle/>
+                    <a:p>
+                      <a:r>
+                        <a:rPr lang="en-US" dirty="0" err="1" smtClean="0"/>
+                        <a:t>WinObj</a:t>
+                      </a:r>
+                      <a:endParaRPr lang="en-US" dirty="0"/>
+                    </a:p>
+                  </a:txBody>
+                  <a:tcPr/>
+                </a:tc>
+                <a:tc>
+                  <a:txBody>
+                    <a:bodyPr/>
+                    <a:lstStyle/>
+                    <a:p>
+                      <a:pPr marL="0" marR="0" lvl="0" indent="0" algn="l" defTabSz="914400" rtl="0" eaLnBrk="1" fontAlgn="auto" latinLnBrk="0" hangingPunct="1">
+                        <a:lnSpc>
+                          <a:spcPct val="100000"/>
+                        </a:lnSpc>
+                        <a:spcBef>
+                          <a:spcPts val="0"/>
+                        </a:spcBef>
+                        <a:spcAft>
+                          <a:spcPts val="0"/>
+                        </a:spcAft>
+                        <a:buClrTx/>
+                        <a:buSzTx/>
+                        <a:buFontTx/>
+                        <a:buNone/>
+                        <a:tabLst/>
+                        <a:defRPr/>
+                      </a:pPr>
+                      <a:r>
+                        <a:rPr lang="en-US" sz="1800" b="0" i="0" kern="1200" dirty="0" smtClean="0">
+                          <a:solidFill>
+                            <a:schemeClr val="dk1"/>
+                          </a:solidFill>
+                          <a:effectLst/>
+                          <a:latin typeface="+mn-lt"/>
+                          <a:ea typeface="+mn-ea"/>
+                          <a:cs typeface="+mn-cs"/>
+                        </a:rPr>
+                        <a:t>The ultimate Object Manager namespace viewer is here.</a:t>
+                      </a:r>
+                      <a:endParaRPr lang="en-US" dirty="0" smtClean="0"/>
+                    </a:p>
+                  </a:txBody>
+                  <a:tcPr/>
+                </a:tc>
+                <a:extLst>
+                  <a:ext uri="{0D108BD9-81ED-4DB2-BD59-A6C34878D82A}">
+                    <a16:rowId xmlns:a16="http://schemas.microsoft.com/office/drawing/2014/main" val="3229545896"/>
+                  </a:ext>
+                </a:extLst>
+              </a:tr>
+              <a:tr h="370840">
+                <a:tc>
+                  <a:txBody>
+                    <a:bodyPr/>
+                    <a:lstStyle/>
+                    <a:p>
+                      <a:r>
+                        <a:rPr lang="en-US" dirty="0" err="1" smtClean="0"/>
+                        <a:t>ZoomIt</a:t>
+                      </a:r>
+                      <a:endParaRPr lang="en-US" dirty="0"/>
+                    </a:p>
+                  </a:txBody>
+                  <a:tcPr/>
+                </a:tc>
+                <a:tc>
+                  <a:txBody>
+                    <a:bodyPr/>
+                    <a:lstStyle/>
+                    <a:p>
+                      <a:r>
+                        <a:rPr lang="en-US" sz="1800" b="0" i="0" kern="1200" dirty="0" smtClean="0">
+                          <a:solidFill>
+                            <a:schemeClr val="dk1"/>
+                          </a:solidFill>
+                          <a:effectLst/>
+                          <a:latin typeface="+mn-lt"/>
+                          <a:ea typeface="+mn-ea"/>
+                          <a:cs typeface="+mn-cs"/>
+                        </a:rPr>
+                        <a:t>Presentation utility for zooming and drawing on the screen.</a:t>
+                      </a:r>
+                      <a:endParaRPr lang="en-US" dirty="0"/>
+                    </a:p>
+                  </a:txBody>
+                  <a:tcPr/>
+                </a:tc>
+                <a:extLst>
+                  <a:ext uri="{0D108BD9-81ED-4DB2-BD59-A6C34878D82A}">
+                    <a16:rowId xmlns:a16="http://schemas.microsoft.com/office/drawing/2014/main" val="2630496795"/>
+                  </a:ext>
+                </a:extLst>
+              </a:tr>
+            </a:tbl>
+          </a:graphicData>
+        </a:graphic>
+      </p:graphicFrame>
+    </p:spTree>
+    <p:extLst>
+      <p:ext uri="{BB962C8B-B14F-4D97-AF65-F5344CB8AC3E}">
+        <p14:creationId xmlns:p14="http://schemas.microsoft.com/office/powerpoint/2010/main" val="1461128375"/>
+      </p:ext>
+    </p:extLst>
+  </p:cSld>
+  <p:clrMapOvr>
+    <a:masterClrMapping/>
+  </p:clrMapOvr>
+  <mc:AlternateContent xmlns:mc="http://schemas.openxmlformats.org/markup-compatibility/2006" xmlns:p14="http://schemas.microsoft.com/office/powerpoint/2010/main">
+    <mc:Choice Requires="p14">
+      <p:transition spd="slow" p14:dur="1500" advClick="0">
+        <p:split orient="vert"/>
+      </p:transition>
+    </mc:Choice>
+    <mc:Fallback xmlns="">
+      <p:transition spd="slow" advClick="0">
+        <p:split orient="vert"/>
+      </p:transition>
+    </mc:Fallback>
+  </mc:AlternateContent>
+  <p:timing>
+    <p:tnLst>
+      <p:par>
+        <p:cTn id="1" dur="indefinite" restart="never" nodeType="tmRoot"/>
+      </p:par>
+    </p:tnLst>
+  </p:timing>
+</p:sld>
+</file>
+
+<file path=ppt/slides/slide66.xml><?xml version="1.0" encoding="utf-8"?>
+<p:sld xmlns:a="http://schemas.openxmlformats.org/drawingml/2006/main" xmlns:r="http://schemas.openxmlformats.org/officeDocument/2006/relationships" xmlns:p="http://schemas.openxmlformats.org/presentationml/2006/main" show="0">
+  <p:cSld>
+    <p:spTree>
+      <p:nvGrpSpPr>
+        <p:cNvPr id="1" name=""/>
+        <p:cNvGrpSpPr/>
+        <p:nvPr/>
+      </p:nvGrpSpPr>
+      <p:grpSpPr>
+        <a:xfrm>
+          <a:off x="0" y="0"/>
+          <a:ext cx="0" cy="0"/>
+          <a:chOff x="0" y="0"/>
+          <a:chExt cx="0" cy="0"/>
+        </a:xfrm>
+      </p:grpSpPr>
+      <p:sp>
+        <p:nvSpPr>
+          <p:cNvPr id="2" name="TextBox 1"/>
+          <p:cNvSpPr txBox="1"/>
+          <p:nvPr/>
+        </p:nvSpPr>
+        <p:spPr>
+          <a:xfrm>
+            <a:off x="5822957" y="6184900"/>
+            <a:ext cx="622286" cy="369332"/>
+          </a:xfrm>
+          <a:prstGeom prst="rect">
+            <a:avLst/>
+          </a:prstGeom>
+          <a:noFill/>
+        </p:spPr>
+        <p:txBody>
+          <a:bodyPr wrap="none" rtlCol="0">
+            <a:spAutoFit/>
+          </a:bodyPr>
+          <a:lstStyle/>
+          <a:p>
+            <a:r>
+              <a:rPr lang="en-US" dirty="0" smtClean="0">
+                <a:hlinkClick r:id="rId2" action="ppaction://hlinksldjump"/>
+              </a:rPr>
+              <a:t>Back</a:t>
+            </a:r>
+            <a:endParaRPr lang="en-US" dirty="0"/>
+          </a:p>
+        </p:txBody>
+      </p:sp>
+      <p:sp>
+        <p:nvSpPr>
+          <p:cNvPr id="4" name="Title 1"/>
+          <p:cNvSpPr>
+            <a:spLocks noGrp="1"/>
+          </p:cNvSpPr>
+          <p:nvPr>
+            <p:ph type="title"/>
+          </p:nvPr>
+        </p:nvSpPr>
+        <p:spPr>
+          <a:xfrm>
+            <a:off x="838200" y="365125"/>
+            <a:ext cx="10515600" cy="574675"/>
+          </a:xfrm>
+        </p:spPr>
+        <p:txBody>
+          <a:bodyPr>
+            <a:normAutofit fontScale="90000"/>
+          </a:bodyPr>
+          <a:lstStyle/>
+          <a:p>
+            <a:pPr algn="ctr"/>
+            <a:r>
+              <a:rPr lang="en-US" dirty="0" smtClean="0"/>
+              <a:t>SysInternals Suite</a:t>
+            </a:r>
+            <a:endParaRPr lang="en-US" dirty="0"/>
+          </a:p>
+        </p:txBody>
+      </p:sp>
+      <p:pic>
+        <p:nvPicPr>
+          <p:cNvPr id="3" name="Picture 2"/>
+          <p:cNvPicPr>
+            <a:picLocks noChangeAspect="1"/>
+          </p:cNvPicPr>
+          <p:nvPr/>
+        </p:nvPicPr>
+        <p:blipFill>
+          <a:blip r:embed="rId3">
+            <a:extLst>
+              <a:ext uri="{28A0092B-C50C-407E-A947-70E740481C1C}">
+                <a14:useLocalDpi xmlns:a14="http://schemas.microsoft.com/office/drawing/2010/main" val="0"/>
+              </a:ext>
+            </a:extLst>
+          </a:blip>
+          <a:stretch>
+            <a:fillRect/>
+          </a:stretch>
+        </p:blipFill>
+        <p:spPr>
+          <a:xfrm>
+            <a:off x="3948314" y="939800"/>
+            <a:ext cx="4295373" cy="5240355"/>
+          </a:xfrm>
+          <a:prstGeom prst="rect">
+            <a:avLst/>
+          </a:prstGeom>
+        </p:spPr>
+      </p:pic>
+    </p:spTree>
+    <p:extLst>
+      <p:ext uri="{BB962C8B-B14F-4D97-AF65-F5344CB8AC3E}">
+        <p14:creationId xmlns:p14="http://schemas.microsoft.com/office/powerpoint/2010/main" val="1604494642"/>
+      </p:ext>
+    </p:extLst>
+  </p:cSld>
+  <p:clrMapOvr>
+    <a:masterClrMapping/>
+  </p:clrMapOvr>
+  <mc:AlternateContent xmlns:mc="http://schemas.openxmlformats.org/markup-compatibility/2006" xmlns:p14="http://schemas.microsoft.com/office/powerpoint/2010/main">
+    <mc:Choice Requires="p14">
+      <p:transition spd="slow" p14:dur="1500" advClick="0">
+        <p:split orient="vert"/>
+      </p:transition>
+    </mc:Choice>
+    <mc:Fallback xmlns="">
+      <p:transition spd="slow" advClick="0">
+        <p:split orient="vert"/>
+      </p:transition>
+    </mc:Fallback>
+  </mc:AlternateContent>
+  <p:timing>
+    <p:tnLst>
+      <p:par>
+        <p:cTn id="1" dur="indefinite" restart="never" nodeType="tmRoot"/>
+      </p:par>
+    </p:tnLst>
+  </p:timing>
+</p:sld>
+</file>
+
+<file path=ppt/slides/slide67.xml><?xml version="1.0" encoding="utf-8"?>
+<p:sld xmlns:a="http://schemas.openxmlformats.org/drawingml/2006/main" xmlns:r="http://schemas.openxmlformats.org/officeDocument/2006/relationships" xmlns:p="http://schemas.openxmlformats.org/presentationml/2006/main" show="0">
+  <p:cSld>
+    <p:spTree>
+      <p:nvGrpSpPr>
+        <p:cNvPr id="1" name=""/>
+        <p:cNvGrpSpPr/>
+        <p:nvPr/>
+      </p:nvGrpSpPr>
+      <p:grpSpPr>
+        <a:xfrm>
+          <a:off x="0" y="0"/>
+          <a:ext cx="0" cy="0"/>
+          <a:chOff x="0" y="0"/>
+          <a:chExt cx="0" cy="0"/>
+        </a:xfrm>
+      </p:grpSpPr>
+      <p:sp>
+        <p:nvSpPr>
+          <p:cNvPr id="2" name="TextBox 1"/>
+          <p:cNvSpPr txBox="1"/>
+          <p:nvPr/>
+        </p:nvSpPr>
+        <p:spPr>
+          <a:xfrm>
+            <a:off x="5822957" y="6184900"/>
+            <a:ext cx="622286" cy="369332"/>
+          </a:xfrm>
+          <a:prstGeom prst="rect">
+            <a:avLst/>
+          </a:prstGeom>
+          <a:noFill/>
+        </p:spPr>
+        <p:txBody>
+          <a:bodyPr wrap="none" rtlCol="0">
+            <a:spAutoFit/>
+          </a:bodyPr>
+          <a:lstStyle/>
+          <a:p>
+            <a:r>
+              <a:rPr lang="en-US" dirty="0" smtClean="0">
+                <a:hlinkClick r:id="rId2" action="ppaction://hlinksldjump"/>
+              </a:rPr>
+              <a:t>Back</a:t>
+            </a:r>
+            <a:endParaRPr lang="en-US" dirty="0"/>
+          </a:p>
+        </p:txBody>
+      </p:sp>
+      <p:sp>
+        <p:nvSpPr>
+          <p:cNvPr id="4" name="Title 1"/>
+          <p:cNvSpPr>
+            <a:spLocks noGrp="1"/>
+          </p:cNvSpPr>
+          <p:nvPr>
+            <p:ph type="title"/>
+          </p:nvPr>
+        </p:nvSpPr>
+        <p:spPr>
+          <a:xfrm>
+            <a:off x="838200" y="365125"/>
+            <a:ext cx="10515600" cy="574675"/>
+          </a:xfrm>
+        </p:spPr>
+        <p:txBody>
+          <a:bodyPr>
+            <a:normAutofit fontScale="90000"/>
+          </a:bodyPr>
+          <a:lstStyle/>
+          <a:p>
+            <a:pPr algn="ctr"/>
+            <a:r>
+              <a:rPr lang="en-US" dirty="0" smtClean="0"/>
+              <a:t>PE Browse</a:t>
+            </a:r>
+            <a:endParaRPr lang="en-US" dirty="0"/>
+          </a:p>
+        </p:txBody>
+      </p:sp>
+    </p:spTree>
+    <p:extLst>
+      <p:ext uri="{BB962C8B-B14F-4D97-AF65-F5344CB8AC3E}">
+        <p14:creationId xmlns:p14="http://schemas.microsoft.com/office/powerpoint/2010/main" val="4215575909"/>
+      </p:ext>
+    </p:extLst>
+  </p:cSld>
+  <p:clrMapOvr>
+    <a:masterClrMapping/>
+  </p:clrMapOvr>
+  <mc:AlternateContent xmlns:mc="http://schemas.openxmlformats.org/markup-compatibility/2006" xmlns:p14="http://schemas.microsoft.com/office/powerpoint/2010/main">
+    <mc:Choice Requires="p14">
+      <p:transition spd="slow" p14:dur="1500" advClick="0">
+        <p:split orient="vert"/>
+      </p:transition>
+    </mc:Choice>
+    <mc:Fallback xmlns="">
+      <p:transition spd="slow" advClick="0">
+        <p:split orient="vert"/>
+      </p:transition>
+    </mc:Fallback>
+  </mc:AlternateContent>
+  <p:timing>
+    <p:tnLst>
+      <p:par>
+        <p:cTn id="1" dur="indefinite" restart="never" nodeType="tmRoot"/>
+      </p:par>
+    </p:tnLst>
+  </p:timing>
+</p:sld>
+</file>
+
+<file path=ppt/slides/slide68.xml><?xml version="1.0" encoding="utf-8"?>
+<p:sld xmlns:a="http://schemas.openxmlformats.org/drawingml/2006/main" xmlns:r="http://schemas.openxmlformats.org/officeDocument/2006/relationships" xmlns:p="http://schemas.openxmlformats.org/presentationml/2006/main" show="0">
+  <p:cSld>
+    <p:spTree>
+      <p:nvGrpSpPr>
+        <p:cNvPr id="1" name=""/>
+        <p:cNvGrpSpPr/>
+        <p:nvPr/>
+      </p:nvGrpSpPr>
+      <p:grpSpPr>
+        <a:xfrm>
+          <a:off x="0" y="0"/>
+          <a:ext cx="0" cy="0"/>
+          <a:chOff x="0" y="0"/>
+          <a:chExt cx="0" cy="0"/>
+        </a:xfrm>
+      </p:grpSpPr>
+      <p:sp>
+        <p:nvSpPr>
+          <p:cNvPr id="2" name="TextBox 1"/>
+          <p:cNvSpPr txBox="1"/>
+          <p:nvPr/>
+        </p:nvSpPr>
+        <p:spPr>
+          <a:xfrm>
+            <a:off x="5822957" y="6184900"/>
+            <a:ext cx="622286" cy="369332"/>
+          </a:xfrm>
+          <a:prstGeom prst="rect">
+            <a:avLst/>
+          </a:prstGeom>
+          <a:noFill/>
+        </p:spPr>
+        <p:txBody>
+          <a:bodyPr wrap="none" rtlCol="0">
+            <a:spAutoFit/>
+          </a:bodyPr>
+          <a:lstStyle/>
+          <a:p>
+            <a:r>
+              <a:rPr lang="en-US" dirty="0" smtClean="0">
+                <a:hlinkClick r:id="rId2" action="ppaction://hlinksldjump"/>
+              </a:rPr>
+              <a:t>Back</a:t>
+            </a:r>
+            <a:endParaRPr lang="en-US" dirty="0"/>
+          </a:p>
+        </p:txBody>
+      </p:sp>
+      <p:sp>
+        <p:nvSpPr>
+          <p:cNvPr id="4" name="Title 1"/>
+          <p:cNvSpPr>
+            <a:spLocks noGrp="1"/>
+          </p:cNvSpPr>
+          <p:nvPr>
+            <p:ph type="title"/>
+          </p:nvPr>
+        </p:nvSpPr>
+        <p:spPr>
+          <a:xfrm>
+            <a:off x="838200" y="365125"/>
+            <a:ext cx="10515600" cy="574675"/>
+          </a:xfrm>
+        </p:spPr>
+        <p:txBody>
+          <a:bodyPr>
+            <a:normAutofit fontScale="90000"/>
+          </a:bodyPr>
+          <a:lstStyle/>
+          <a:p>
+            <a:pPr algn="ctr"/>
+            <a:r>
+              <a:rPr lang="en-US" dirty="0" smtClean="0"/>
               <a:t>Channel 9</a:t>
             </a:r>
             <a:endParaRPr lang="en-US" dirty="0"/>
@@ -30928,8 +35605,8 @@
         </p:nvSpPr>
         <p:spPr>
           <a:xfrm>
-            <a:off x="457200" y="1549400"/>
-            <a:ext cx="5577840" cy="3970318"/>
+            <a:off x="622300" y="1549400"/>
+            <a:ext cx="10960100" cy="369332"/>
           </a:xfrm>
           <a:prstGeom prst="rect">
             <a:avLst/>
@@ -30944,149 +35621,21 @@
           <a:p>
             <a:r>
               <a:rPr lang="en-US" dirty="0"/>
-              <a:t>#120 - Windows Management Instrumentation (optional)</a:t>
-            </a:r>
-          </a:p>
-          <a:p>
-            <a:r>
-              <a:rPr lang="en-US" dirty="0"/>
-              <a:t>#121 - </a:t>
-            </a:r>
-            <a:r>
-              <a:rPr lang="en-US" dirty="0" err="1"/>
-              <a:t>DebugDiag</a:t>
-            </a:r>
-            <a:r>
-              <a:rPr lang="en-US" dirty="0"/>
-              <a:t> Part 1</a:t>
-            </a:r>
-          </a:p>
-          <a:p>
-            <a:r>
-              <a:rPr lang="en-US" dirty="0"/>
-              <a:t>#122 - </a:t>
-            </a:r>
-            <a:r>
-              <a:rPr lang="en-US" dirty="0" err="1"/>
-              <a:t>DebugDiag</a:t>
-            </a:r>
-            <a:r>
-              <a:rPr lang="en-US" dirty="0"/>
-              <a:t> Part 2</a:t>
-            </a:r>
-          </a:p>
-          <a:p>
-            <a:r>
-              <a:rPr lang="en-US" dirty="0"/>
-              <a:t>#123 - </a:t>
-            </a:r>
-            <a:r>
-              <a:rPr lang="en-US" dirty="0" err="1"/>
-              <a:t>DebugDiag</a:t>
-            </a:r>
-            <a:r>
-              <a:rPr lang="en-US" dirty="0"/>
-              <a:t> Part 3</a:t>
-            </a:r>
-          </a:p>
-          <a:p>
-            <a:r>
-              <a:rPr lang="en-US" dirty="0"/>
-              <a:t>#124 - </a:t>
-            </a:r>
-            <a:r>
-              <a:rPr lang="en-US" dirty="0" err="1"/>
-              <a:t>DebugDiag</a:t>
-            </a:r>
-            <a:r>
-              <a:rPr lang="en-US" dirty="0"/>
-              <a:t> Part 4</a:t>
-            </a:r>
-          </a:p>
-          <a:p>
-            <a:r>
-              <a:rPr lang="en-US" dirty="0"/>
-              <a:t>#134 - Microsoft Symbol Proxy (</a:t>
-            </a:r>
-            <a:r>
-              <a:rPr lang="en-US" dirty="0" err="1"/>
-              <a:t>SymProxy</a:t>
-            </a:r>
-            <a:r>
-              <a:rPr lang="en-US" dirty="0"/>
-              <a:t>) (optional)</a:t>
-            </a:r>
-          </a:p>
-          <a:p>
-            <a:r>
-              <a:rPr lang="en-US" dirty="0"/>
-              <a:t>#135 - Debugging User Mode Crash Dumps Part 1</a:t>
-            </a:r>
-          </a:p>
-          <a:p>
-            <a:r>
-              <a:rPr lang="en-US" dirty="0"/>
-              <a:t>#136 - Debugging User Mode Crash Dumps Part 2</a:t>
-            </a:r>
-          </a:p>
-          <a:p>
-            <a:r>
-              <a:rPr lang="en-US" dirty="0"/>
-              <a:t>#137 - Debugging Kernel Mode Crashes and Hangs</a:t>
-            </a:r>
-          </a:p>
-          <a:p>
-            <a:r>
-              <a:rPr lang="en-US" dirty="0"/>
-              <a:t>#138 - Debugging - 'dx' Command Part 1</a:t>
-            </a:r>
-          </a:p>
-          <a:p>
-            <a:r>
-              <a:rPr lang="en-US" dirty="0"/>
-              <a:t>#139 - Debugging - 'dx' Command Part 2</a:t>
-            </a:r>
-          </a:p>
-          <a:p>
-            <a:r>
-              <a:rPr lang="en-US" dirty="0"/>
-              <a:t>#146 – </a:t>
-            </a:r>
-            <a:r>
-              <a:rPr lang="en-US" dirty="0" err="1"/>
-              <a:t>WinDiff</a:t>
-            </a:r>
-            <a:endParaRPr lang="en-US" dirty="0"/>
-          </a:p>
-          <a:p>
-            <a:r>
-              <a:rPr lang="en-US" dirty="0"/>
-              <a:t>#147 - Dependency Walker</a:t>
-            </a:r>
-          </a:p>
-          <a:p>
-            <a:r>
-              <a:rPr lang="en-US" dirty="0"/>
-              <a:t>#154 - Memory Footprint and </a:t>
-            </a:r>
-            <a:r>
-              <a:rPr lang="en-US" dirty="0" smtClean="0"/>
-              <a:t>Leaks</a:t>
-            </a:r>
-            <a:endParaRPr lang="en-US" dirty="0"/>
-          </a:p>
-        </p:txBody>
-      </p:sp>
-      <p:sp>
-        <p:nvSpPr>
-          <p:cNvPr id="7" name="TextBox 6"/>
+              <a:t>https://channel9.msdn.com/</a:t>
+            </a:r>
+          </a:p>
+        </p:txBody>
+      </p:sp>
+      <p:sp>
+        <p:nvSpPr>
+          <p:cNvPr id="5" name="TextBox 4"/>
           <p:cNvSpPr txBox="1"/>
           <p:nvPr/>
         </p:nvSpPr>
         <p:spPr>
-          <a:xfrm>
-            <a:off x="6553200" y="1549400"/>
-            <a:ext cx="5577840" cy="2031325"/>
+          <a:xfrm flipH="1">
+            <a:off x="622300" y="2571750"/>
+            <a:ext cx="10960100" cy="369332"/>
           </a:xfrm>
           <a:prstGeom prst="rect">
             <a:avLst/>
@@ -31100,51 +35649,516 @@
           <a:lstStyle/>
           <a:p>
             <a:r>
+              <a:rPr lang="en-US" dirty="0" smtClean="0"/>
+              <a:t>Huge library of videos featuring Microsoft employees discussing Microsoft products.</a:t>
+            </a:r>
+            <a:endParaRPr lang="en-US" dirty="0"/>
+          </a:p>
+        </p:txBody>
+      </p:sp>
+      <p:sp>
+        <p:nvSpPr>
+          <p:cNvPr id="6" name="TextBox 5"/>
+          <p:cNvSpPr txBox="1"/>
+          <p:nvPr/>
+        </p:nvSpPr>
+        <p:spPr>
+          <a:xfrm>
+            <a:off x="622300" y="3594100"/>
+            <a:ext cx="10960100" cy="369332"/>
+          </a:xfrm>
+          <a:prstGeom prst="rect">
+            <a:avLst/>
+          </a:prstGeom>
+          <a:noFill/>
+        </p:spPr>
+        <p:txBody>
+          <a:bodyPr wrap="square" rtlCol="0">
+            <a:spAutoFit/>
+          </a:bodyPr>
+          <a:lstStyle/>
+          <a:p>
+            <a:r>
+              <a:rPr lang="en-US" dirty="0" smtClean="0"/>
+              <a:t>Reverse engineers should </a:t>
+            </a:r>
+            <a:r>
               <a:rPr lang="en-US" dirty="0"/>
-              <a:t>#161 - Troubleshooting a Slow PC (optional)</a:t>
-            </a:r>
-          </a:p>
-          <a:p>
-            <a:r>
-              <a:rPr lang="en-US" dirty="0"/>
-              <a:t>#167 - Debugging User Mode Crash Dumps </a:t>
-            </a:r>
-            <a:r>
-              <a:rPr lang="en-US" dirty="0" err="1"/>
-              <a:t>Redux</a:t>
+              <a:t>follow Defrag Tools (</a:t>
+            </a:r>
+            <a:r>
+              <a:rPr lang="en-US" dirty="0">
+                <a:hlinkClick r:id="rId3"/>
+              </a:rPr>
+              <a:t>https://channel9.msdn.com/Shows/Defrag-Tools</a:t>
+            </a:r>
+            <a:r>
+              <a:rPr lang="en-US" dirty="0" smtClean="0"/>
+              <a:t>).	</a:t>
             </a:r>
             <a:endParaRPr lang="en-US" dirty="0"/>
-          </a:p>
-          <a:p>
-            <a:r>
-              <a:rPr lang="en-US" dirty="0"/>
-              <a:t>#169 - Debugging Tools for Windows Team (optional)</a:t>
-            </a:r>
-          </a:p>
-          <a:p>
-            <a:r>
-              <a:rPr lang="en-US" dirty="0"/>
-              <a:t>#172 - Application Hangs</a:t>
-            </a:r>
-          </a:p>
-          <a:p>
-            <a:r>
-              <a:rPr lang="en-US" dirty="0"/>
-              <a:t>#173 - Troubleshooting with the Windows</a:t>
-            </a:r>
-          </a:p>
-          <a:p>
-            <a:r>
-              <a:rPr lang="en-US" dirty="0"/>
-              <a:t>#175 - Debugging the Network Stack</a:t>
-            </a:r>
           </a:p>
         </p:txBody>
       </p:sp>
     </p:spTree>
     <p:extLst>
       <p:ext uri="{BB962C8B-B14F-4D97-AF65-F5344CB8AC3E}">
-        <p14:creationId xmlns:p14="http://schemas.microsoft.com/office/powerpoint/2010/main" val="4206254986"/>
+        <p14:creationId xmlns:p14="http://schemas.microsoft.com/office/powerpoint/2010/main" val="3991540568"/>
+      </p:ext>
+    </p:extLst>
+  </p:cSld>
+  <p:clrMapOvr>
+    <a:masterClrMapping/>
+  </p:clrMapOvr>
+  <mc:AlternateContent xmlns:mc="http://schemas.openxmlformats.org/markup-compatibility/2006" xmlns:p14="http://schemas.microsoft.com/office/powerpoint/2010/main">
+    <mc:Choice Requires="p14">
+      <p:transition spd="slow" p14:dur="1500" advClick="0">
+        <p:split orient="vert"/>
+      </p:transition>
+    </mc:Choice>
+    <mc:Fallback xmlns="">
+      <p:transition spd="slow" advClick="0">
+        <p:split orient="vert"/>
+      </p:transition>
+    </mc:Fallback>
+  </mc:AlternateContent>
+  <p:timing>
+    <p:tnLst>
+      <p:par>
+        <p:cTn id="1" dur="indefinite" restart="never" nodeType="tmRoot"/>
+      </p:par>
+    </p:tnLst>
+  </p:timing>
+</p:sld>
+</file>
+
+<file path=ppt/slides/slide69.xml><?xml version="1.0" encoding="utf-8"?>
+<p:sld xmlns:a="http://schemas.openxmlformats.org/drawingml/2006/main" xmlns:r="http://schemas.openxmlformats.org/officeDocument/2006/relationships" xmlns:p="http://schemas.openxmlformats.org/presentationml/2006/main" show="0">
+  <p:cSld>
+    <p:spTree>
+      <p:nvGrpSpPr>
+        <p:cNvPr id="1" name=""/>
+        <p:cNvGrpSpPr/>
+        <p:nvPr/>
+      </p:nvGrpSpPr>
+      <p:grpSpPr>
+        <a:xfrm>
+          <a:off x="0" y="0"/>
+          <a:ext cx="0" cy="0"/>
+          <a:chOff x="0" y="0"/>
+          <a:chExt cx="0" cy="0"/>
+        </a:xfrm>
+      </p:grpSpPr>
+      <p:sp>
+        <p:nvSpPr>
+          <p:cNvPr id="2" name="TextBox 1"/>
+          <p:cNvSpPr txBox="1"/>
+          <p:nvPr/>
+        </p:nvSpPr>
+        <p:spPr>
+          <a:xfrm>
+            <a:off x="5822957" y="6184900"/>
+            <a:ext cx="622286" cy="369332"/>
+          </a:xfrm>
+          <a:prstGeom prst="rect">
+            <a:avLst/>
+          </a:prstGeom>
+          <a:noFill/>
+        </p:spPr>
+        <p:txBody>
+          <a:bodyPr wrap="none" rtlCol="0">
+            <a:spAutoFit/>
+          </a:bodyPr>
+          <a:lstStyle/>
+          <a:p>
+            <a:r>
+              <a:rPr lang="en-US" dirty="0" smtClean="0">
+                <a:hlinkClick r:id="rId2" action="ppaction://hlinksldjump"/>
+              </a:rPr>
+              <a:t>Back</a:t>
+            </a:r>
+            <a:endParaRPr lang="en-US" dirty="0"/>
+          </a:p>
+        </p:txBody>
+      </p:sp>
+      <p:sp>
+        <p:nvSpPr>
+          <p:cNvPr id="4" name="Title 1"/>
+          <p:cNvSpPr>
+            <a:spLocks noGrp="1"/>
+          </p:cNvSpPr>
+          <p:nvPr>
+            <p:ph type="title"/>
+          </p:nvPr>
+        </p:nvSpPr>
+        <p:spPr>
+          <a:xfrm>
+            <a:off x="838200" y="365125"/>
+            <a:ext cx="10515600" cy="574675"/>
+          </a:xfrm>
+        </p:spPr>
+        <p:txBody>
+          <a:bodyPr>
+            <a:normAutofit fontScale="90000"/>
+          </a:bodyPr>
+          <a:lstStyle/>
+          <a:p>
+            <a:pPr algn="ctr"/>
+            <a:r>
+              <a:rPr lang="en-US" dirty="0" smtClean="0"/>
+              <a:t>Channel 9</a:t>
+            </a:r>
+            <a:endParaRPr lang="en-US" dirty="0"/>
+          </a:p>
+        </p:txBody>
+      </p:sp>
+      <p:sp>
+        <p:nvSpPr>
+          <p:cNvPr id="3" name="TextBox 2"/>
+          <p:cNvSpPr txBox="1"/>
+          <p:nvPr/>
+        </p:nvSpPr>
+        <p:spPr>
+          <a:xfrm>
+            <a:off x="731520" y="1549400"/>
+            <a:ext cx="5029200" cy="4524315"/>
+          </a:xfrm>
+          <a:prstGeom prst="rect">
+            <a:avLst/>
+          </a:prstGeom>
+          <a:noFill/>
+        </p:spPr>
+        <p:txBody>
+          <a:bodyPr wrap="square" rtlCol="0">
+            <a:spAutoFit/>
+          </a:bodyPr>
+          <a:lstStyle/>
+          <a:p>
+            <a:r>
+              <a:rPr lang="en-US" dirty="0"/>
+              <a:t>#    </a:t>
+            </a:r>
+            <a:r>
+              <a:rPr lang="en-US"/>
+              <a:t>1 </a:t>
+            </a:r>
+            <a:r>
+              <a:rPr lang="en-US" smtClean="0"/>
+              <a:t>- </a:t>
+            </a:r>
+            <a:r>
+              <a:rPr lang="en-US" dirty="0"/>
+              <a:t>Building you USB </a:t>
+            </a:r>
+            <a:r>
+              <a:rPr lang="en-US" dirty="0" err="1"/>
+              <a:t>thumbdrive</a:t>
+            </a:r>
+            <a:r>
+              <a:rPr lang="en-US" dirty="0"/>
+              <a:t> (optional)</a:t>
+            </a:r>
+          </a:p>
+          <a:p>
+            <a:r>
+              <a:rPr lang="en-US" dirty="0"/>
+              <a:t>#    2 - Process Explorer</a:t>
+            </a:r>
+          </a:p>
+          <a:p>
+            <a:r>
+              <a:rPr lang="en-US" dirty="0"/>
+              <a:t>#    3 - Process Monitor</a:t>
+            </a:r>
+          </a:p>
+          <a:p>
+            <a:r>
+              <a:rPr lang="en-US" dirty="0"/>
+              <a:t>#    4 - Process Monitor – Examples</a:t>
+            </a:r>
+          </a:p>
+          <a:p>
+            <a:r>
+              <a:rPr lang="en-US" dirty="0"/>
+              <a:t>#    5 - </a:t>
+            </a:r>
+            <a:r>
+              <a:rPr lang="en-US" dirty="0" err="1"/>
+              <a:t>Autoruns</a:t>
+            </a:r>
+            <a:r>
+              <a:rPr lang="en-US" dirty="0"/>
+              <a:t> and </a:t>
+            </a:r>
+            <a:r>
+              <a:rPr lang="en-US" dirty="0" err="1"/>
+              <a:t>MSConfig</a:t>
+            </a:r>
+            <a:endParaRPr lang="en-US" dirty="0"/>
+          </a:p>
+          <a:p>
+            <a:r>
+              <a:rPr lang="en-US" dirty="0"/>
+              <a:t>#    6 </a:t>
+            </a:r>
+            <a:r>
+              <a:rPr lang="en-US" dirty="0" smtClean="0"/>
+              <a:t>- </a:t>
+            </a:r>
+            <a:r>
+              <a:rPr lang="en-US" dirty="0" err="1"/>
+              <a:t>RAMMap</a:t>
+            </a:r>
+            <a:endParaRPr lang="en-US" dirty="0"/>
+          </a:p>
+          <a:p>
+            <a:r>
+              <a:rPr lang="en-US" dirty="0"/>
+              <a:t>#    7 </a:t>
+            </a:r>
+            <a:r>
+              <a:rPr lang="en-US" dirty="0" smtClean="0"/>
+              <a:t>- </a:t>
+            </a:r>
+            <a:r>
+              <a:rPr lang="en-US" dirty="0" err="1"/>
+              <a:t>VMMap</a:t>
+            </a:r>
+            <a:endParaRPr lang="en-US" dirty="0"/>
+          </a:p>
+          <a:p>
+            <a:r>
+              <a:rPr lang="en-US" dirty="0"/>
+              <a:t>#  13 </a:t>
+            </a:r>
+            <a:r>
+              <a:rPr lang="en-US" dirty="0" smtClean="0"/>
+              <a:t>- </a:t>
+            </a:r>
+            <a:r>
+              <a:rPr lang="en-US" dirty="0"/>
+              <a:t>WinDbg</a:t>
+            </a:r>
+          </a:p>
+          <a:p>
+            <a:r>
+              <a:rPr lang="en-US" dirty="0"/>
+              <a:t>#  14 - WinDbg – SOS</a:t>
+            </a:r>
+          </a:p>
+          <a:p>
+            <a:r>
+              <a:rPr lang="en-US" dirty="0"/>
+              <a:t>#  15 - WinDbg - </a:t>
+            </a:r>
+            <a:r>
+              <a:rPr lang="en-US" dirty="0" err="1"/>
+              <a:t>Bugchecks</a:t>
+            </a:r>
+            <a:r>
+              <a:rPr lang="en-US" dirty="0"/>
+              <a:t> (BSOD)</a:t>
+            </a:r>
+          </a:p>
+          <a:p>
+            <a:r>
+              <a:rPr lang="en-US" dirty="0"/>
+              <a:t>#  19 - WinDbg – OCA</a:t>
+            </a:r>
+          </a:p>
+          <a:p>
+            <a:r>
+              <a:rPr lang="en-US" dirty="0"/>
+              <a:t>#  20 - WinDbg - Basic Commands</a:t>
+            </a:r>
+          </a:p>
+          <a:p>
+            <a:r>
+              <a:rPr lang="en-US" dirty="0"/>
+              <a:t>#  21 - WinDbg - Memory User Mode</a:t>
+            </a:r>
+          </a:p>
+          <a:p>
+            <a:r>
+              <a:rPr lang="en-US" dirty="0"/>
+              <a:t>#  22 - WinDbg - Memory Kernel Mode</a:t>
+            </a:r>
+          </a:p>
+          <a:p>
+            <a:r>
+              <a:rPr lang="en-US" dirty="0"/>
+              <a:t>#  24 - WinDbg - Critical Sections</a:t>
+            </a:r>
+          </a:p>
+          <a:p>
+            <a:r>
+              <a:rPr lang="en-US" dirty="0"/>
+              <a:t>#  25 - WinDbg – Events</a:t>
+            </a:r>
+          </a:p>
+        </p:txBody>
+      </p:sp>
+      <p:sp>
+        <p:nvSpPr>
+          <p:cNvPr id="7" name="TextBox 6"/>
+          <p:cNvSpPr txBox="1"/>
+          <p:nvPr/>
+        </p:nvSpPr>
+        <p:spPr>
+          <a:xfrm>
+            <a:off x="6827520" y="1549400"/>
+            <a:ext cx="5029200" cy="4524315"/>
+          </a:xfrm>
+          <a:prstGeom prst="rect">
+            <a:avLst/>
+          </a:prstGeom>
+          <a:noFill/>
+        </p:spPr>
+        <p:txBody>
+          <a:bodyPr wrap="square" rtlCol="0">
+            <a:spAutoFit/>
+          </a:bodyPr>
+          <a:lstStyle/>
+          <a:p>
+            <a:r>
+              <a:rPr lang="en-US" dirty="0"/>
+              <a:t>#  26 - WinDbg - Semaphores, </a:t>
+            </a:r>
+            <a:r>
+              <a:rPr lang="en-US" dirty="0" err="1"/>
+              <a:t>Mutexes</a:t>
+            </a:r>
+            <a:r>
+              <a:rPr lang="en-US" dirty="0"/>
+              <a:t> and Timers</a:t>
+            </a:r>
+          </a:p>
+          <a:p>
+            <a:r>
+              <a:rPr lang="en-US" dirty="0"/>
+              <a:t>#  27 - WinDbg - Configure Kernel Debugging</a:t>
+            </a:r>
+          </a:p>
+          <a:p>
+            <a:r>
+              <a:rPr lang="en-US" dirty="0"/>
+              <a:t>#  28 - WinDbg – Scheduling</a:t>
+            </a:r>
+          </a:p>
+          <a:p>
+            <a:r>
+              <a:rPr lang="en-US" dirty="0"/>
+              <a:t>#  29 - WinDbg - ETW Logging</a:t>
+            </a:r>
+          </a:p>
+          <a:p>
+            <a:r>
+              <a:rPr lang="en-US" dirty="0"/>
+              <a:t>#  30 - MCTS Windows Internals</a:t>
+            </a:r>
+          </a:p>
+          <a:p>
+            <a:r>
+              <a:rPr lang="en-US" dirty="0"/>
+              <a:t>#  89 - Symbol Folder Tools</a:t>
+            </a:r>
+          </a:p>
+          <a:p>
+            <a:r>
+              <a:rPr lang="en-US" dirty="0"/>
+              <a:t>#  94 - </a:t>
+            </a:r>
+            <a:r>
+              <a:rPr lang="en-US" dirty="0" err="1"/>
+              <a:t>Sysinternals</a:t>
+            </a:r>
+            <a:r>
+              <a:rPr lang="en-US" dirty="0"/>
+              <a:t> Strings, </a:t>
+            </a:r>
+            <a:r>
+              <a:rPr lang="en-US" dirty="0" err="1"/>
+              <a:t>FindStr</a:t>
+            </a:r>
+            <a:r>
+              <a:rPr lang="en-US" dirty="0"/>
+              <a:t>, !</a:t>
+            </a:r>
+            <a:r>
+              <a:rPr lang="en-US" dirty="0" err="1"/>
+              <a:t>pde.ssz</a:t>
+            </a:r>
+            <a:endParaRPr lang="en-US" dirty="0"/>
+          </a:p>
+          <a:p>
+            <a:r>
+              <a:rPr lang="en-US" dirty="0"/>
+              <a:t>#  96 - Writing a Debugger Extension Part 1</a:t>
+            </a:r>
+          </a:p>
+          <a:p>
+            <a:r>
+              <a:rPr lang="en-US" dirty="0"/>
+              <a:t>#  97 - Writing a Debugger Extension Part 2</a:t>
+            </a:r>
+          </a:p>
+          <a:p>
+            <a:r>
+              <a:rPr lang="en-US" dirty="0"/>
+              <a:t>#  98 - Writing a Debugger Extension Part 3</a:t>
+            </a:r>
+          </a:p>
+          <a:p>
+            <a:r>
+              <a:rPr lang="en-US" dirty="0"/>
+              <a:t>#  99 - Writing a Debugger Extension Part 4</a:t>
+            </a:r>
+          </a:p>
+          <a:p>
+            <a:r>
+              <a:rPr lang="en-US" dirty="0"/>
+              <a:t>#101 - Writing a Debugger Extension Part 5</a:t>
+            </a:r>
+          </a:p>
+          <a:p>
+            <a:r>
+              <a:rPr lang="en-US" dirty="0"/>
+              <a:t>#102 - Writing a Debugger Extension Part 6</a:t>
+            </a:r>
+          </a:p>
+          <a:p>
+            <a:r>
+              <a:rPr lang="en-US" dirty="0"/>
+              <a:t>#103 - Writing a Debugger Extension Part 7</a:t>
+            </a:r>
+          </a:p>
+          <a:p>
+            <a:r>
+              <a:rPr lang="en-US" dirty="0"/>
+              <a:t>#104 - Writing a Debugger Extension Part </a:t>
+            </a:r>
+            <a:r>
+              <a:rPr lang="en-US" dirty="0" smtClean="0"/>
+              <a:t>8</a:t>
+            </a:r>
+          </a:p>
+          <a:p>
+            <a:r>
+              <a:rPr lang="en-US" dirty="0"/>
+              <a:t>#105 - Writing a Debugger Extension Part </a:t>
+            </a:r>
+            <a:r>
+              <a:rPr lang="en-US" dirty="0" smtClean="0"/>
+              <a:t>9</a:t>
+            </a:r>
+            <a:endParaRPr lang="en-US" dirty="0"/>
+          </a:p>
+        </p:txBody>
+      </p:sp>
+    </p:spTree>
+    <p:extLst>
+      <p:ext uri="{BB962C8B-B14F-4D97-AF65-F5344CB8AC3E}">
+        <p14:creationId xmlns:p14="http://schemas.microsoft.com/office/powerpoint/2010/main" val="612111567"/>
       </p:ext>
     </p:extLst>
   </p:cSld>
@@ -31466,6 +36480,339 @@
     <p:extLst>
       <p:ext uri="{BB962C8B-B14F-4D97-AF65-F5344CB8AC3E}">
         <p14:creationId xmlns:p14="http://schemas.microsoft.com/office/powerpoint/2010/main" val="1161920294"/>
+      </p:ext>
+    </p:extLst>
+  </p:cSld>
+  <p:clrMapOvr>
+    <a:masterClrMapping/>
+  </p:clrMapOvr>
+  <mc:AlternateContent xmlns:mc="http://schemas.openxmlformats.org/markup-compatibility/2006" xmlns:p14="http://schemas.microsoft.com/office/powerpoint/2010/main">
+    <mc:Choice Requires="p14">
+      <p:transition spd="slow" p14:dur="1500" advClick="0">
+        <p:split orient="vert"/>
+      </p:transition>
+    </mc:Choice>
+    <mc:Fallback xmlns="">
+      <p:transition spd="slow" advClick="0">
+        <p:split orient="vert"/>
+      </p:transition>
+    </mc:Fallback>
+  </mc:AlternateContent>
+  <p:timing>
+    <p:tnLst>
+      <p:par>
+        <p:cTn id="1" dur="indefinite" restart="never" nodeType="tmRoot"/>
+      </p:par>
+    </p:tnLst>
+  </p:timing>
+</p:sld>
+</file>
+
+<file path=ppt/slides/slide70.xml><?xml version="1.0" encoding="utf-8"?>
+<p:sld xmlns:a="http://schemas.openxmlformats.org/drawingml/2006/main" xmlns:r="http://schemas.openxmlformats.org/officeDocument/2006/relationships" xmlns:p="http://schemas.openxmlformats.org/presentationml/2006/main" show="0">
+  <p:cSld>
+    <p:spTree>
+      <p:nvGrpSpPr>
+        <p:cNvPr id="1" name=""/>
+        <p:cNvGrpSpPr/>
+        <p:nvPr/>
+      </p:nvGrpSpPr>
+      <p:grpSpPr>
+        <a:xfrm>
+          <a:off x="0" y="0"/>
+          <a:ext cx="0" cy="0"/>
+          <a:chOff x="0" y="0"/>
+          <a:chExt cx="0" cy="0"/>
+        </a:xfrm>
+      </p:grpSpPr>
+      <p:sp>
+        <p:nvSpPr>
+          <p:cNvPr id="2" name="TextBox 1"/>
+          <p:cNvSpPr txBox="1"/>
+          <p:nvPr/>
+        </p:nvSpPr>
+        <p:spPr>
+          <a:xfrm>
+            <a:off x="5822957" y="6184900"/>
+            <a:ext cx="622286" cy="369332"/>
+          </a:xfrm>
+          <a:prstGeom prst="rect">
+            <a:avLst/>
+          </a:prstGeom>
+          <a:noFill/>
+        </p:spPr>
+        <p:txBody>
+          <a:bodyPr wrap="none" rtlCol="0">
+            <a:spAutoFit/>
+          </a:bodyPr>
+          <a:lstStyle/>
+          <a:p>
+            <a:r>
+              <a:rPr lang="en-US" dirty="0" smtClean="0">
+                <a:hlinkClick r:id="rId2" action="ppaction://hlinksldjump"/>
+              </a:rPr>
+              <a:t>Back</a:t>
+            </a:r>
+            <a:endParaRPr lang="en-US" dirty="0"/>
+          </a:p>
+        </p:txBody>
+      </p:sp>
+      <p:sp>
+        <p:nvSpPr>
+          <p:cNvPr id="4" name="Title 1"/>
+          <p:cNvSpPr>
+            <a:spLocks noGrp="1"/>
+          </p:cNvSpPr>
+          <p:nvPr>
+            <p:ph type="title"/>
+          </p:nvPr>
+        </p:nvSpPr>
+        <p:spPr>
+          <a:xfrm>
+            <a:off x="838200" y="365125"/>
+            <a:ext cx="10515600" cy="574675"/>
+          </a:xfrm>
+        </p:spPr>
+        <p:txBody>
+          <a:bodyPr>
+            <a:normAutofit fontScale="90000"/>
+          </a:bodyPr>
+          <a:lstStyle/>
+          <a:p>
+            <a:pPr algn="ctr"/>
+            <a:r>
+              <a:rPr lang="en-US" dirty="0" smtClean="0"/>
+              <a:t>Channel 9</a:t>
+            </a:r>
+            <a:endParaRPr lang="en-US" dirty="0"/>
+          </a:p>
+        </p:txBody>
+      </p:sp>
+      <p:sp>
+        <p:nvSpPr>
+          <p:cNvPr id="3" name="TextBox 2"/>
+          <p:cNvSpPr txBox="1"/>
+          <p:nvPr/>
+        </p:nvSpPr>
+        <p:spPr>
+          <a:xfrm>
+            <a:off x="457200" y="1549400"/>
+            <a:ext cx="5577840" cy="3970318"/>
+          </a:xfrm>
+          <a:prstGeom prst="rect">
+            <a:avLst/>
+          </a:prstGeom>
+          <a:noFill/>
+        </p:spPr>
+        <p:txBody>
+          <a:bodyPr wrap="square" rtlCol="0">
+            <a:spAutoFit/>
+          </a:bodyPr>
+          <a:lstStyle/>
+          <a:p>
+            <a:r>
+              <a:rPr lang="en-US" dirty="0"/>
+              <a:t>#120 - Windows Management Instrumentation (optional)</a:t>
+            </a:r>
+          </a:p>
+          <a:p>
+            <a:r>
+              <a:rPr lang="en-US" dirty="0"/>
+              <a:t>#121 - </a:t>
+            </a:r>
+            <a:r>
+              <a:rPr lang="en-US" dirty="0" err="1"/>
+              <a:t>DebugDiag</a:t>
+            </a:r>
+            <a:r>
+              <a:rPr lang="en-US" dirty="0"/>
+              <a:t> Part 1</a:t>
+            </a:r>
+          </a:p>
+          <a:p>
+            <a:r>
+              <a:rPr lang="en-US" dirty="0"/>
+              <a:t>#122 - </a:t>
+            </a:r>
+            <a:r>
+              <a:rPr lang="en-US" dirty="0" err="1"/>
+              <a:t>DebugDiag</a:t>
+            </a:r>
+            <a:r>
+              <a:rPr lang="en-US" dirty="0"/>
+              <a:t> Part 2</a:t>
+            </a:r>
+          </a:p>
+          <a:p>
+            <a:r>
+              <a:rPr lang="en-US" dirty="0"/>
+              <a:t>#123 - </a:t>
+            </a:r>
+            <a:r>
+              <a:rPr lang="en-US" dirty="0" err="1"/>
+              <a:t>DebugDiag</a:t>
+            </a:r>
+            <a:r>
+              <a:rPr lang="en-US" dirty="0"/>
+              <a:t> Part 3</a:t>
+            </a:r>
+          </a:p>
+          <a:p>
+            <a:r>
+              <a:rPr lang="en-US" dirty="0"/>
+              <a:t>#124 - </a:t>
+            </a:r>
+            <a:r>
+              <a:rPr lang="en-US" dirty="0" err="1"/>
+              <a:t>DebugDiag</a:t>
+            </a:r>
+            <a:r>
+              <a:rPr lang="en-US" dirty="0"/>
+              <a:t> Part 4</a:t>
+            </a:r>
+          </a:p>
+          <a:p>
+            <a:r>
+              <a:rPr lang="en-US" dirty="0"/>
+              <a:t>#134 - Microsoft Symbol Proxy (</a:t>
+            </a:r>
+            <a:r>
+              <a:rPr lang="en-US" dirty="0" err="1"/>
+              <a:t>SymProxy</a:t>
+            </a:r>
+            <a:r>
+              <a:rPr lang="en-US" dirty="0"/>
+              <a:t>) (optional)</a:t>
+            </a:r>
+          </a:p>
+          <a:p>
+            <a:r>
+              <a:rPr lang="en-US" dirty="0"/>
+              <a:t>#135 - Debugging User Mode Crash Dumps Part 1</a:t>
+            </a:r>
+          </a:p>
+          <a:p>
+            <a:r>
+              <a:rPr lang="en-US" dirty="0"/>
+              <a:t>#136 - Debugging User Mode Crash Dumps Part 2</a:t>
+            </a:r>
+          </a:p>
+          <a:p>
+            <a:r>
+              <a:rPr lang="en-US" dirty="0"/>
+              <a:t>#137 - Debugging Kernel Mode Crashes and Hangs</a:t>
+            </a:r>
+          </a:p>
+          <a:p>
+            <a:r>
+              <a:rPr lang="en-US" dirty="0"/>
+              <a:t>#138 - Debugging - 'dx' Command Part 1</a:t>
+            </a:r>
+          </a:p>
+          <a:p>
+            <a:r>
+              <a:rPr lang="en-US" dirty="0"/>
+              <a:t>#139 - Debugging - 'dx' Command Part 2</a:t>
+            </a:r>
+          </a:p>
+          <a:p>
+            <a:r>
+              <a:rPr lang="en-US" dirty="0"/>
+              <a:t>#146 – </a:t>
+            </a:r>
+            <a:r>
+              <a:rPr lang="en-US" dirty="0" err="1"/>
+              <a:t>WinDiff</a:t>
+            </a:r>
+            <a:endParaRPr lang="en-US" dirty="0"/>
+          </a:p>
+          <a:p>
+            <a:r>
+              <a:rPr lang="en-US" dirty="0"/>
+              <a:t>#147 - Dependency Walker</a:t>
+            </a:r>
+          </a:p>
+          <a:p>
+            <a:r>
+              <a:rPr lang="en-US" dirty="0"/>
+              <a:t>#154 - Memory Footprint and </a:t>
+            </a:r>
+            <a:r>
+              <a:rPr lang="en-US" dirty="0" smtClean="0"/>
+              <a:t>Leaks</a:t>
+            </a:r>
+            <a:endParaRPr lang="en-US" dirty="0"/>
+          </a:p>
+        </p:txBody>
+      </p:sp>
+      <p:sp>
+        <p:nvSpPr>
+          <p:cNvPr id="7" name="TextBox 6"/>
+          <p:cNvSpPr txBox="1"/>
+          <p:nvPr/>
+        </p:nvSpPr>
+        <p:spPr>
+          <a:xfrm>
+            <a:off x="6553200" y="1549400"/>
+            <a:ext cx="5577840" cy="2031325"/>
+          </a:xfrm>
+          <a:prstGeom prst="rect">
+            <a:avLst/>
+          </a:prstGeom>
+          <a:noFill/>
+        </p:spPr>
+        <p:txBody>
+          <a:bodyPr wrap="square" rtlCol="0">
+            <a:spAutoFit/>
+          </a:bodyPr>
+          <a:lstStyle/>
+          <a:p>
+            <a:r>
+              <a:rPr lang="en-US" dirty="0"/>
+              <a:t>#161 - Troubleshooting a Slow PC (optional)</a:t>
+            </a:r>
+          </a:p>
+          <a:p>
+            <a:r>
+              <a:rPr lang="en-US" dirty="0"/>
+              <a:t>#167 - Debugging User Mode Crash Dumps </a:t>
+            </a:r>
+            <a:r>
+              <a:rPr lang="en-US" dirty="0" err="1"/>
+              <a:t>Redux</a:t>
+            </a:r>
+            <a:endParaRPr lang="en-US" dirty="0"/>
+          </a:p>
+          <a:p>
+            <a:r>
+              <a:rPr lang="en-US" dirty="0"/>
+              <a:t>#169 - Debugging Tools for Windows Team (optional)</a:t>
+            </a:r>
+          </a:p>
+          <a:p>
+            <a:r>
+              <a:rPr lang="en-US" dirty="0"/>
+              <a:t>#172 - Application Hangs</a:t>
+            </a:r>
+          </a:p>
+          <a:p>
+            <a:r>
+              <a:rPr lang="en-US" dirty="0"/>
+              <a:t>#173 - Troubleshooting with the Windows</a:t>
+            </a:r>
+          </a:p>
+          <a:p>
+            <a:r>
+              <a:rPr lang="en-US" dirty="0"/>
+              <a:t>#175 - Debugging the Network Stack</a:t>
+            </a:r>
+          </a:p>
+        </p:txBody>
+      </p:sp>
+    </p:spTree>
+    <p:extLst>
+      <p:ext uri="{BB962C8B-B14F-4D97-AF65-F5344CB8AC3E}">
+        <p14:creationId xmlns:p14="http://schemas.microsoft.com/office/powerpoint/2010/main" val="4206254986"/>
       </p:ext>
     </p:extLst>
   </p:cSld>
